--- a/Generative ai.pptx
+++ b/Generative ai.pptx
@@ -6,15 +6,29 @@
   </p:sldMasterIdLst>
   <p:sldIdLst>
     <p:sldId id="256" r:id="rId2"/>
-    <p:sldId id="258" r:id="rId3"/>
-    <p:sldId id="257" r:id="rId4"/>
-    <p:sldId id="259" r:id="rId5"/>
-    <p:sldId id="262" r:id="rId6"/>
-    <p:sldId id="263" r:id="rId7"/>
-    <p:sldId id="264" r:id="rId8"/>
-    <p:sldId id="265" r:id="rId9"/>
-    <p:sldId id="260" r:id="rId10"/>
+    <p:sldId id="266" r:id="rId3"/>
+    <p:sldId id="258" r:id="rId4"/>
+    <p:sldId id="257" r:id="rId5"/>
+    <p:sldId id="259" r:id="rId6"/>
+    <p:sldId id="262" r:id="rId7"/>
+    <p:sldId id="263" r:id="rId8"/>
+    <p:sldId id="264" r:id="rId9"/>
+    <p:sldId id="265" r:id="rId10"/>
     <p:sldId id="261" r:id="rId11"/>
+    <p:sldId id="260" r:id="rId12"/>
+    <p:sldId id="267" r:id="rId13"/>
+    <p:sldId id="268" r:id="rId14"/>
+    <p:sldId id="269" r:id="rId15"/>
+    <p:sldId id="270" r:id="rId16"/>
+    <p:sldId id="271" r:id="rId17"/>
+    <p:sldId id="272" r:id="rId18"/>
+    <p:sldId id="273" r:id="rId19"/>
+    <p:sldId id="274" r:id="rId20"/>
+    <p:sldId id="275" r:id="rId21"/>
+    <p:sldId id="276" r:id="rId22"/>
+    <p:sldId id="277" r:id="rId23"/>
+    <p:sldId id="278" r:id="rId24"/>
+    <p:sldId id="279" r:id="rId25"/>
   </p:sldIdLst>
   <p:sldSz cx="12192000" cy="6858000"/>
   <p:notesSz cx="6858000" cy="9144000"/>
@@ -113,6 +127,11 @@
       </a:defRPr>
     </a:lvl9pPr>
   </p:defaultTextStyle>
+  <p:extLst>
+    <p:ext uri="{EFAFB233-063F-42B5-8137-9DF3F51BA10A}">
+      <p15:sldGuideLst xmlns:p15="http://schemas.microsoft.com/office/powerpoint/2012/main"/>
+    </p:ext>
+  </p:extLst>
 </p:presentation>
 </file>
 
@@ -429,7 +448,7 @@
           <a:p>
             <a:fld id="{1E351CED-465B-40B5-ADCE-957C918F227B}" type="datetimeFigureOut">
               <a:rPr lang="en-US" smtClean="0"/>
-              <a:t>7/21/24</a:t>
+              <a:t>7/28/24</a:t>
             </a:fld>
             <a:endParaRPr lang="en-US"/>
           </a:p>
@@ -637,7 +656,7 @@
           <a:p>
             <a:fld id="{1E351CED-465B-40B5-ADCE-957C918F227B}" type="datetimeFigureOut">
               <a:rPr lang="en-US" smtClean="0"/>
-              <a:t>7/21/24</a:t>
+              <a:t>7/28/24</a:t>
             </a:fld>
             <a:endParaRPr lang="en-US"/>
           </a:p>
@@ -847,7 +866,7 @@
           <a:p>
             <a:fld id="{1E351CED-465B-40B5-ADCE-957C918F227B}" type="datetimeFigureOut">
               <a:rPr lang="en-US" smtClean="0"/>
-              <a:t>7/21/24</a:t>
+              <a:t>7/28/24</a:t>
             </a:fld>
             <a:endParaRPr lang="en-US"/>
           </a:p>
@@ -1047,7 +1066,7 @@
           <a:p>
             <a:fld id="{1E351CED-465B-40B5-ADCE-957C918F227B}" type="datetimeFigureOut">
               <a:rPr lang="en-US" smtClean="0"/>
-              <a:t>7/21/24</a:t>
+              <a:t>7/28/24</a:t>
             </a:fld>
             <a:endParaRPr lang="en-US"/>
           </a:p>
@@ -1625,7 +1644,7 @@
           <a:p>
             <a:fld id="{1E351CED-465B-40B5-ADCE-957C918F227B}" type="datetimeFigureOut">
               <a:rPr lang="en-US" smtClean="0"/>
-              <a:t>7/21/24</a:t>
+              <a:t>7/28/24</a:t>
             </a:fld>
             <a:endParaRPr lang="en-US"/>
           </a:p>
@@ -1898,7 +1917,7 @@
           <a:p>
             <a:fld id="{1E351CED-465B-40B5-ADCE-957C918F227B}" type="datetimeFigureOut">
               <a:rPr lang="en-US" smtClean="0"/>
-              <a:t>7/21/24</a:t>
+              <a:t>7/28/24</a:t>
             </a:fld>
             <a:endParaRPr lang="en-US"/>
           </a:p>
@@ -2315,7 +2334,7 @@
           <a:p>
             <a:fld id="{1E351CED-465B-40B5-ADCE-957C918F227B}" type="datetimeFigureOut">
               <a:rPr lang="en-US" smtClean="0"/>
-              <a:t>7/21/24</a:t>
+              <a:t>7/28/24</a:t>
             </a:fld>
             <a:endParaRPr lang="en-US"/>
           </a:p>
@@ -2462,7 +2481,7 @@
           <a:p>
             <a:fld id="{1E351CED-465B-40B5-ADCE-957C918F227B}" type="datetimeFigureOut">
               <a:rPr lang="en-US" smtClean="0"/>
-              <a:t>7/21/24</a:t>
+              <a:t>7/28/24</a:t>
             </a:fld>
             <a:endParaRPr lang="en-US"/>
           </a:p>
@@ -2575,7 +2594,7 @@
           <a:p>
             <a:fld id="{1E351CED-465B-40B5-ADCE-957C918F227B}" type="datetimeFigureOut">
               <a:rPr lang="en-US" smtClean="0"/>
-              <a:t>7/21/24</a:t>
+              <a:t>7/28/24</a:t>
             </a:fld>
             <a:endParaRPr lang="en-US"/>
           </a:p>
@@ -2890,7 +2909,7 @@
           <a:p>
             <a:fld id="{1E351CED-465B-40B5-ADCE-957C918F227B}" type="datetimeFigureOut">
               <a:rPr lang="en-US" smtClean="0"/>
-              <a:t>7/21/24</a:t>
+              <a:t>7/28/24</a:t>
             </a:fld>
             <a:endParaRPr lang="en-US"/>
           </a:p>
@@ -3184,7 +3203,7 @@
           <a:p>
             <a:fld id="{1E351CED-465B-40B5-ADCE-957C918F227B}" type="datetimeFigureOut">
               <a:rPr lang="en-US" smtClean="0"/>
-              <a:t>7/21/24</a:t>
+              <a:t>7/28/24</a:t>
             </a:fld>
             <a:endParaRPr lang="en-US"/>
           </a:p>
@@ -3261,9 +3280,12 @@
 <p:sldMaster xmlns:a="http://schemas.openxmlformats.org/drawingml/2006/main" xmlns:r="http://schemas.openxmlformats.org/officeDocument/2006/relationships" xmlns:p="http://schemas.openxmlformats.org/presentationml/2006/main">
   <p:cSld>
     <p:bg>
-      <p:bgRef idx="1001">
-        <a:schemeClr val="bg1"/>
-      </p:bgRef>
+      <p:bgPr>
+        <a:solidFill>
+          <a:schemeClr val="bg1"/>
+        </a:solidFill>
+        <a:effectLst/>
+      </p:bgPr>
     </p:bg>
     <p:spTree>
       <p:nvGrpSpPr>
@@ -3425,7 +3447,7 @@
           <a:p>
             <a:fld id="{1E351CED-465B-40B5-ADCE-957C918F227B}" type="datetimeFigureOut">
               <a:rPr lang="en-US" smtClean="0"/>
-              <a:t>7/21/24</a:t>
+              <a:t>7/28/24</a:t>
             </a:fld>
             <a:endParaRPr lang="en-US"/>
           </a:p>
@@ -3824,14 +3846,6 @@
 <file path=ppt/slides/slide1.xml><?xml version="1.0" encoding="utf-8"?>
 <p:sld xmlns:a="http://schemas.openxmlformats.org/drawingml/2006/main" xmlns:r="http://schemas.openxmlformats.org/officeDocument/2006/relationships" xmlns:p="http://schemas.openxmlformats.org/presentationml/2006/main">
   <p:cSld>
-    <p:bg>
-      <p:bgPr>
-        <a:solidFill>
-          <a:schemeClr val="bg1"/>
-        </a:solidFill>
-        <a:effectLst/>
-      </p:bgPr>
-    </p:bg>
     <p:spTree>
       <p:nvGrpSpPr>
         <p:cNvPr id="1" name=""/>
@@ -3848,7 +3862,7 @@
       </p:grpSpPr>
       <p:sp useBgFill="1">
         <p:nvSpPr>
-          <p:cNvPr id="51" name="Rectangle 46">
+          <p:cNvPr id="57" name="Rectangle 56">
             <a:extLst>
               <a:ext uri="{FF2B5EF4-FFF2-40B4-BE49-F238E27FC236}">
                 <a16:creationId xmlns:a16="http://schemas.microsoft.com/office/drawing/2014/main" id="{CAA37442-EAE9-6CFC-AC74-44222B37FA80}"/>
@@ -3953,7 +3967,7 @@
       </p:pic>
       <p:sp>
         <p:nvSpPr>
-          <p:cNvPr id="52" name="Rectangle 48">
+          <p:cNvPr id="59" name="Rectangle 58">
             <a:extLst>
               <a:ext uri="{FF2B5EF4-FFF2-40B4-BE49-F238E27FC236}">
                 <a16:creationId xmlns:a16="http://schemas.microsoft.com/office/drawing/2014/main" id="{54117A24-9D5E-A791-A2F4-8C81AC603C15}"/>
@@ -3989,14 +4003,14 @@
                   <a:alpha val="0"/>
                 </a:srgbClr>
               </a:gs>
-              <a:gs pos="56000">
+              <a:gs pos="67900">
                 <a:srgbClr val="000000">
-                  <a:alpha val="58000"/>
+                  <a:alpha val="33000"/>
                 </a:srgbClr>
               </a:gs>
               <a:gs pos="100000">
                 <a:srgbClr val="000000">
-                  <a:alpha val="51000"/>
+                  <a:alpha val="52000"/>
                 </a:srgbClr>
               </a:gs>
             </a:gsLst>
@@ -4060,14 +4074,14 @@
           <a:lstStyle/>
           <a:p>
             <a:r>
-              <a:rPr kumimoji="1" lang="en-US" altLang="zh-TW" dirty="0">
+              <a:rPr kumimoji="1" lang="en-US" altLang="zh-TW" sz="3200">
                 <a:solidFill>
                   <a:srgbClr val="FFFFFF"/>
                 </a:solidFill>
               </a:rPr>
               <a:t>Generative AI</a:t>
             </a:r>
-            <a:endParaRPr kumimoji="1" lang="zh-TW" altLang="en-US" dirty="0">
+            <a:endParaRPr kumimoji="1" lang="zh-TW" altLang="en-US" sz="3200">
               <a:solidFill>
                 <a:srgbClr val="FFFFFF"/>
               </a:solidFill>
@@ -4114,7 +4128,7 @@
           </a:p>
           <a:p>
             <a:r>
-              <a:rPr kumimoji="1" lang="en-US" altLang="zh-TW" sz="1600" i="1" dirty="0">
+              <a:rPr kumimoji="1" lang="en-US" altLang="zh-TW" i="1">
                 <a:solidFill>
                   <a:srgbClr val="FFFFFF"/>
                 </a:solidFill>
@@ -4145,6 +4159,14 @@
 <file path=ppt/slides/slide10.xml><?xml version="1.0" encoding="utf-8"?>
 <p:sld xmlns:a="http://schemas.openxmlformats.org/drawingml/2006/main" xmlns:r="http://schemas.openxmlformats.org/officeDocument/2006/relationships" xmlns:p="http://schemas.openxmlformats.org/presentationml/2006/main">
   <p:cSld>
+    <p:bg>
+      <p:bgPr>
+        <a:solidFill>
+          <a:schemeClr val="bg1"/>
+        </a:solidFill>
+        <a:effectLst/>
+      </p:bgPr>
+    </p:bg>
     <p:spTree>
       <p:nvGrpSpPr>
         <p:cNvPr id="1" name=""/>
@@ -4159,6 +4181,82 @@
           <a:chExt cx="0" cy="0"/>
         </a:xfrm>
       </p:grpSpPr>
+      <p:sp useBgFill="1">
+        <p:nvSpPr>
+          <p:cNvPr id="13" name="Rectangle 7">
+            <a:extLst>
+              <a:ext uri="{FF2B5EF4-FFF2-40B4-BE49-F238E27FC236}">
+                <a16:creationId xmlns:a16="http://schemas.microsoft.com/office/drawing/2014/main" id="{A110BA01-8798-D640-C7DD-78DBE72D9692}"/>
+              </a:ext>
+              <a:ext uri="{C183D7F6-B498-43B3-948B-1728B52AA6E4}">
+                <adec:decorative xmlns:adec="http://schemas.microsoft.com/office/drawing/2017/decorative" val="1"/>
+              </a:ext>
+            </a:extLst>
+          </p:cNvPr>
+          <p:cNvSpPr>
+            <a:spLocks noGrp="1" noRot="1" noChangeAspect="1" noMove="1" noResize="1" noEditPoints="1" noAdjustHandles="1" noChangeArrowheads="1" noChangeShapeType="1" noTextEdit="1"/>
+          </p:cNvSpPr>
+          <p:nvPr>
+            <p:extLst>
+              <p:ext uri="{386F3935-93C4-4BCD-93E2-E3B085C9AB24}">
+                <p16:designElem xmlns:p16="http://schemas.microsoft.com/office/powerpoint/2015/main" val="1"/>
+              </p:ext>
+            </p:extLst>
+          </p:nvPr>
+        </p:nvSpPr>
+        <p:spPr>
+          <a:xfrm>
+            <a:off x="0" y="0"/>
+            <a:ext cx="12192000" cy="6858000"/>
+          </a:xfrm>
+          <a:prstGeom prst="rect">
+            <a:avLst/>
+          </a:prstGeom>
+          <a:ln w="12700" cap="flat" cmpd="sng" algn="ctr">
+            <a:noFill/>
+            <a:prstDash val="solid"/>
+            <a:miter lim="800000"/>
+          </a:ln>
+          <a:effectLst/>
+          <a:extLst>
+            <a:ext uri="{91240B29-F687-4F45-9708-019B960494DF}">
+              <a14:hiddenLine xmlns:a14="http://schemas.microsoft.com/office/drawing/2010/main" w="12700" cap="flat" cmpd="sng" algn="ctr">
+                <a:solidFill>
+                  <a:schemeClr val="accent1">
+                    <a:shade val="50000"/>
+                  </a:schemeClr>
+                </a:solidFill>
+                <a:prstDash val="solid"/>
+                <a:miter lim="800000"/>
+              </a14:hiddenLine>
+            </a:ext>
+          </a:extLst>
+        </p:spPr>
+        <p:style>
+          <a:lnRef idx="2">
+            <a:schemeClr val="accent1">
+              <a:shade val="50000"/>
+            </a:schemeClr>
+          </a:lnRef>
+          <a:fillRef idx="1">
+            <a:schemeClr val="accent1"/>
+          </a:fillRef>
+          <a:effectRef idx="0">
+            <a:schemeClr val="accent1"/>
+          </a:effectRef>
+          <a:fontRef idx="minor">
+            <a:schemeClr val="lt1"/>
+          </a:fontRef>
+        </p:style>
+        <p:txBody>
+          <a:bodyPr rtlCol="0" anchor="ctr"/>
+          <a:lstStyle/>
+          <a:p>
+            <a:pPr algn="ctr"/>
+            <a:endParaRPr lang="en-US"/>
+          </a:p>
+        </p:txBody>
+      </p:sp>
       <p:sp>
         <p:nvSpPr>
           <p:cNvPr id="2" name="標題 1">
@@ -4175,12 +4273,181 @@
             <p:ph type="title"/>
           </p:nvPr>
         </p:nvSpPr>
-        <p:spPr/>
-        <p:txBody>
-          <a:bodyPr/>
-          <a:lstStyle/>
-          <a:p>
-            <a:endParaRPr kumimoji="1" lang="zh-TW" altLang="en-US"/>
+        <p:spPr>
+          <a:xfrm>
+            <a:off x="3459637" y="1132368"/>
+            <a:ext cx="7703663" cy="1257300"/>
+          </a:xfrm>
+        </p:spPr>
+        <p:txBody>
+          <a:bodyPr anchor="ctr">
+            <a:normAutofit/>
+          </a:bodyPr>
+          <a:lstStyle/>
+          <a:p>
+            <a:pPr algn="r"/>
+            <a:r>
+              <a:rPr kumimoji="1" lang="en-US" altLang="zh-TW" sz="4100"/>
+              <a:t>Agenda – NLP preprocessing </a:t>
+            </a:r>
+            <a:endParaRPr kumimoji="1" lang="zh-TW" altLang="en-US" sz="4100"/>
+          </a:p>
+        </p:txBody>
+      </p:sp>
+      <p:sp>
+        <p:nvSpPr>
+          <p:cNvPr id="14" name="Freeform: Shape 9">
+            <a:extLst>
+              <a:ext uri="{FF2B5EF4-FFF2-40B4-BE49-F238E27FC236}">
+                <a16:creationId xmlns:a16="http://schemas.microsoft.com/office/drawing/2014/main" id="{8598B132-658A-928F-C688-90609E4EA0E6}"/>
+              </a:ext>
+              <a:ext uri="{C183D7F6-B498-43B3-948B-1728B52AA6E4}">
+                <adec:decorative xmlns:adec="http://schemas.microsoft.com/office/drawing/2017/decorative" val="1"/>
+              </a:ext>
+            </a:extLst>
+          </p:cNvPr>
+          <p:cNvSpPr>
+            <a:spLocks noGrp="1" noRot="1" noChangeAspect="1" noMove="1" noResize="1" noEditPoints="1" noAdjustHandles="1" noChangeArrowheads="1" noChangeShapeType="1" noTextEdit="1"/>
+          </p:cNvSpPr>
+          <p:nvPr>
+            <p:extLst>
+              <p:ext uri="{386F3935-93C4-4BCD-93E2-E3B085C9AB24}">
+                <p16:designElem xmlns:p16="http://schemas.microsoft.com/office/powerpoint/2015/main" val="1"/>
+              </p:ext>
+            </p:extLst>
+          </p:nvPr>
+        </p:nvSpPr>
+        <p:spPr>
+          <a:xfrm flipH="1" flipV="1">
+            <a:off x="0" y="0"/>
+            <a:ext cx="2923855" cy="1479128"/>
+          </a:xfrm>
+          <a:custGeom>
+            <a:avLst/>
+            <a:gdLst>
+              <a:gd name="connsiteX0" fmla="*/ 2923855 w 2923855"/>
+              <a:gd name="connsiteY0" fmla="*/ 1479128 h 1479128"/>
+              <a:gd name="connsiteX1" fmla="*/ 0 w 2923855"/>
+              <a:gd name="connsiteY1" fmla="*/ 1479128 h 1479128"/>
+              <a:gd name="connsiteX2" fmla="*/ 1368245 w 2923855"/>
+              <a:gd name="connsiteY2" fmla="*/ 405504 h 1479128"/>
+              <a:gd name="connsiteX3" fmla="*/ 1410727 w 2923855"/>
+              <a:gd name="connsiteY3" fmla="*/ 373857 h 1479128"/>
+              <a:gd name="connsiteX4" fmla="*/ 2503486 w 2923855"/>
+              <a:gd name="connsiteY4" fmla="*/ 1756 h 1479128"/>
+              <a:gd name="connsiteX5" fmla="*/ 2622568 w 2923855"/>
+              <a:gd name="connsiteY5" fmla="*/ 284 h 1479128"/>
+              <a:gd name="connsiteX6" fmla="*/ 2785835 w 2923855"/>
+              <a:gd name="connsiteY6" fmla="*/ 9494 h 1479128"/>
+              <a:gd name="connsiteX7" fmla="*/ 2923855 w 2923855"/>
+              <a:gd name="connsiteY7" fmla="*/ 28352 h 1479128"/>
+            </a:gdLst>
+            <a:ahLst/>
+            <a:cxnLst>
+              <a:cxn ang="0">
+                <a:pos x="connsiteX0" y="connsiteY0"/>
+              </a:cxn>
+              <a:cxn ang="0">
+                <a:pos x="connsiteX1" y="connsiteY1"/>
+              </a:cxn>
+              <a:cxn ang="0">
+                <a:pos x="connsiteX2" y="connsiteY2"/>
+              </a:cxn>
+              <a:cxn ang="0">
+                <a:pos x="connsiteX3" y="connsiteY3"/>
+              </a:cxn>
+              <a:cxn ang="0">
+                <a:pos x="connsiteX4" y="connsiteY4"/>
+              </a:cxn>
+              <a:cxn ang="0">
+                <a:pos x="connsiteX5" y="connsiteY5"/>
+              </a:cxn>
+              <a:cxn ang="0">
+                <a:pos x="connsiteX6" y="connsiteY6"/>
+              </a:cxn>
+              <a:cxn ang="0">
+                <a:pos x="connsiteX7" y="connsiteY7"/>
+              </a:cxn>
+            </a:cxnLst>
+            <a:rect l="l" t="t" r="r" b="b"/>
+            <a:pathLst>
+              <a:path w="2923855" h="1479128">
+                <a:moveTo>
+                  <a:pt x="2923855" y="1479128"/>
+                </a:moveTo>
+                <a:lnTo>
+                  <a:pt x="0" y="1479128"/>
+                </a:lnTo>
+                <a:lnTo>
+                  <a:pt x="1368245" y="405504"/>
+                </a:lnTo>
+                <a:lnTo>
+                  <a:pt x="1410727" y="373857"/>
+                </a:lnTo>
+                <a:cubicBezTo>
+                  <a:pt x="1742357" y="139664"/>
+                  <a:pt x="2122368" y="17528"/>
+                  <a:pt x="2503486" y="1756"/>
+                </a:cubicBezTo>
+                <a:cubicBezTo>
+                  <a:pt x="2543187" y="114"/>
+                  <a:pt x="2582898" y="-375"/>
+                  <a:pt x="2622568" y="284"/>
+                </a:cubicBezTo>
+                <a:cubicBezTo>
+                  <a:pt x="2677115" y="1190"/>
+                  <a:pt x="2731584" y="4266"/>
+                  <a:pt x="2785835" y="9494"/>
+                </a:cubicBezTo>
+                <a:lnTo>
+                  <a:pt x="2923855" y="28352"/>
+                </a:lnTo>
+                <a:close/>
+              </a:path>
+            </a:pathLst>
+          </a:custGeom>
+          <a:gradFill>
+            <a:gsLst>
+              <a:gs pos="33000">
+                <a:schemeClr val="bg2"/>
+              </a:gs>
+              <a:gs pos="100000">
+                <a:schemeClr val="accent1">
+                  <a:lumMod val="60000"/>
+                  <a:lumOff val="40000"/>
+                </a:schemeClr>
+              </a:gs>
+            </a:gsLst>
+            <a:lin ang="0" scaled="0"/>
+          </a:gradFill>
+          <a:ln>
+            <a:noFill/>
+          </a:ln>
+        </p:spPr>
+        <p:style>
+          <a:lnRef idx="2">
+            <a:schemeClr val="accent1">
+              <a:shade val="50000"/>
+            </a:schemeClr>
+          </a:lnRef>
+          <a:fillRef idx="1">
+            <a:schemeClr val="accent1"/>
+          </a:fillRef>
+          <a:effectRef idx="0">
+            <a:schemeClr val="accent1"/>
+          </a:effectRef>
+          <a:fontRef idx="minor">
+            <a:schemeClr val="lt1"/>
+          </a:fontRef>
+        </p:style>
+        <p:txBody>
+          <a:bodyPr wrap="square" rtlCol="0" anchor="ctr">
+            <a:noAutofit/>
+          </a:bodyPr>
+          <a:lstStyle/>
+          <a:p>
+            <a:pPr algn="ctr"/>
+            <a:endParaRPr lang="en-US"/>
           </a:p>
         </p:txBody>
       </p:sp>
@@ -4200,12 +4467,237 @@
             <p:ph idx="1"/>
           </p:nvPr>
         </p:nvSpPr>
-        <p:spPr/>
-        <p:txBody>
-          <a:bodyPr/>
-          <a:lstStyle/>
-          <a:p>
-            <a:endParaRPr kumimoji="1" lang="zh-TW" altLang="en-US"/>
+        <p:spPr>
+          <a:xfrm>
+            <a:off x="1066800" y="2701636"/>
+            <a:ext cx="5012011" cy="3104524"/>
+          </a:xfrm>
+        </p:spPr>
+        <p:txBody>
+          <a:bodyPr>
+            <a:normAutofit/>
+          </a:bodyPr>
+          <a:lstStyle/>
+          <a:p>
+            <a:pPr marL="342900" indent="-342900">
+              <a:buAutoNum type="arabicPeriod"/>
+            </a:pPr>
+            <a:r>
+              <a:rPr kumimoji="1" lang="en-US" altLang="zh-TW" dirty="0"/>
+              <a:t>Basic Terminologies</a:t>
+            </a:r>
+          </a:p>
+          <a:p>
+            <a:pPr marL="342900" indent="-342900">
+              <a:buAutoNum type="arabicPeriod"/>
+            </a:pPr>
+            <a:r>
+              <a:rPr kumimoji="1" lang="en-US" altLang="zh-TW" dirty="0"/>
+              <a:t>One hot encoding </a:t>
+            </a:r>
+          </a:p>
+          <a:p>
+            <a:pPr marL="342900" indent="-342900">
+              <a:buAutoNum type="arabicPeriod"/>
+            </a:pPr>
+            <a:r>
+              <a:rPr kumimoji="1" lang="en-US" altLang="zh-TW" dirty="0"/>
+              <a:t>Bag of words</a:t>
+            </a:r>
+          </a:p>
+          <a:p>
+            <a:pPr marL="342900" indent="-342900">
+              <a:buAutoNum type="arabicPeriod"/>
+            </a:pPr>
+            <a:r>
+              <a:rPr kumimoji="1" lang="en-US" altLang="zh-TW" dirty="0" err="1"/>
+              <a:t>NGrams</a:t>
+            </a:r>
+            <a:endParaRPr kumimoji="1" lang="en-US" altLang="zh-TW" dirty="0"/>
+          </a:p>
+          <a:p>
+            <a:pPr marL="342900" indent="-342900">
+              <a:buAutoNum type="arabicPeriod"/>
+            </a:pPr>
+            <a:r>
+              <a:rPr kumimoji="1" lang="en-US" altLang="zh-TW" dirty="0"/>
+              <a:t>TF-IDF</a:t>
+            </a:r>
+          </a:p>
+          <a:p>
+            <a:pPr marL="342900" indent="-342900">
+              <a:buAutoNum type="arabicPeriod"/>
+            </a:pPr>
+            <a:r>
+              <a:rPr kumimoji="1" lang="en-US" altLang="zh-TW" dirty="0"/>
+              <a:t>Word2vec </a:t>
+            </a:r>
+            <a:endParaRPr kumimoji="1" lang="zh-TW" altLang="en-US" dirty="0"/>
+          </a:p>
+        </p:txBody>
+      </p:sp>
+      <p:sp>
+        <p:nvSpPr>
+          <p:cNvPr id="12" name="Freeform: Shape 11">
+            <a:extLst>
+              <a:ext uri="{FF2B5EF4-FFF2-40B4-BE49-F238E27FC236}">
+                <a16:creationId xmlns:a16="http://schemas.microsoft.com/office/drawing/2014/main" id="{14AD37D4-765C-FCFF-FC09-2E36C2A25508}"/>
+              </a:ext>
+              <a:ext uri="{C183D7F6-B498-43B3-948B-1728B52AA6E4}">
+                <adec:decorative xmlns:adec="http://schemas.microsoft.com/office/drawing/2017/decorative" val="1"/>
+              </a:ext>
+            </a:extLst>
+          </p:cNvPr>
+          <p:cNvSpPr>
+            <a:spLocks noGrp="1" noRot="1" noChangeAspect="1" noMove="1" noResize="1" noEditPoints="1" noAdjustHandles="1" noChangeArrowheads="1" noChangeShapeType="1" noTextEdit="1"/>
+          </p:cNvSpPr>
+          <p:nvPr>
+            <p:extLst>
+              <p:ext uri="{386F3935-93C4-4BCD-93E2-E3B085C9AB24}">
+                <p16:designElem xmlns:p16="http://schemas.microsoft.com/office/powerpoint/2015/main" val="1"/>
+              </p:ext>
+            </p:extLst>
+          </p:nvPr>
+        </p:nvSpPr>
+        <p:spPr>
+          <a:xfrm>
+            <a:off x="6284115" y="3378954"/>
+            <a:ext cx="5907885" cy="3479046"/>
+          </a:xfrm>
+          <a:custGeom>
+            <a:avLst/>
+            <a:gdLst>
+              <a:gd name="connsiteX0" fmla="*/ 5171297 w 5907885"/>
+              <a:gd name="connsiteY0" fmla="*/ 284 h 3479046"/>
+              <a:gd name="connsiteX1" fmla="*/ 5813217 w 5907885"/>
+              <a:gd name="connsiteY1" fmla="*/ 114238 h 3479046"/>
+              <a:gd name="connsiteX2" fmla="*/ 5907885 w 5907885"/>
+              <a:gd name="connsiteY2" fmla="*/ 151524 h 3479046"/>
+              <a:gd name="connsiteX3" fmla="*/ 5907885 w 5907885"/>
+              <a:gd name="connsiteY3" fmla="*/ 3479046 h 3479046"/>
+              <a:gd name="connsiteX4" fmla="*/ 0 w 5907885"/>
+              <a:gd name="connsiteY4" fmla="*/ 3479046 h 3479046"/>
+              <a:gd name="connsiteX5" fmla="*/ 3916974 w 5907885"/>
+              <a:gd name="connsiteY5" fmla="*/ 405504 h 3479046"/>
+              <a:gd name="connsiteX6" fmla="*/ 3959456 w 5907885"/>
+              <a:gd name="connsiteY6" fmla="*/ 373857 h 3479046"/>
+              <a:gd name="connsiteX7" fmla="*/ 5052215 w 5907885"/>
+              <a:gd name="connsiteY7" fmla="*/ 1756 h 3479046"/>
+              <a:gd name="connsiteX8" fmla="*/ 5171297 w 5907885"/>
+              <a:gd name="connsiteY8" fmla="*/ 284 h 3479046"/>
+            </a:gdLst>
+            <a:ahLst/>
+            <a:cxnLst>
+              <a:cxn ang="0">
+                <a:pos x="connsiteX0" y="connsiteY0"/>
+              </a:cxn>
+              <a:cxn ang="0">
+                <a:pos x="connsiteX1" y="connsiteY1"/>
+              </a:cxn>
+              <a:cxn ang="0">
+                <a:pos x="connsiteX2" y="connsiteY2"/>
+              </a:cxn>
+              <a:cxn ang="0">
+                <a:pos x="connsiteX3" y="connsiteY3"/>
+              </a:cxn>
+              <a:cxn ang="0">
+                <a:pos x="connsiteX4" y="connsiteY4"/>
+              </a:cxn>
+              <a:cxn ang="0">
+                <a:pos x="connsiteX5" y="connsiteY5"/>
+              </a:cxn>
+              <a:cxn ang="0">
+                <a:pos x="connsiteX6" y="connsiteY6"/>
+              </a:cxn>
+              <a:cxn ang="0">
+                <a:pos x="connsiteX7" y="connsiteY7"/>
+              </a:cxn>
+              <a:cxn ang="0">
+                <a:pos x="connsiteX8" y="connsiteY8"/>
+              </a:cxn>
+            </a:cxnLst>
+            <a:rect l="l" t="t" r="r" b="b"/>
+            <a:pathLst>
+              <a:path w="5907885" h="3479046">
+                <a:moveTo>
+                  <a:pt x="5171297" y="284"/>
+                </a:moveTo>
+                <a:cubicBezTo>
+                  <a:pt x="5389485" y="3908"/>
+                  <a:pt x="5606422" y="42249"/>
+                  <a:pt x="5813217" y="114238"/>
+                </a:cubicBezTo>
+                <a:lnTo>
+                  <a:pt x="5907885" y="151524"/>
+                </a:lnTo>
+                <a:lnTo>
+                  <a:pt x="5907885" y="3479046"/>
+                </a:lnTo>
+                <a:lnTo>
+                  <a:pt x="0" y="3479046"/>
+                </a:lnTo>
+                <a:lnTo>
+                  <a:pt x="3916974" y="405504"/>
+                </a:lnTo>
+                <a:lnTo>
+                  <a:pt x="3959456" y="373857"/>
+                </a:lnTo>
+                <a:cubicBezTo>
+                  <a:pt x="4291086" y="139664"/>
+                  <a:pt x="4671097" y="17528"/>
+                  <a:pt x="5052215" y="1756"/>
+                </a:cubicBezTo>
+                <a:cubicBezTo>
+                  <a:pt x="5091916" y="114"/>
+                  <a:pt x="5131627" y="-375"/>
+                  <a:pt x="5171297" y="284"/>
+                </a:cubicBezTo>
+                <a:close/>
+              </a:path>
+            </a:pathLst>
+          </a:custGeom>
+          <a:gradFill>
+            <a:gsLst>
+              <a:gs pos="23000">
+                <a:schemeClr val="bg2"/>
+              </a:gs>
+              <a:gs pos="100000">
+                <a:schemeClr val="accent1">
+                  <a:lumMod val="60000"/>
+                  <a:lumOff val="40000"/>
+                </a:schemeClr>
+              </a:gs>
+            </a:gsLst>
+            <a:lin ang="4800000" scaled="0"/>
+          </a:gradFill>
+          <a:ln>
+            <a:noFill/>
+          </a:ln>
+        </p:spPr>
+        <p:style>
+          <a:lnRef idx="2">
+            <a:schemeClr val="accent1">
+              <a:shade val="50000"/>
+            </a:schemeClr>
+          </a:lnRef>
+          <a:fillRef idx="1">
+            <a:schemeClr val="accent1"/>
+          </a:fillRef>
+          <a:effectRef idx="0">
+            <a:schemeClr val="accent1"/>
+          </a:effectRef>
+          <a:fontRef idx="minor">
+            <a:schemeClr val="lt1"/>
+          </a:fontRef>
+        </p:style>
+        <p:txBody>
+          <a:bodyPr wrap="square" rtlCol="0" anchor="ctr">
+            <a:noAutofit/>
+          </a:bodyPr>
+          <a:lstStyle/>
+          <a:p>
+            <a:pPr algn="ctr"/>
+            <a:endParaRPr lang="en-US"/>
           </a:p>
         </p:txBody>
       </p:sp>
@@ -4213,6 +4705,2968 @@
     <p:extLst>
       <p:ext uri="{BB962C8B-B14F-4D97-AF65-F5344CB8AC3E}">
         <p14:creationId xmlns:p14="http://schemas.microsoft.com/office/powerpoint/2010/main" val="2875466788"/>
+      </p:ext>
+    </p:extLst>
+  </p:cSld>
+  <p:clrMapOvr>
+    <a:masterClrMapping/>
+  </p:clrMapOvr>
+</p:sld>
+</file>
+
+<file path=ppt/slides/slide11.xml><?xml version="1.0" encoding="utf-8"?>
+<p:sld xmlns:a="http://schemas.openxmlformats.org/drawingml/2006/main" xmlns:r="http://schemas.openxmlformats.org/officeDocument/2006/relationships" xmlns:p="http://schemas.openxmlformats.org/presentationml/2006/main">
+  <p:cSld>
+    <p:spTree>
+      <p:nvGrpSpPr>
+        <p:cNvPr id="1" name=""/>
+        <p:cNvGrpSpPr/>
+        <p:nvPr/>
+      </p:nvGrpSpPr>
+      <p:grpSpPr>
+        <a:xfrm>
+          <a:off x="0" y="0"/>
+          <a:ext cx="0" cy="0"/>
+          <a:chOff x="0" y="0"/>
+          <a:chExt cx="0" cy="0"/>
+        </a:xfrm>
+      </p:grpSpPr>
+      <p:sp useBgFill="1">
+        <p:nvSpPr>
+          <p:cNvPr id="10" name="Rectangle 9">
+            <a:extLst>
+              <a:ext uri="{FF2B5EF4-FFF2-40B4-BE49-F238E27FC236}">
+                <a16:creationId xmlns:a16="http://schemas.microsoft.com/office/drawing/2014/main" id="{B063577F-2949-C31E-B4B0-5E250230FD0F}"/>
+              </a:ext>
+              <a:ext uri="{C183D7F6-B498-43B3-948B-1728B52AA6E4}">
+                <adec:decorative xmlns:adec="http://schemas.microsoft.com/office/drawing/2017/decorative" val="1"/>
+              </a:ext>
+            </a:extLst>
+          </p:cNvPr>
+          <p:cNvSpPr>
+            <a:spLocks noGrp="1" noRot="1" noChangeAspect="1" noMove="1" noResize="1" noEditPoints="1" noAdjustHandles="1" noChangeArrowheads="1" noChangeShapeType="1" noTextEdit="1"/>
+          </p:cNvSpPr>
+          <p:nvPr>
+            <p:extLst>
+              <p:ext uri="{386F3935-93C4-4BCD-93E2-E3B085C9AB24}">
+                <p16:designElem xmlns:p16="http://schemas.microsoft.com/office/powerpoint/2015/main" val="1"/>
+              </p:ext>
+            </p:extLst>
+          </p:nvPr>
+        </p:nvSpPr>
+        <p:spPr>
+          <a:xfrm>
+            <a:off x="0" y="0"/>
+            <a:ext cx="12192000" cy="6858000"/>
+          </a:xfrm>
+          <a:prstGeom prst="rect">
+            <a:avLst/>
+          </a:prstGeom>
+          <a:ln w="12700" cap="flat" cmpd="sng" algn="ctr">
+            <a:noFill/>
+            <a:prstDash val="solid"/>
+            <a:miter lim="800000"/>
+          </a:ln>
+          <a:effectLst/>
+          <a:extLst>
+            <a:ext uri="{91240B29-F687-4F45-9708-019B960494DF}">
+              <a14:hiddenLine xmlns:a14="http://schemas.microsoft.com/office/drawing/2010/main" w="12700" cap="flat" cmpd="sng" algn="ctr">
+                <a:solidFill>
+                  <a:schemeClr val="accent1">
+                    <a:shade val="50000"/>
+                  </a:schemeClr>
+                </a:solidFill>
+                <a:prstDash val="solid"/>
+                <a:miter lim="800000"/>
+              </a14:hiddenLine>
+            </a:ext>
+          </a:extLst>
+        </p:spPr>
+        <p:style>
+          <a:lnRef idx="2">
+            <a:schemeClr val="accent1">
+              <a:shade val="50000"/>
+            </a:schemeClr>
+          </a:lnRef>
+          <a:fillRef idx="1">
+            <a:schemeClr val="accent1"/>
+          </a:fillRef>
+          <a:effectRef idx="0">
+            <a:schemeClr val="accent1"/>
+          </a:effectRef>
+          <a:fontRef idx="minor">
+            <a:schemeClr val="lt1"/>
+          </a:fontRef>
+        </p:style>
+        <p:txBody>
+          <a:bodyPr rtlCol="0" anchor="ctr"/>
+          <a:lstStyle/>
+          <a:p>
+            <a:pPr algn="ctr"/>
+            <a:endParaRPr lang="en-US"/>
+          </a:p>
+        </p:txBody>
+      </p:sp>
+      <p:sp>
+        <p:nvSpPr>
+          <p:cNvPr id="12" name="Freeform: Shape 11">
+            <a:extLst>
+              <a:ext uri="{FF2B5EF4-FFF2-40B4-BE49-F238E27FC236}">
+                <a16:creationId xmlns:a16="http://schemas.microsoft.com/office/drawing/2014/main" id="{17E4A51B-BAF6-3729-A2C0-89331F2FB716}"/>
+              </a:ext>
+              <a:ext uri="{C183D7F6-B498-43B3-948B-1728B52AA6E4}">
+                <adec:decorative xmlns:adec="http://schemas.microsoft.com/office/drawing/2017/decorative" val="1"/>
+              </a:ext>
+            </a:extLst>
+          </p:cNvPr>
+          <p:cNvSpPr>
+            <a:spLocks noGrp="1" noRot="1" noChangeAspect="1" noMove="1" noResize="1" noEditPoints="1" noAdjustHandles="1" noChangeArrowheads="1" noChangeShapeType="1" noTextEdit="1"/>
+          </p:cNvSpPr>
+          <p:nvPr>
+            <p:extLst>
+              <p:ext uri="{386F3935-93C4-4BCD-93E2-E3B085C9AB24}">
+                <p16:designElem xmlns:p16="http://schemas.microsoft.com/office/powerpoint/2015/main" val="1"/>
+              </p:ext>
+            </p:extLst>
+          </p:nvPr>
+        </p:nvSpPr>
+        <p:spPr>
+          <a:xfrm rot="10800000">
+            <a:off x="-10365" y="-318"/>
+            <a:ext cx="5907885" cy="3479046"/>
+          </a:xfrm>
+          <a:custGeom>
+            <a:avLst/>
+            <a:gdLst>
+              <a:gd name="connsiteX0" fmla="*/ 5171297 w 5907885"/>
+              <a:gd name="connsiteY0" fmla="*/ 284 h 3479046"/>
+              <a:gd name="connsiteX1" fmla="*/ 5813217 w 5907885"/>
+              <a:gd name="connsiteY1" fmla="*/ 114238 h 3479046"/>
+              <a:gd name="connsiteX2" fmla="*/ 5907885 w 5907885"/>
+              <a:gd name="connsiteY2" fmla="*/ 151524 h 3479046"/>
+              <a:gd name="connsiteX3" fmla="*/ 5907885 w 5907885"/>
+              <a:gd name="connsiteY3" fmla="*/ 3479046 h 3479046"/>
+              <a:gd name="connsiteX4" fmla="*/ 0 w 5907885"/>
+              <a:gd name="connsiteY4" fmla="*/ 3479046 h 3479046"/>
+              <a:gd name="connsiteX5" fmla="*/ 3916974 w 5907885"/>
+              <a:gd name="connsiteY5" fmla="*/ 405504 h 3479046"/>
+              <a:gd name="connsiteX6" fmla="*/ 3959456 w 5907885"/>
+              <a:gd name="connsiteY6" fmla="*/ 373857 h 3479046"/>
+              <a:gd name="connsiteX7" fmla="*/ 5052215 w 5907885"/>
+              <a:gd name="connsiteY7" fmla="*/ 1756 h 3479046"/>
+              <a:gd name="connsiteX8" fmla="*/ 5171297 w 5907885"/>
+              <a:gd name="connsiteY8" fmla="*/ 284 h 3479046"/>
+            </a:gdLst>
+            <a:ahLst/>
+            <a:cxnLst>
+              <a:cxn ang="0">
+                <a:pos x="connsiteX0" y="connsiteY0"/>
+              </a:cxn>
+              <a:cxn ang="0">
+                <a:pos x="connsiteX1" y="connsiteY1"/>
+              </a:cxn>
+              <a:cxn ang="0">
+                <a:pos x="connsiteX2" y="connsiteY2"/>
+              </a:cxn>
+              <a:cxn ang="0">
+                <a:pos x="connsiteX3" y="connsiteY3"/>
+              </a:cxn>
+              <a:cxn ang="0">
+                <a:pos x="connsiteX4" y="connsiteY4"/>
+              </a:cxn>
+              <a:cxn ang="0">
+                <a:pos x="connsiteX5" y="connsiteY5"/>
+              </a:cxn>
+              <a:cxn ang="0">
+                <a:pos x="connsiteX6" y="connsiteY6"/>
+              </a:cxn>
+              <a:cxn ang="0">
+                <a:pos x="connsiteX7" y="connsiteY7"/>
+              </a:cxn>
+              <a:cxn ang="0">
+                <a:pos x="connsiteX8" y="connsiteY8"/>
+              </a:cxn>
+            </a:cxnLst>
+            <a:rect l="l" t="t" r="r" b="b"/>
+            <a:pathLst>
+              <a:path w="5907885" h="3479046">
+                <a:moveTo>
+                  <a:pt x="5171297" y="284"/>
+                </a:moveTo>
+                <a:cubicBezTo>
+                  <a:pt x="5389485" y="3908"/>
+                  <a:pt x="5606422" y="42249"/>
+                  <a:pt x="5813217" y="114238"/>
+                </a:cubicBezTo>
+                <a:lnTo>
+                  <a:pt x="5907885" y="151524"/>
+                </a:lnTo>
+                <a:lnTo>
+                  <a:pt x="5907885" y="3479046"/>
+                </a:lnTo>
+                <a:lnTo>
+                  <a:pt x="0" y="3479046"/>
+                </a:lnTo>
+                <a:lnTo>
+                  <a:pt x="3916974" y="405504"/>
+                </a:lnTo>
+                <a:lnTo>
+                  <a:pt x="3959456" y="373857"/>
+                </a:lnTo>
+                <a:cubicBezTo>
+                  <a:pt x="4291086" y="139664"/>
+                  <a:pt x="4671097" y="17528"/>
+                  <a:pt x="5052215" y="1756"/>
+                </a:cubicBezTo>
+                <a:cubicBezTo>
+                  <a:pt x="5091916" y="114"/>
+                  <a:pt x="5131627" y="-375"/>
+                  <a:pt x="5171297" y="284"/>
+                </a:cubicBezTo>
+                <a:close/>
+              </a:path>
+            </a:pathLst>
+          </a:custGeom>
+          <a:gradFill>
+            <a:gsLst>
+              <a:gs pos="40000">
+                <a:schemeClr val="bg2"/>
+              </a:gs>
+              <a:gs pos="100000">
+                <a:schemeClr val="accent1">
+                  <a:lumMod val="60000"/>
+                  <a:lumOff val="40000"/>
+                </a:schemeClr>
+              </a:gs>
+            </a:gsLst>
+            <a:lin ang="1800000" scaled="0"/>
+          </a:gradFill>
+          <a:ln>
+            <a:noFill/>
+          </a:ln>
+        </p:spPr>
+        <p:style>
+          <a:lnRef idx="2">
+            <a:schemeClr val="accent1">
+              <a:shade val="50000"/>
+            </a:schemeClr>
+          </a:lnRef>
+          <a:fillRef idx="1">
+            <a:schemeClr val="accent1"/>
+          </a:fillRef>
+          <a:effectRef idx="0">
+            <a:schemeClr val="accent1"/>
+          </a:effectRef>
+          <a:fontRef idx="minor">
+            <a:schemeClr val="lt1"/>
+          </a:fontRef>
+        </p:style>
+        <p:txBody>
+          <a:bodyPr wrap="square" rtlCol="0" anchor="ctr">
+            <a:noAutofit/>
+          </a:bodyPr>
+          <a:lstStyle/>
+          <a:p>
+            <a:pPr algn="ctr"/>
+            <a:endParaRPr lang="en-US"/>
+          </a:p>
+        </p:txBody>
+      </p:sp>
+      <p:sp>
+        <p:nvSpPr>
+          <p:cNvPr id="2" name="標題 1">
+            <a:extLst>
+              <a:ext uri="{FF2B5EF4-FFF2-40B4-BE49-F238E27FC236}">
+                <a16:creationId xmlns:a16="http://schemas.microsoft.com/office/drawing/2014/main" id="{36B2EB37-A41A-C24E-BF04-DF31F7736E45}"/>
+              </a:ext>
+            </a:extLst>
+          </p:cNvPr>
+          <p:cNvSpPr>
+            <a:spLocks noGrp="1"/>
+          </p:cNvSpPr>
+          <p:nvPr>
+            <p:ph type="title"/>
+          </p:nvPr>
+        </p:nvSpPr>
+        <p:spPr>
+          <a:xfrm>
+            <a:off x="1066801" y="1143000"/>
+            <a:ext cx="5029199" cy="1061720"/>
+          </a:xfrm>
+        </p:spPr>
+        <p:txBody>
+          <a:bodyPr anchor="t">
+            <a:normAutofit/>
+          </a:bodyPr>
+          <a:lstStyle/>
+          <a:p>
+            <a:r>
+              <a:rPr kumimoji="1" lang="en-US" altLang="zh-TW" dirty="0"/>
+              <a:t>Basic terminologies</a:t>
+            </a:r>
+            <a:endParaRPr kumimoji="1" lang="zh-TW" altLang="en-US" dirty="0"/>
+          </a:p>
+        </p:txBody>
+      </p:sp>
+      <p:sp>
+        <p:nvSpPr>
+          <p:cNvPr id="3" name="內容版面配置區 2">
+            <a:extLst>
+              <a:ext uri="{FF2B5EF4-FFF2-40B4-BE49-F238E27FC236}">
+                <a16:creationId xmlns:a16="http://schemas.microsoft.com/office/drawing/2014/main" id="{8874011C-A50E-224A-9744-B986DACC9D00}"/>
+              </a:ext>
+            </a:extLst>
+          </p:cNvPr>
+          <p:cNvSpPr>
+            <a:spLocks/>
+          </p:cNvSpPr>
+          <p:nvPr/>
+        </p:nvSpPr>
+        <p:spPr>
+          <a:xfrm>
+            <a:off x="3188528" y="2595880"/>
+            <a:ext cx="7534568" cy="3119120"/>
+          </a:xfrm>
+          <a:prstGeom prst="rect">
+            <a:avLst/>
+          </a:prstGeom>
+        </p:spPr>
+        <p:txBody>
+          <a:bodyPr/>
+          <a:lstStyle/>
+          <a:p>
+            <a:pPr defTabSz="768096">
+              <a:spcAft>
+                <a:spcPts val="600"/>
+              </a:spcAft>
+            </a:pPr>
+            <a:r>
+              <a:rPr kumimoji="1" lang="en-US" altLang="zh-TW" sz="1512" kern="1200" dirty="0">
+                <a:solidFill>
+                  <a:schemeClr val="tx1"/>
+                </a:solidFill>
+                <a:latin typeface="+mn-lt"/>
+                <a:ea typeface="+mn-ea"/>
+                <a:cs typeface="+mn-cs"/>
+              </a:rPr>
+              <a:t>Corpus -&gt; Paragraph</a:t>
+            </a:r>
+          </a:p>
+          <a:p>
+            <a:pPr defTabSz="768096">
+              <a:spcAft>
+                <a:spcPts val="600"/>
+              </a:spcAft>
+            </a:pPr>
+            <a:r>
+              <a:rPr kumimoji="1" lang="en-US" altLang="zh-TW" sz="1512" kern="1200" dirty="0">
+                <a:solidFill>
+                  <a:schemeClr val="tx1"/>
+                </a:solidFill>
+                <a:latin typeface="+mn-lt"/>
+                <a:ea typeface="+mn-ea"/>
+                <a:cs typeface="+mn-cs"/>
+              </a:rPr>
+              <a:t>Documents -&gt; Sentence</a:t>
+            </a:r>
+          </a:p>
+          <a:p>
+            <a:pPr defTabSz="768096">
+              <a:spcAft>
+                <a:spcPts val="600"/>
+              </a:spcAft>
+            </a:pPr>
+            <a:r>
+              <a:rPr kumimoji="1" lang="en-US" altLang="zh-TW" sz="1512" kern="1200" dirty="0">
+                <a:solidFill>
+                  <a:schemeClr val="tx1"/>
+                </a:solidFill>
+                <a:latin typeface="+mn-lt"/>
+                <a:ea typeface="+mn-ea"/>
+                <a:cs typeface="+mn-cs"/>
+              </a:rPr>
+              <a:t>Vocabulary -&gt; Unique words </a:t>
+            </a:r>
+          </a:p>
+          <a:p>
+            <a:pPr defTabSz="768096">
+              <a:spcAft>
+                <a:spcPts val="600"/>
+              </a:spcAft>
+            </a:pPr>
+            <a:r>
+              <a:rPr kumimoji="1" lang="en-US" altLang="zh-TW" sz="1512" kern="1200" dirty="0">
+                <a:solidFill>
+                  <a:schemeClr val="tx1"/>
+                </a:solidFill>
+                <a:latin typeface="+mn-lt"/>
+                <a:ea typeface="+mn-ea"/>
+                <a:cs typeface="+mn-cs"/>
+              </a:rPr>
+              <a:t>Word -&gt; separate word</a:t>
+            </a:r>
+            <a:endParaRPr kumimoji="1" lang="zh-TW" altLang="en-US" dirty="0"/>
+          </a:p>
+        </p:txBody>
+      </p:sp>
+      <p:sp>
+        <p:nvSpPr>
+          <p:cNvPr id="5" name="文字方塊 4">
+            <a:extLst>
+              <a:ext uri="{FF2B5EF4-FFF2-40B4-BE49-F238E27FC236}">
+                <a16:creationId xmlns:a16="http://schemas.microsoft.com/office/drawing/2014/main" id="{5E220A7B-FB37-B643-A9CB-82932F014EDA}"/>
+              </a:ext>
+            </a:extLst>
+          </p:cNvPr>
+          <p:cNvSpPr txBox="1"/>
+          <p:nvPr/>
+        </p:nvSpPr>
+        <p:spPr>
+          <a:xfrm>
+            <a:off x="3185943" y="4485180"/>
+            <a:ext cx="5172654" cy="1253933"/>
+          </a:xfrm>
+          <a:prstGeom prst="rect">
+            <a:avLst/>
+          </a:prstGeom>
+          <a:noFill/>
+        </p:spPr>
+        <p:txBody>
+          <a:bodyPr wrap="square">
+            <a:spAutoFit/>
+          </a:bodyPr>
+          <a:lstStyle/>
+          <a:p>
+            <a:pPr defTabSz="768096">
+              <a:spcAft>
+                <a:spcPts val="600"/>
+              </a:spcAft>
+            </a:pPr>
+            <a:r>
+              <a:rPr kumimoji="1" lang="en-US" altLang="zh-TW" sz="1512" kern="1200" dirty="0">
+                <a:solidFill>
+                  <a:schemeClr val="tx1"/>
+                </a:solidFill>
+                <a:latin typeface="+mn-lt"/>
+                <a:ea typeface="+mn-ea"/>
+                <a:cs typeface="+mn-cs"/>
+              </a:rPr>
+              <a:t>The food is good.</a:t>
+            </a:r>
+          </a:p>
+          <a:p>
+            <a:pPr defTabSz="768096">
+              <a:spcAft>
+                <a:spcPts val="600"/>
+              </a:spcAft>
+            </a:pPr>
+            <a:r>
+              <a:rPr kumimoji="1" lang="en-US" altLang="zh-TW" sz="1512" kern="1200" dirty="0">
+                <a:solidFill>
+                  <a:schemeClr val="tx1"/>
+                </a:solidFill>
+                <a:latin typeface="+mn-lt"/>
+                <a:ea typeface="+mn-ea"/>
+                <a:cs typeface="+mn-cs"/>
+              </a:rPr>
+              <a:t>The food is bad.</a:t>
+            </a:r>
+          </a:p>
+          <a:p>
+            <a:pPr defTabSz="768096">
+              <a:spcAft>
+                <a:spcPts val="600"/>
+              </a:spcAft>
+            </a:pPr>
+            <a:r>
+              <a:rPr kumimoji="1" lang="en-US" altLang="zh-TW" sz="1512" kern="1200" dirty="0">
+                <a:solidFill>
+                  <a:schemeClr val="tx1"/>
+                </a:solidFill>
+                <a:latin typeface="+mn-lt"/>
+                <a:ea typeface="+mn-ea"/>
+                <a:cs typeface="+mn-cs"/>
+              </a:rPr>
+              <a:t>Pizza is amazing.</a:t>
+            </a:r>
+          </a:p>
+          <a:p>
+            <a:pPr defTabSz="768096">
+              <a:spcAft>
+                <a:spcPts val="600"/>
+              </a:spcAft>
+            </a:pPr>
+            <a:r>
+              <a:rPr kumimoji="1" lang="en-US" altLang="zh-TW" sz="1512" kern="1200" dirty="0">
+                <a:solidFill>
+                  <a:schemeClr val="tx1"/>
+                </a:solidFill>
+                <a:latin typeface="+mn-lt"/>
+                <a:ea typeface="+mn-ea"/>
+                <a:cs typeface="+mn-cs"/>
+              </a:rPr>
+              <a:t>Burger is bad. </a:t>
+            </a:r>
+            <a:endParaRPr kumimoji="1" lang="zh-TW" altLang="en-US" dirty="0"/>
+          </a:p>
+        </p:txBody>
+      </p:sp>
+    </p:spTree>
+    <p:extLst>
+      <p:ext uri="{BB962C8B-B14F-4D97-AF65-F5344CB8AC3E}">
+        <p14:creationId xmlns:p14="http://schemas.microsoft.com/office/powerpoint/2010/main" val="3606835425"/>
+      </p:ext>
+    </p:extLst>
+  </p:cSld>
+  <p:clrMapOvr>
+    <a:masterClrMapping/>
+  </p:clrMapOvr>
+</p:sld>
+</file>
+
+<file path=ppt/slides/slide12.xml><?xml version="1.0" encoding="utf-8"?>
+<p:sld xmlns:a="http://schemas.openxmlformats.org/drawingml/2006/main" xmlns:r="http://schemas.openxmlformats.org/officeDocument/2006/relationships" xmlns:p="http://schemas.openxmlformats.org/presentationml/2006/main">
+  <p:cSld>
+    <p:spTree>
+      <p:nvGrpSpPr>
+        <p:cNvPr id="1" name=""/>
+        <p:cNvGrpSpPr/>
+        <p:nvPr/>
+      </p:nvGrpSpPr>
+      <p:grpSpPr>
+        <a:xfrm>
+          <a:off x="0" y="0"/>
+          <a:ext cx="0" cy="0"/>
+          <a:chOff x="0" y="0"/>
+          <a:chExt cx="0" cy="0"/>
+        </a:xfrm>
+      </p:grpSpPr>
+      <p:sp>
+        <p:nvSpPr>
+          <p:cNvPr id="2" name="標題 1">
+            <a:extLst>
+              <a:ext uri="{FF2B5EF4-FFF2-40B4-BE49-F238E27FC236}">
+                <a16:creationId xmlns:a16="http://schemas.microsoft.com/office/drawing/2014/main" id="{99420338-D4A2-2341-B472-F1A5D362EB97}"/>
+              </a:ext>
+            </a:extLst>
+          </p:cNvPr>
+          <p:cNvSpPr>
+            <a:spLocks noGrp="1"/>
+          </p:cNvSpPr>
+          <p:nvPr>
+            <p:ph type="title"/>
+          </p:nvPr>
+        </p:nvSpPr>
+        <p:spPr/>
+        <p:txBody>
+          <a:bodyPr/>
+          <a:lstStyle/>
+          <a:p>
+            <a:r>
+              <a:rPr kumimoji="1" lang="en-US" altLang="zh-TW" dirty="0"/>
+              <a:t>One hot encoding – 1/3</a:t>
+            </a:r>
+            <a:endParaRPr kumimoji="1" lang="zh-TW" altLang="en-US" dirty="0"/>
+          </a:p>
+        </p:txBody>
+      </p:sp>
+      <p:sp>
+        <p:nvSpPr>
+          <p:cNvPr id="3" name="內容版面配置區 2">
+            <a:extLst>
+              <a:ext uri="{FF2B5EF4-FFF2-40B4-BE49-F238E27FC236}">
+                <a16:creationId xmlns:a16="http://schemas.microsoft.com/office/drawing/2014/main" id="{DAA42E3B-0935-7346-9C4E-7BFED2BA9582}"/>
+              </a:ext>
+            </a:extLst>
+          </p:cNvPr>
+          <p:cNvSpPr>
+            <a:spLocks noGrp="1"/>
+          </p:cNvSpPr>
+          <p:nvPr>
+            <p:ph idx="1"/>
+          </p:nvPr>
+        </p:nvSpPr>
+        <p:spPr/>
+        <p:txBody>
+          <a:bodyPr/>
+          <a:lstStyle/>
+          <a:p>
+            <a:pPr marL="0" indent="0">
+              <a:buNone/>
+            </a:pPr>
+            <a:r>
+              <a:rPr kumimoji="1" lang="en-US" altLang="zh-TW" dirty="0"/>
+              <a:t>Example: </a:t>
+            </a:r>
+          </a:p>
+          <a:p>
+            <a:pPr marL="0" indent="0">
+              <a:buNone/>
+            </a:pPr>
+            <a:r>
+              <a:rPr kumimoji="1" lang="en-US" altLang="zh-TW" dirty="0"/>
+              <a:t>D1 = “A man eat food”</a:t>
+            </a:r>
+          </a:p>
+          <a:p>
+            <a:pPr marL="0" indent="0">
+              <a:buNone/>
+            </a:pPr>
+            <a:r>
+              <a:rPr kumimoji="1" lang="en-US" altLang="zh-TW" dirty="0"/>
+              <a:t>D2= “cat eat food”</a:t>
+            </a:r>
+          </a:p>
+          <a:p>
+            <a:pPr marL="0" indent="0">
+              <a:buNone/>
+            </a:pPr>
+            <a:r>
+              <a:rPr kumimoji="1" lang="en-US" altLang="zh-TW" dirty="0"/>
+              <a:t>D3= ”people watch video”</a:t>
+            </a:r>
+          </a:p>
+          <a:p>
+            <a:pPr marL="0" indent="0">
+              <a:buNone/>
+            </a:pPr>
+            <a:r>
+              <a:rPr kumimoji="1" lang="en-US" altLang="zh-TW" dirty="0"/>
+              <a:t>Vocabulary = [A, man, eat, food, cat, people, watch, video]</a:t>
+            </a:r>
+          </a:p>
+          <a:p>
+            <a:pPr marL="0" indent="0">
+              <a:buNone/>
+            </a:pPr>
+            <a:r>
+              <a:rPr kumimoji="1" lang="en-US" altLang="zh-TW" dirty="0">
+                <a:solidFill>
+                  <a:schemeClr val="accent4"/>
+                </a:solidFill>
+              </a:rPr>
+              <a:t>D1 = [[1,0,0,0,0,0,0,0], [0,1,0,0,0,0,0,0], [0,0,1,0,0,0,0,0], [0,0,0,1,0,0,0,0]]</a:t>
+            </a:r>
+          </a:p>
+          <a:p>
+            <a:pPr marL="0" indent="0">
+              <a:buNone/>
+            </a:pPr>
+            <a:r>
+              <a:rPr kumimoji="1" lang="en-US" altLang="zh-TW" dirty="0">
+                <a:solidFill>
+                  <a:schemeClr val="accent4"/>
+                </a:solidFill>
+              </a:rPr>
+              <a:t>D2 = [[0,0,0,0,1,0,0,0], [0,0,1,0,0,0,0,0], [0,0,0,1,0,0,0,0]]</a:t>
+            </a:r>
+          </a:p>
+          <a:p>
+            <a:pPr marL="0" indent="0">
+              <a:buNone/>
+            </a:pPr>
+            <a:r>
+              <a:rPr kumimoji="1" lang="en-US" altLang="zh-TW" dirty="0">
+                <a:solidFill>
+                  <a:schemeClr val="accent4"/>
+                </a:solidFill>
+              </a:rPr>
+              <a:t>D3 = [[0,0,0,0,0,1,0,0], [0,0,0,0,0,0,1,0], [0,0,0,0,0,0,0,1]]</a:t>
+            </a:r>
+          </a:p>
+        </p:txBody>
+      </p:sp>
+    </p:spTree>
+    <p:extLst>
+      <p:ext uri="{BB962C8B-B14F-4D97-AF65-F5344CB8AC3E}">
+        <p14:creationId xmlns:p14="http://schemas.microsoft.com/office/powerpoint/2010/main" val="3687183762"/>
+      </p:ext>
+    </p:extLst>
+  </p:cSld>
+  <p:clrMapOvr>
+    <a:masterClrMapping/>
+  </p:clrMapOvr>
+</p:sld>
+</file>
+
+<file path=ppt/slides/slide13.xml><?xml version="1.0" encoding="utf-8"?>
+<p:sld xmlns:a="http://schemas.openxmlformats.org/drawingml/2006/main" xmlns:r="http://schemas.openxmlformats.org/officeDocument/2006/relationships" xmlns:p="http://schemas.openxmlformats.org/presentationml/2006/main">
+  <p:cSld>
+    <p:spTree>
+      <p:nvGrpSpPr>
+        <p:cNvPr id="1" name=""/>
+        <p:cNvGrpSpPr/>
+        <p:nvPr/>
+      </p:nvGrpSpPr>
+      <p:grpSpPr>
+        <a:xfrm>
+          <a:off x="0" y="0"/>
+          <a:ext cx="0" cy="0"/>
+          <a:chOff x="0" y="0"/>
+          <a:chExt cx="0" cy="0"/>
+        </a:xfrm>
+      </p:grpSpPr>
+      <p:sp>
+        <p:nvSpPr>
+          <p:cNvPr id="2" name="標題 1">
+            <a:extLst>
+              <a:ext uri="{FF2B5EF4-FFF2-40B4-BE49-F238E27FC236}">
+                <a16:creationId xmlns:a16="http://schemas.microsoft.com/office/drawing/2014/main" id="{6EB9D824-3CB2-4B42-85EC-3ECE6121A2D3}"/>
+              </a:ext>
+            </a:extLst>
+          </p:cNvPr>
+          <p:cNvSpPr>
+            <a:spLocks noGrp="1"/>
+          </p:cNvSpPr>
+          <p:nvPr>
+            <p:ph type="title"/>
+          </p:nvPr>
+        </p:nvSpPr>
+        <p:spPr/>
+        <p:txBody>
+          <a:bodyPr/>
+          <a:lstStyle/>
+          <a:p>
+            <a:r>
+              <a:rPr kumimoji="1" lang="en-US" altLang="zh-TW" dirty="0"/>
+              <a:t>One hot encoding – 2/3</a:t>
+            </a:r>
+            <a:endParaRPr kumimoji="1" lang="zh-TW" altLang="en-US" dirty="0"/>
+          </a:p>
+        </p:txBody>
+      </p:sp>
+      <p:graphicFrame>
+        <p:nvGraphicFramePr>
+          <p:cNvPr id="4" name="表格 4">
+            <a:extLst>
+              <a:ext uri="{FF2B5EF4-FFF2-40B4-BE49-F238E27FC236}">
+                <a16:creationId xmlns:a16="http://schemas.microsoft.com/office/drawing/2014/main" id="{CFEF869E-4635-DE49-BF23-71103FA2EE99}"/>
+              </a:ext>
+            </a:extLst>
+          </p:cNvPr>
+          <p:cNvGraphicFramePr>
+            <a:graphicFrameLocks noGrp="1"/>
+          </p:cNvGraphicFramePr>
+          <p:nvPr>
+            <p:ph idx="1"/>
+            <p:extLst>
+              <p:ext uri="{D42A27DB-BD31-4B8C-83A1-F6EECF244321}">
+                <p14:modId xmlns:p14="http://schemas.microsoft.com/office/powerpoint/2010/main" val="1323596666"/>
+              </p:ext>
+            </p:extLst>
+          </p:nvPr>
+        </p:nvGraphicFramePr>
+        <p:xfrm>
+          <a:off x="1069975" y="2139949"/>
+          <a:ext cx="8883650" cy="3188796"/>
+        </p:xfrm>
+        <a:graphic>
+          <a:graphicData uri="http://schemas.openxmlformats.org/drawingml/2006/table">
+            <a:tbl>
+              <a:tblPr firstRow="1" bandRow="1">
+                <a:tableStyleId>{5C22544A-7EE6-4342-B048-85BDC9FD1C3A}</a:tableStyleId>
+              </a:tblPr>
+              <a:tblGrid>
+                <a:gridCol w="4441825">
+                  <a:extLst>
+                    <a:ext uri="{9D8B030D-6E8A-4147-A177-3AD203B41FA5}">
+                      <a16:colId xmlns:a16="http://schemas.microsoft.com/office/drawing/2014/main" val="4000497833"/>
+                    </a:ext>
+                  </a:extLst>
+                </a:gridCol>
+                <a:gridCol w="4441825">
+                  <a:extLst>
+                    <a:ext uri="{9D8B030D-6E8A-4147-A177-3AD203B41FA5}">
+                      <a16:colId xmlns:a16="http://schemas.microsoft.com/office/drawing/2014/main" val="3534904897"/>
+                    </a:ext>
+                  </a:extLst>
+                </a:gridCol>
+              </a:tblGrid>
+              <a:tr h="797199">
+                <a:tc>
+                  <a:txBody>
+                    <a:bodyPr/>
+                    <a:lstStyle/>
+                    <a:p>
+                      <a:pPr algn="ctr"/>
+                      <a:r>
+                        <a:rPr lang="en-US" altLang="zh-TW" dirty="0"/>
+                        <a:t>Advantage</a:t>
+                      </a:r>
+                      <a:endParaRPr lang="zh-TW" altLang="en-US" dirty="0"/>
+                    </a:p>
+                  </a:txBody>
+                  <a:tcPr anchor="ctr"/>
+                </a:tc>
+                <a:tc>
+                  <a:txBody>
+                    <a:bodyPr/>
+                    <a:lstStyle/>
+                    <a:p>
+                      <a:pPr algn="ctr"/>
+                      <a:r>
+                        <a:rPr lang="en-US" altLang="zh-TW" dirty="0"/>
+                        <a:t>Disadvantage</a:t>
+                      </a:r>
+                      <a:endParaRPr lang="zh-TW" altLang="en-US" dirty="0"/>
+                    </a:p>
+                  </a:txBody>
+                  <a:tcPr anchor="ctr"/>
+                </a:tc>
+                <a:extLst>
+                  <a:ext uri="{0D108BD9-81ED-4DB2-BD59-A6C34878D82A}">
+                    <a16:rowId xmlns:a16="http://schemas.microsoft.com/office/drawing/2014/main" val="2414564729"/>
+                  </a:ext>
+                </a:extLst>
+              </a:tr>
+              <a:tr h="2391597">
+                <a:tc>
+                  <a:txBody>
+                    <a:bodyPr/>
+                    <a:lstStyle/>
+                    <a:p>
+                      <a:pPr marL="342900" indent="-342900" algn="l">
+                        <a:buAutoNum type="arabicPeriod"/>
+                      </a:pPr>
+                      <a:r>
+                        <a:rPr lang="zh-TW" altLang="en-US" dirty="0"/>
+                        <a:t>簡單快速</a:t>
+                      </a:r>
+                      <a:endParaRPr lang="en-US" altLang="zh-TW" dirty="0"/>
+                    </a:p>
+                    <a:p>
+                      <a:pPr marL="342900" indent="-342900" algn="l">
+                        <a:buAutoNum type="arabicPeriod"/>
+                      </a:pPr>
+                      <a:r>
+                        <a:rPr lang="zh-TW" altLang="en-US" dirty="0"/>
+                        <a:t>直覺</a:t>
+                      </a:r>
+                    </a:p>
+                  </a:txBody>
+                  <a:tcPr/>
+                </a:tc>
+                <a:tc>
+                  <a:txBody>
+                    <a:bodyPr/>
+                    <a:lstStyle/>
+                    <a:p>
+                      <a:pPr marL="342900" indent="-342900" algn="l">
+                        <a:buAutoNum type="arabicPeriod"/>
+                      </a:pPr>
+                      <a:r>
+                        <a:rPr lang="en-US" altLang="zh-TW" dirty="0"/>
+                        <a:t>Features </a:t>
+                      </a:r>
+                      <a:r>
+                        <a:rPr lang="zh-TW" altLang="en-US" dirty="0"/>
+                        <a:t>會太多</a:t>
+                      </a:r>
+                      <a:r>
+                        <a:rPr lang="en-US" altLang="zh-TW" dirty="0"/>
+                        <a:t>(</a:t>
+                      </a:r>
+                      <a:r>
+                        <a:rPr lang="zh-TW" altLang="en-US" dirty="0"/>
+                        <a:t>會產生</a:t>
+                      </a:r>
+                      <a:r>
+                        <a:rPr lang="en-US" altLang="zh-TW" dirty="0"/>
+                        <a:t>sparse matrix)</a:t>
+                      </a:r>
+                    </a:p>
+                    <a:p>
+                      <a:pPr marL="342900" indent="-342900" algn="l">
+                        <a:buAutoNum type="arabicPeriod"/>
+                      </a:pPr>
+                      <a:r>
+                        <a:rPr lang="zh-TW" altLang="en-US" dirty="0"/>
+                        <a:t>文集</a:t>
+                      </a:r>
+                      <a:r>
+                        <a:rPr lang="en-US" altLang="zh-TW" dirty="0"/>
+                        <a:t>(corpus)</a:t>
+                      </a:r>
+                      <a:r>
+                        <a:rPr lang="zh-TW" altLang="en-US" dirty="0"/>
+                        <a:t>中無法嵌入新字</a:t>
+                      </a:r>
+                      <a:endParaRPr lang="en-US" altLang="zh-TW" dirty="0"/>
+                    </a:p>
+                    <a:p>
+                      <a:pPr marL="342900" indent="-342900" algn="l">
+                        <a:buAutoNum type="arabicPeriod"/>
+                      </a:pPr>
+                      <a:r>
+                        <a:rPr lang="zh-TW" altLang="en-US" dirty="0"/>
+                        <a:t>資料長度不固定</a:t>
+                      </a:r>
+                      <a:endParaRPr lang="en-US" altLang="zh-TW" dirty="0"/>
+                    </a:p>
+                    <a:p>
+                      <a:pPr marL="342900" indent="-342900" algn="l">
+                        <a:buAutoNum type="arabicPeriod"/>
+                      </a:pPr>
+                      <a:r>
+                        <a:rPr lang="zh-TW" altLang="en-US" dirty="0"/>
+                        <a:t>無法取得語意</a:t>
+                      </a:r>
+                      <a:r>
+                        <a:rPr lang="en-US" altLang="zh-TW" dirty="0"/>
+                        <a:t>(semantic meaning)</a:t>
+                      </a:r>
+                      <a:endParaRPr lang="zh-TW" altLang="en-US" dirty="0"/>
+                    </a:p>
+                  </a:txBody>
+                  <a:tcPr/>
+                </a:tc>
+                <a:extLst>
+                  <a:ext uri="{0D108BD9-81ED-4DB2-BD59-A6C34878D82A}">
+                    <a16:rowId xmlns:a16="http://schemas.microsoft.com/office/drawing/2014/main" val="2969207907"/>
+                  </a:ext>
+                </a:extLst>
+              </a:tr>
+            </a:tbl>
+          </a:graphicData>
+        </a:graphic>
+      </p:graphicFrame>
+    </p:spTree>
+    <p:extLst>
+      <p:ext uri="{BB962C8B-B14F-4D97-AF65-F5344CB8AC3E}">
+        <p14:creationId xmlns:p14="http://schemas.microsoft.com/office/powerpoint/2010/main" val="4098570623"/>
+      </p:ext>
+    </p:extLst>
+  </p:cSld>
+  <p:clrMapOvr>
+    <a:masterClrMapping/>
+  </p:clrMapOvr>
+</p:sld>
+</file>
+
+<file path=ppt/slides/slide14.xml><?xml version="1.0" encoding="utf-8"?>
+<p:sld xmlns:a="http://schemas.openxmlformats.org/drawingml/2006/main" xmlns:r="http://schemas.openxmlformats.org/officeDocument/2006/relationships" xmlns:p="http://schemas.openxmlformats.org/presentationml/2006/main">
+  <p:cSld>
+    <p:spTree>
+      <p:nvGrpSpPr>
+        <p:cNvPr id="1" name=""/>
+        <p:cNvGrpSpPr/>
+        <p:nvPr/>
+      </p:nvGrpSpPr>
+      <p:grpSpPr>
+        <a:xfrm>
+          <a:off x="0" y="0"/>
+          <a:ext cx="0" cy="0"/>
+          <a:chOff x="0" y="0"/>
+          <a:chExt cx="0" cy="0"/>
+        </a:xfrm>
+      </p:grpSpPr>
+      <p:sp>
+        <p:nvSpPr>
+          <p:cNvPr id="2" name="標題 1">
+            <a:extLst>
+              <a:ext uri="{FF2B5EF4-FFF2-40B4-BE49-F238E27FC236}">
+                <a16:creationId xmlns:a16="http://schemas.microsoft.com/office/drawing/2014/main" id="{C15069CF-F5E7-8E4B-88A1-48CC644D1281}"/>
+              </a:ext>
+            </a:extLst>
+          </p:cNvPr>
+          <p:cNvSpPr>
+            <a:spLocks noGrp="1"/>
+          </p:cNvSpPr>
+          <p:nvPr>
+            <p:ph type="title"/>
+          </p:nvPr>
+        </p:nvSpPr>
+        <p:spPr/>
+        <p:txBody>
+          <a:bodyPr/>
+          <a:lstStyle/>
+          <a:p>
+            <a:r>
+              <a:rPr kumimoji="1" lang="en-US" altLang="zh-TW" dirty="0"/>
+              <a:t>One hot encoding – 3/3</a:t>
+            </a:r>
+            <a:endParaRPr kumimoji="1" lang="zh-TW" altLang="en-US" dirty="0"/>
+          </a:p>
+        </p:txBody>
+      </p:sp>
+      <p:sp>
+        <p:nvSpPr>
+          <p:cNvPr id="3" name="內容版面配置區 2">
+            <a:extLst>
+              <a:ext uri="{FF2B5EF4-FFF2-40B4-BE49-F238E27FC236}">
+                <a16:creationId xmlns:a16="http://schemas.microsoft.com/office/drawing/2014/main" id="{9FF6E03C-B458-4448-838E-82968DF9D162}"/>
+              </a:ext>
+            </a:extLst>
+          </p:cNvPr>
+          <p:cNvSpPr>
+            <a:spLocks noGrp="1"/>
+          </p:cNvSpPr>
+          <p:nvPr>
+            <p:ph idx="1"/>
+          </p:nvPr>
+        </p:nvSpPr>
+        <p:spPr/>
+        <p:txBody>
+          <a:bodyPr/>
+          <a:lstStyle/>
+          <a:p>
+            <a:pPr marL="0" indent="0">
+              <a:buNone/>
+            </a:pPr>
+            <a:r>
+              <a:rPr kumimoji="1" lang="zh-TW" altLang="en-US" dirty="0"/>
+              <a:t>是否</a:t>
+            </a:r>
+            <a:r>
+              <a:rPr kumimoji="1" lang="en-US" altLang="zh-TW" dirty="0"/>
+              <a:t>OHE</a:t>
+            </a:r>
+            <a:r>
+              <a:rPr kumimoji="1" lang="zh-TW" altLang="en-US" dirty="0"/>
+              <a:t>就不適用</a:t>
+            </a:r>
+            <a:r>
+              <a:rPr kumimoji="1" lang="en-US" altLang="zh-TW" dirty="0"/>
+              <a:t>?</a:t>
+            </a:r>
+          </a:p>
+          <a:p>
+            <a:pPr marL="0" indent="0">
+              <a:buNone/>
+            </a:pPr>
+            <a:r>
+              <a:rPr kumimoji="1" lang="zh-TW" altLang="en-US" dirty="0"/>
+              <a:t>在</a:t>
+            </a:r>
+            <a:r>
+              <a:rPr kumimoji="1" lang="en-US" altLang="zh-TW" dirty="0"/>
+              <a:t>NLP</a:t>
+            </a:r>
+            <a:r>
+              <a:rPr kumimoji="1" lang="zh-TW" altLang="en-US" dirty="0"/>
+              <a:t>裡面 </a:t>
+            </a:r>
+            <a:r>
+              <a:rPr kumimoji="1" lang="en-US" altLang="zh-TW" dirty="0"/>
+              <a:t>OHE </a:t>
+            </a:r>
+            <a:r>
+              <a:rPr kumimoji="1" lang="zh-TW" altLang="en-US" dirty="0"/>
+              <a:t>因為會產生太多的維度</a:t>
+            </a:r>
+            <a:r>
+              <a:rPr kumimoji="1" lang="en-US" altLang="zh-TW" dirty="0"/>
+              <a:t>, </a:t>
+            </a:r>
+            <a:r>
+              <a:rPr kumimoji="1" lang="zh-TW" altLang="en-US" dirty="0"/>
+              <a:t>故叫不適用</a:t>
+            </a:r>
+            <a:r>
+              <a:rPr kumimoji="1" lang="en-US" altLang="zh-TW" dirty="0"/>
+              <a:t>,</a:t>
+            </a:r>
+          </a:p>
+          <a:p>
+            <a:pPr marL="0" indent="0">
+              <a:buNone/>
+            </a:pPr>
+            <a:r>
+              <a:rPr kumimoji="1" lang="zh-TW" altLang="en-US" dirty="0"/>
+              <a:t>但在離散資料的分類分群裡面時常會使用到</a:t>
+            </a:r>
+            <a:r>
+              <a:rPr kumimoji="1" lang="en-US" altLang="zh-TW" dirty="0"/>
+              <a:t>OHE</a:t>
+            </a:r>
+          </a:p>
+          <a:p>
+            <a:pPr marL="0" indent="0">
+              <a:buNone/>
+            </a:pPr>
+            <a:r>
+              <a:rPr kumimoji="1" lang="en-US" altLang="zh-TW" dirty="0"/>
+              <a:t>Ex. </a:t>
+            </a:r>
+          </a:p>
+          <a:p>
+            <a:pPr marL="0" indent="0">
+              <a:buNone/>
+            </a:pPr>
+            <a:r>
+              <a:rPr kumimoji="1" lang="en-US" altLang="zh-TW" dirty="0"/>
+              <a:t>Defect </a:t>
+            </a:r>
+            <a:r>
+              <a:rPr kumimoji="1" lang="zh-TW" altLang="en-US" dirty="0"/>
+              <a:t>種類預測是否能報修</a:t>
+            </a:r>
+            <a:endParaRPr kumimoji="1" lang="en-US" altLang="zh-TW" dirty="0"/>
+          </a:p>
+          <a:p>
+            <a:pPr marL="0" indent="0">
+              <a:buNone/>
+            </a:pPr>
+            <a:endParaRPr kumimoji="1" lang="en-US" altLang="zh-TW" dirty="0"/>
+          </a:p>
+        </p:txBody>
+      </p:sp>
+      <p:graphicFrame>
+        <p:nvGraphicFramePr>
+          <p:cNvPr id="4" name="表格 4">
+            <a:extLst>
+              <a:ext uri="{FF2B5EF4-FFF2-40B4-BE49-F238E27FC236}">
+                <a16:creationId xmlns:a16="http://schemas.microsoft.com/office/drawing/2014/main" id="{5BFF9631-457D-BF4B-AA56-4913DE9E095C}"/>
+              </a:ext>
+            </a:extLst>
+          </p:cNvPr>
+          <p:cNvGraphicFramePr>
+            <a:graphicFrameLocks noGrp="1"/>
+          </p:cNvGraphicFramePr>
+          <p:nvPr>
+            <p:extLst>
+              <p:ext uri="{D42A27DB-BD31-4B8C-83A1-F6EECF244321}">
+                <p14:modId xmlns:p14="http://schemas.microsoft.com/office/powerpoint/2010/main" val="3564736223"/>
+              </p:ext>
+            </p:extLst>
+          </p:nvPr>
+        </p:nvGraphicFramePr>
+        <p:xfrm>
+          <a:off x="1066800" y="4704859"/>
+          <a:ext cx="9664261" cy="1854200"/>
+        </p:xfrm>
+        <a:graphic>
+          <a:graphicData uri="http://schemas.openxmlformats.org/drawingml/2006/table">
+            <a:tbl>
+              <a:tblPr firstRow="1" bandRow="1">
+                <a:tableStyleId>{5C22544A-7EE6-4342-B048-85BDC9FD1C3A}</a:tableStyleId>
+              </a:tblPr>
+              <a:tblGrid>
+                <a:gridCol w="3116317">
+                  <a:extLst>
+                    <a:ext uri="{9D8B030D-6E8A-4147-A177-3AD203B41FA5}">
+                      <a16:colId xmlns:a16="http://schemas.microsoft.com/office/drawing/2014/main" val="1663743351"/>
+                    </a:ext>
+                  </a:extLst>
+                </a:gridCol>
+                <a:gridCol w="1636986">
+                  <a:extLst>
+                    <a:ext uri="{9D8B030D-6E8A-4147-A177-3AD203B41FA5}">
+                      <a16:colId xmlns:a16="http://schemas.microsoft.com/office/drawing/2014/main" val="2169365777"/>
+                    </a:ext>
+                  </a:extLst>
+                </a:gridCol>
+                <a:gridCol w="1636986">
+                  <a:extLst>
+                    <a:ext uri="{9D8B030D-6E8A-4147-A177-3AD203B41FA5}">
+                      <a16:colId xmlns:a16="http://schemas.microsoft.com/office/drawing/2014/main" val="3654379997"/>
+                    </a:ext>
+                  </a:extLst>
+                </a:gridCol>
+                <a:gridCol w="1636986">
+                  <a:extLst>
+                    <a:ext uri="{9D8B030D-6E8A-4147-A177-3AD203B41FA5}">
+                      <a16:colId xmlns:a16="http://schemas.microsoft.com/office/drawing/2014/main" val="2795883285"/>
+                    </a:ext>
+                  </a:extLst>
+                </a:gridCol>
+                <a:gridCol w="1636986">
+                  <a:extLst>
+                    <a:ext uri="{9D8B030D-6E8A-4147-A177-3AD203B41FA5}">
+                      <a16:colId xmlns:a16="http://schemas.microsoft.com/office/drawing/2014/main" val="3129731706"/>
+                    </a:ext>
+                  </a:extLst>
+                </a:gridCol>
+              </a:tblGrid>
+              <a:tr h="370840">
+                <a:tc>
+                  <a:txBody>
+                    <a:bodyPr/>
+                    <a:lstStyle/>
+                    <a:p>
+                      <a:r>
+                        <a:rPr lang="en-US" altLang="zh-TW" dirty="0"/>
+                        <a:t>Panel id/ Defect type</a:t>
+                      </a:r>
+                      <a:endParaRPr lang="zh-TW" altLang="en-US" dirty="0"/>
+                    </a:p>
+                  </a:txBody>
+                  <a:tcPr/>
+                </a:tc>
+                <a:tc>
+                  <a:txBody>
+                    <a:bodyPr/>
+                    <a:lstStyle/>
+                    <a:p>
+                      <a:r>
+                        <a:rPr lang="zh-TW" altLang="en-US" dirty="0"/>
+                        <a:t>Ｍ</a:t>
+                      </a:r>
+                      <a:r>
+                        <a:rPr lang="en-US" altLang="zh-TW" dirty="0" err="1"/>
+                        <a:t>ura</a:t>
+                      </a:r>
+                      <a:endParaRPr lang="zh-TW" altLang="en-US" dirty="0"/>
+                    </a:p>
+                  </a:txBody>
+                  <a:tcPr/>
+                </a:tc>
+                <a:tc>
+                  <a:txBody>
+                    <a:bodyPr/>
+                    <a:lstStyle/>
+                    <a:p>
+                      <a:r>
+                        <a:rPr lang="zh-TW" altLang="en-US" dirty="0"/>
+                        <a:t>異物</a:t>
+                      </a:r>
+                    </a:p>
+                  </a:txBody>
+                  <a:tcPr/>
+                </a:tc>
+                <a:tc>
+                  <a:txBody>
+                    <a:bodyPr/>
+                    <a:lstStyle/>
+                    <a:p>
+                      <a:r>
+                        <a:rPr lang="zh-TW" altLang="en-US" dirty="0"/>
+                        <a:t>破片</a:t>
+                      </a:r>
+                    </a:p>
+                  </a:txBody>
+                  <a:tcPr/>
+                </a:tc>
+                <a:tc>
+                  <a:txBody>
+                    <a:bodyPr/>
+                    <a:lstStyle/>
+                    <a:p>
+                      <a:r>
+                        <a:rPr lang="zh-TW" altLang="en-US" dirty="0"/>
+                        <a:t>是否報廢</a:t>
+                      </a:r>
+                    </a:p>
+                  </a:txBody>
+                  <a:tcPr/>
+                </a:tc>
+                <a:extLst>
+                  <a:ext uri="{0D108BD9-81ED-4DB2-BD59-A6C34878D82A}">
+                    <a16:rowId xmlns:a16="http://schemas.microsoft.com/office/drawing/2014/main" val="2456977110"/>
+                  </a:ext>
+                </a:extLst>
+              </a:tr>
+              <a:tr h="370840">
+                <a:tc>
+                  <a:txBody>
+                    <a:bodyPr/>
+                    <a:lstStyle/>
+                    <a:p>
+                      <a:r>
+                        <a:rPr lang="en-US" altLang="zh-TW" dirty="0"/>
+                        <a:t>A0012</a:t>
+                      </a:r>
+                      <a:endParaRPr lang="zh-TW" altLang="en-US" dirty="0"/>
+                    </a:p>
+                  </a:txBody>
+                  <a:tcPr/>
+                </a:tc>
+                <a:tc>
+                  <a:txBody>
+                    <a:bodyPr/>
+                    <a:lstStyle/>
+                    <a:p>
+                      <a:r>
+                        <a:rPr lang="en-US" altLang="zh-TW" dirty="0"/>
+                        <a:t>0</a:t>
+                      </a:r>
+                      <a:endParaRPr lang="zh-TW" altLang="en-US" dirty="0"/>
+                    </a:p>
+                  </a:txBody>
+                  <a:tcPr/>
+                </a:tc>
+                <a:tc>
+                  <a:txBody>
+                    <a:bodyPr/>
+                    <a:lstStyle/>
+                    <a:p>
+                      <a:r>
+                        <a:rPr lang="en-US" altLang="zh-TW" dirty="0"/>
+                        <a:t>0</a:t>
+                      </a:r>
+                      <a:endParaRPr lang="zh-TW" altLang="en-US" dirty="0"/>
+                    </a:p>
+                  </a:txBody>
+                  <a:tcPr/>
+                </a:tc>
+                <a:tc>
+                  <a:txBody>
+                    <a:bodyPr/>
+                    <a:lstStyle/>
+                    <a:p>
+                      <a:r>
+                        <a:rPr lang="en-US" altLang="zh-TW" dirty="0"/>
+                        <a:t>1</a:t>
+                      </a:r>
+                      <a:endParaRPr lang="zh-TW" altLang="en-US" dirty="0"/>
+                    </a:p>
+                  </a:txBody>
+                  <a:tcPr/>
+                </a:tc>
+                <a:tc>
+                  <a:txBody>
+                    <a:bodyPr/>
+                    <a:lstStyle/>
+                    <a:p>
+                      <a:r>
+                        <a:rPr lang="en-US" altLang="zh-TW" dirty="0"/>
+                        <a:t>0</a:t>
+                      </a:r>
+                      <a:endParaRPr lang="zh-TW" altLang="en-US" dirty="0"/>
+                    </a:p>
+                  </a:txBody>
+                  <a:tcPr/>
+                </a:tc>
+                <a:extLst>
+                  <a:ext uri="{0D108BD9-81ED-4DB2-BD59-A6C34878D82A}">
+                    <a16:rowId xmlns:a16="http://schemas.microsoft.com/office/drawing/2014/main" val="2375058117"/>
+                  </a:ext>
+                </a:extLst>
+              </a:tr>
+              <a:tr h="370840">
+                <a:tc>
+                  <a:txBody>
+                    <a:bodyPr/>
+                    <a:lstStyle/>
+                    <a:p>
+                      <a:r>
+                        <a:rPr lang="en-US" altLang="zh-TW" dirty="0"/>
+                        <a:t>A0013</a:t>
+                      </a:r>
+                      <a:endParaRPr lang="zh-TW" altLang="en-US" dirty="0"/>
+                    </a:p>
+                  </a:txBody>
+                  <a:tcPr/>
+                </a:tc>
+                <a:tc>
+                  <a:txBody>
+                    <a:bodyPr/>
+                    <a:lstStyle/>
+                    <a:p>
+                      <a:r>
+                        <a:rPr lang="en-US" altLang="zh-TW" dirty="0"/>
+                        <a:t>0</a:t>
+                      </a:r>
+                      <a:endParaRPr lang="zh-TW" altLang="en-US" dirty="0"/>
+                    </a:p>
+                  </a:txBody>
+                  <a:tcPr/>
+                </a:tc>
+                <a:tc>
+                  <a:txBody>
+                    <a:bodyPr/>
+                    <a:lstStyle/>
+                    <a:p>
+                      <a:r>
+                        <a:rPr lang="en-US" altLang="zh-TW" dirty="0"/>
+                        <a:t>0</a:t>
+                      </a:r>
+                      <a:endParaRPr lang="zh-TW" altLang="en-US" dirty="0"/>
+                    </a:p>
+                  </a:txBody>
+                  <a:tcPr/>
+                </a:tc>
+                <a:tc>
+                  <a:txBody>
+                    <a:bodyPr/>
+                    <a:lstStyle/>
+                    <a:p>
+                      <a:r>
+                        <a:rPr lang="en-US" altLang="zh-TW" dirty="0"/>
+                        <a:t>1</a:t>
+                      </a:r>
+                      <a:endParaRPr lang="zh-TW" altLang="en-US" dirty="0"/>
+                    </a:p>
+                  </a:txBody>
+                  <a:tcPr/>
+                </a:tc>
+                <a:tc>
+                  <a:txBody>
+                    <a:bodyPr/>
+                    <a:lstStyle/>
+                    <a:p>
+                      <a:r>
+                        <a:rPr lang="en-US" altLang="zh-TW" dirty="0"/>
+                        <a:t>1</a:t>
+                      </a:r>
+                      <a:endParaRPr lang="zh-TW" altLang="en-US" dirty="0"/>
+                    </a:p>
+                  </a:txBody>
+                  <a:tcPr/>
+                </a:tc>
+                <a:extLst>
+                  <a:ext uri="{0D108BD9-81ED-4DB2-BD59-A6C34878D82A}">
+                    <a16:rowId xmlns:a16="http://schemas.microsoft.com/office/drawing/2014/main" val="920984155"/>
+                  </a:ext>
+                </a:extLst>
+              </a:tr>
+              <a:tr h="370840">
+                <a:tc>
+                  <a:txBody>
+                    <a:bodyPr/>
+                    <a:lstStyle/>
+                    <a:p>
+                      <a:r>
+                        <a:rPr lang="en-US" altLang="zh-TW" dirty="0"/>
+                        <a:t>A0014</a:t>
+                      </a:r>
+                      <a:endParaRPr lang="zh-TW" altLang="en-US" dirty="0"/>
+                    </a:p>
+                  </a:txBody>
+                  <a:tcPr/>
+                </a:tc>
+                <a:tc>
+                  <a:txBody>
+                    <a:bodyPr/>
+                    <a:lstStyle/>
+                    <a:p>
+                      <a:r>
+                        <a:rPr lang="en-US" altLang="zh-TW" dirty="0"/>
+                        <a:t>0</a:t>
+                      </a:r>
+                      <a:endParaRPr lang="zh-TW" altLang="en-US" dirty="0"/>
+                    </a:p>
+                  </a:txBody>
+                  <a:tcPr/>
+                </a:tc>
+                <a:tc>
+                  <a:txBody>
+                    <a:bodyPr/>
+                    <a:lstStyle/>
+                    <a:p>
+                      <a:r>
+                        <a:rPr lang="en-US" altLang="zh-TW" dirty="0"/>
+                        <a:t>1</a:t>
+                      </a:r>
+                      <a:endParaRPr lang="zh-TW" altLang="en-US" dirty="0"/>
+                    </a:p>
+                  </a:txBody>
+                  <a:tcPr/>
+                </a:tc>
+                <a:tc>
+                  <a:txBody>
+                    <a:bodyPr/>
+                    <a:lstStyle/>
+                    <a:p>
+                      <a:r>
+                        <a:rPr lang="en-US" altLang="zh-TW" dirty="0"/>
+                        <a:t>1</a:t>
+                      </a:r>
+                      <a:endParaRPr lang="zh-TW" altLang="en-US" dirty="0"/>
+                    </a:p>
+                  </a:txBody>
+                  <a:tcPr/>
+                </a:tc>
+                <a:tc>
+                  <a:txBody>
+                    <a:bodyPr/>
+                    <a:lstStyle/>
+                    <a:p>
+                      <a:r>
+                        <a:rPr lang="en-US" altLang="zh-TW" dirty="0"/>
+                        <a:t>1</a:t>
+                      </a:r>
+                      <a:endParaRPr lang="zh-TW" altLang="en-US" dirty="0"/>
+                    </a:p>
+                  </a:txBody>
+                  <a:tcPr/>
+                </a:tc>
+                <a:extLst>
+                  <a:ext uri="{0D108BD9-81ED-4DB2-BD59-A6C34878D82A}">
+                    <a16:rowId xmlns:a16="http://schemas.microsoft.com/office/drawing/2014/main" val="4174093575"/>
+                  </a:ext>
+                </a:extLst>
+              </a:tr>
+              <a:tr h="370840">
+                <a:tc>
+                  <a:txBody>
+                    <a:bodyPr/>
+                    <a:lstStyle/>
+                    <a:p>
+                      <a:r>
+                        <a:rPr lang="en-US" altLang="zh-TW" dirty="0"/>
+                        <a:t>A0015</a:t>
+                      </a:r>
+                      <a:endParaRPr lang="zh-TW" altLang="en-US" dirty="0"/>
+                    </a:p>
+                  </a:txBody>
+                  <a:tcPr/>
+                </a:tc>
+                <a:tc>
+                  <a:txBody>
+                    <a:bodyPr/>
+                    <a:lstStyle/>
+                    <a:p>
+                      <a:r>
+                        <a:rPr lang="en-US" altLang="zh-TW" dirty="0"/>
+                        <a:t>1</a:t>
+                      </a:r>
+                      <a:endParaRPr lang="zh-TW" altLang="en-US" dirty="0"/>
+                    </a:p>
+                  </a:txBody>
+                  <a:tcPr/>
+                </a:tc>
+                <a:tc>
+                  <a:txBody>
+                    <a:bodyPr/>
+                    <a:lstStyle/>
+                    <a:p>
+                      <a:r>
+                        <a:rPr lang="en-US" altLang="zh-TW" dirty="0"/>
+                        <a:t>1</a:t>
+                      </a:r>
+                      <a:endParaRPr lang="zh-TW" altLang="en-US" dirty="0"/>
+                    </a:p>
+                  </a:txBody>
+                  <a:tcPr/>
+                </a:tc>
+                <a:tc>
+                  <a:txBody>
+                    <a:bodyPr/>
+                    <a:lstStyle/>
+                    <a:p>
+                      <a:r>
+                        <a:rPr lang="en-US" altLang="zh-TW" dirty="0"/>
+                        <a:t>1</a:t>
+                      </a:r>
+                      <a:endParaRPr lang="zh-TW" altLang="en-US" dirty="0"/>
+                    </a:p>
+                  </a:txBody>
+                  <a:tcPr/>
+                </a:tc>
+                <a:tc>
+                  <a:txBody>
+                    <a:bodyPr/>
+                    <a:lstStyle/>
+                    <a:p>
+                      <a:r>
+                        <a:rPr lang="en-US" altLang="zh-TW" dirty="0"/>
+                        <a:t>0</a:t>
+                      </a:r>
+                      <a:endParaRPr lang="zh-TW" altLang="en-US" dirty="0"/>
+                    </a:p>
+                  </a:txBody>
+                  <a:tcPr/>
+                </a:tc>
+                <a:extLst>
+                  <a:ext uri="{0D108BD9-81ED-4DB2-BD59-A6C34878D82A}">
+                    <a16:rowId xmlns:a16="http://schemas.microsoft.com/office/drawing/2014/main" val="1098050315"/>
+                  </a:ext>
+                </a:extLst>
+              </a:tr>
+            </a:tbl>
+          </a:graphicData>
+        </a:graphic>
+      </p:graphicFrame>
+    </p:spTree>
+    <p:extLst>
+      <p:ext uri="{BB962C8B-B14F-4D97-AF65-F5344CB8AC3E}">
+        <p14:creationId xmlns:p14="http://schemas.microsoft.com/office/powerpoint/2010/main" val="209783738"/>
+      </p:ext>
+    </p:extLst>
+  </p:cSld>
+  <p:clrMapOvr>
+    <a:masterClrMapping/>
+  </p:clrMapOvr>
+</p:sld>
+</file>
+
+<file path=ppt/slides/slide15.xml><?xml version="1.0" encoding="utf-8"?>
+<p:sld xmlns:a="http://schemas.openxmlformats.org/drawingml/2006/main" xmlns:r="http://schemas.openxmlformats.org/officeDocument/2006/relationships" xmlns:p="http://schemas.openxmlformats.org/presentationml/2006/main">
+  <p:cSld>
+    <p:spTree>
+      <p:nvGrpSpPr>
+        <p:cNvPr id="1" name=""/>
+        <p:cNvGrpSpPr/>
+        <p:nvPr/>
+      </p:nvGrpSpPr>
+      <p:grpSpPr>
+        <a:xfrm>
+          <a:off x="0" y="0"/>
+          <a:ext cx="0" cy="0"/>
+          <a:chOff x="0" y="0"/>
+          <a:chExt cx="0" cy="0"/>
+        </a:xfrm>
+      </p:grpSpPr>
+      <p:sp>
+        <p:nvSpPr>
+          <p:cNvPr id="2" name="標題 1">
+            <a:extLst>
+              <a:ext uri="{FF2B5EF4-FFF2-40B4-BE49-F238E27FC236}">
+                <a16:creationId xmlns:a16="http://schemas.microsoft.com/office/drawing/2014/main" id="{7F2D7299-D45B-6A47-9196-344A34250ED8}"/>
+              </a:ext>
+            </a:extLst>
+          </p:cNvPr>
+          <p:cNvSpPr>
+            <a:spLocks noGrp="1"/>
+          </p:cNvSpPr>
+          <p:nvPr>
+            <p:ph type="title"/>
+          </p:nvPr>
+        </p:nvSpPr>
+        <p:spPr/>
+        <p:txBody>
+          <a:bodyPr/>
+          <a:lstStyle/>
+          <a:p>
+            <a:r>
+              <a:rPr kumimoji="1" lang="en-US" altLang="zh-TW" dirty="0"/>
+              <a:t>Bag of words – 1/4</a:t>
+            </a:r>
+            <a:endParaRPr kumimoji="1" lang="zh-TW" altLang="en-US" dirty="0"/>
+          </a:p>
+        </p:txBody>
+      </p:sp>
+      <p:pic>
+        <p:nvPicPr>
+          <p:cNvPr id="7" name="內容版面配置區 6" descr="一張含有 文字, 購物袋, 手提包, 行李與袋子 的圖片&#10;&#10;自動產生的描述">
+            <a:extLst>
+              <a:ext uri="{FF2B5EF4-FFF2-40B4-BE49-F238E27FC236}">
+                <a16:creationId xmlns:a16="http://schemas.microsoft.com/office/drawing/2014/main" id="{84D4AFBD-2264-EF42-AD95-1E1FC6E148D4}"/>
+              </a:ext>
+            </a:extLst>
+          </p:cNvPr>
+          <p:cNvPicPr>
+            <a:picLocks noGrp="1" noChangeAspect="1"/>
+          </p:cNvPicPr>
+          <p:nvPr>
+            <p:ph idx="1"/>
+          </p:nvPr>
+        </p:nvPicPr>
+        <p:blipFill>
+          <a:blip r:embed="rId2"/>
+          <a:stretch>
+            <a:fillRect/>
+          </a:stretch>
+        </p:blipFill>
+        <p:spPr>
+          <a:xfrm>
+            <a:off x="3715406" y="1890510"/>
+            <a:ext cx="7551683" cy="4789674"/>
+          </a:xfrm>
+        </p:spPr>
+      </p:pic>
+      <p:sp>
+        <p:nvSpPr>
+          <p:cNvPr id="8" name="內容版面配置區 2">
+            <a:extLst>
+              <a:ext uri="{FF2B5EF4-FFF2-40B4-BE49-F238E27FC236}">
+                <a16:creationId xmlns:a16="http://schemas.microsoft.com/office/drawing/2014/main" id="{7F97B98D-96C9-EC41-9B89-A07BF0636956}"/>
+              </a:ext>
+            </a:extLst>
+          </p:cNvPr>
+          <p:cNvSpPr txBox="1">
+            <a:spLocks/>
+          </p:cNvSpPr>
+          <p:nvPr/>
+        </p:nvSpPr>
+        <p:spPr>
+          <a:xfrm>
+            <a:off x="1069848" y="2139696"/>
+            <a:ext cx="8883836" cy="3677683"/>
+          </a:xfrm>
+          <a:prstGeom prst="rect">
+            <a:avLst/>
+          </a:prstGeom>
+        </p:spPr>
+        <p:txBody>
+          <a:bodyPr vert="horz" lIns="91440" tIns="45720" rIns="91440" bIns="45720" rtlCol="0">
+            <a:normAutofit/>
+          </a:bodyPr>
+          <a:lstStyle>
+            <a:lvl1pPr marL="228600" indent="-228600" algn="l" defTabSz="914400" rtl="0" eaLnBrk="1" latinLnBrk="0" hangingPunct="1">
+              <a:lnSpc>
+                <a:spcPct val="120000"/>
+              </a:lnSpc>
+              <a:spcBef>
+                <a:spcPts val="1000"/>
+              </a:spcBef>
+              <a:buFont typeface="Arial" panose="020B0604020202020204" pitchFamily="34" charset="0"/>
+              <a:buChar char="•"/>
+              <a:defRPr sz="1800" kern="1200">
+                <a:solidFill>
+                  <a:schemeClr val="tx1"/>
+                </a:solidFill>
+                <a:latin typeface="+mn-lt"/>
+                <a:ea typeface="+mn-ea"/>
+                <a:cs typeface="+mn-cs"/>
+              </a:defRPr>
+            </a:lvl1pPr>
+            <a:lvl2pPr marL="548640" indent="-228600" algn="l" defTabSz="914400" rtl="0" eaLnBrk="1" latinLnBrk="0" hangingPunct="1">
+              <a:lnSpc>
+                <a:spcPct val="120000"/>
+              </a:lnSpc>
+              <a:spcBef>
+                <a:spcPts val="500"/>
+              </a:spcBef>
+              <a:buFont typeface="Neue Haas Grotesk Text Pro" panose="020B0504020202020204" pitchFamily="34" charset="0"/>
+              <a:buChar char="–"/>
+              <a:defRPr sz="1600" kern="1200">
+                <a:solidFill>
+                  <a:schemeClr val="tx1"/>
+                </a:solidFill>
+                <a:latin typeface="+mn-lt"/>
+                <a:ea typeface="+mn-ea"/>
+                <a:cs typeface="+mn-cs"/>
+              </a:defRPr>
+            </a:lvl2pPr>
+            <a:lvl3pPr marL="777240" indent="-228600" algn="l" defTabSz="914400" rtl="0" eaLnBrk="1" latinLnBrk="0" hangingPunct="1">
+              <a:lnSpc>
+                <a:spcPct val="120000"/>
+              </a:lnSpc>
+              <a:spcBef>
+                <a:spcPts val="500"/>
+              </a:spcBef>
+              <a:buFont typeface="Arial" panose="020B0604020202020204" pitchFamily="34" charset="0"/>
+              <a:buChar char="•"/>
+              <a:defRPr sz="1400" kern="1200">
+                <a:solidFill>
+                  <a:schemeClr val="tx1"/>
+                </a:solidFill>
+                <a:latin typeface="+mn-lt"/>
+                <a:ea typeface="+mn-ea"/>
+                <a:cs typeface="+mn-cs"/>
+              </a:defRPr>
+            </a:lvl3pPr>
+            <a:lvl4pPr marL="914400" indent="-228600" algn="l" defTabSz="914400" rtl="0" eaLnBrk="1" latinLnBrk="0" hangingPunct="1">
+              <a:lnSpc>
+                <a:spcPct val="120000"/>
+              </a:lnSpc>
+              <a:spcBef>
+                <a:spcPts val="500"/>
+              </a:spcBef>
+              <a:buFont typeface="Neue Haas Grotesk Text Pro" panose="020B0504020202020204" pitchFamily="34" charset="0"/>
+              <a:buChar char="–"/>
+              <a:defRPr sz="1200" kern="1200">
+                <a:solidFill>
+                  <a:schemeClr val="tx1"/>
+                </a:solidFill>
+                <a:latin typeface="+mn-lt"/>
+                <a:ea typeface="+mn-ea"/>
+                <a:cs typeface="+mn-cs"/>
+              </a:defRPr>
+            </a:lvl4pPr>
+            <a:lvl5pPr marL="1097280" indent="-228600" algn="l" defTabSz="914400" rtl="0" eaLnBrk="1" latinLnBrk="0" hangingPunct="1">
+              <a:lnSpc>
+                <a:spcPct val="120000"/>
+              </a:lnSpc>
+              <a:spcBef>
+                <a:spcPts val="500"/>
+              </a:spcBef>
+              <a:buFont typeface="Arial" panose="020B0604020202020204" pitchFamily="34" charset="0"/>
+              <a:buChar char="•"/>
+              <a:defRPr sz="1200" kern="1200">
+                <a:solidFill>
+                  <a:schemeClr val="tx1"/>
+                </a:solidFill>
+                <a:latin typeface="+mn-lt"/>
+                <a:ea typeface="+mn-ea"/>
+                <a:cs typeface="+mn-cs"/>
+              </a:defRPr>
+            </a:lvl5pPr>
+            <a:lvl6pPr marL="2514600" indent="-228600" algn="l" defTabSz="914400" rtl="0" eaLnBrk="1" latinLnBrk="0" hangingPunct="1">
+              <a:lnSpc>
+                <a:spcPct val="90000"/>
+              </a:lnSpc>
+              <a:spcBef>
+                <a:spcPts val="500"/>
+              </a:spcBef>
+              <a:buFont typeface="Arial" panose="020B0604020202020204" pitchFamily="34" charset="0"/>
+              <a:buChar char="•"/>
+              <a:defRPr sz="1800" kern="1200">
+                <a:solidFill>
+                  <a:schemeClr val="tx1"/>
+                </a:solidFill>
+                <a:latin typeface="+mn-lt"/>
+                <a:ea typeface="+mn-ea"/>
+                <a:cs typeface="+mn-cs"/>
+              </a:defRPr>
+            </a:lvl6pPr>
+            <a:lvl7pPr marL="2971800" indent="-228600" algn="l" defTabSz="914400" rtl="0" eaLnBrk="1" latinLnBrk="0" hangingPunct="1">
+              <a:lnSpc>
+                <a:spcPct val="90000"/>
+              </a:lnSpc>
+              <a:spcBef>
+                <a:spcPts val="500"/>
+              </a:spcBef>
+              <a:buFont typeface="Arial" panose="020B0604020202020204" pitchFamily="34" charset="0"/>
+              <a:buChar char="•"/>
+              <a:defRPr sz="1800" kern="1200">
+                <a:solidFill>
+                  <a:schemeClr val="tx1"/>
+                </a:solidFill>
+                <a:latin typeface="+mn-lt"/>
+                <a:ea typeface="+mn-ea"/>
+                <a:cs typeface="+mn-cs"/>
+              </a:defRPr>
+            </a:lvl7pPr>
+            <a:lvl8pPr marL="3429000" indent="-228600" algn="l" defTabSz="914400" rtl="0" eaLnBrk="1" latinLnBrk="0" hangingPunct="1">
+              <a:lnSpc>
+                <a:spcPct val="90000"/>
+              </a:lnSpc>
+              <a:spcBef>
+                <a:spcPts val="500"/>
+              </a:spcBef>
+              <a:buFont typeface="Arial" panose="020B0604020202020204" pitchFamily="34" charset="0"/>
+              <a:buChar char="•"/>
+              <a:defRPr sz="1800" kern="1200">
+                <a:solidFill>
+                  <a:schemeClr val="tx1"/>
+                </a:solidFill>
+                <a:latin typeface="+mn-lt"/>
+                <a:ea typeface="+mn-ea"/>
+                <a:cs typeface="+mn-cs"/>
+              </a:defRPr>
+            </a:lvl8pPr>
+            <a:lvl9pPr marL="3886200" indent="-228600" algn="l" defTabSz="914400" rtl="0" eaLnBrk="1" latinLnBrk="0" hangingPunct="1">
+              <a:lnSpc>
+                <a:spcPct val="90000"/>
+              </a:lnSpc>
+              <a:spcBef>
+                <a:spcPts val="500"/>
+              </a:spcBef>
+              <a:buFont typeface="Arial" panose="020B0604020202020204" pitchFamily="34" charset="0"/>
+              <a:buChar char="•"/>
+              <a:defRPr sz="1800" kern="1200">
+                <a:solidFill>
+                  <a:schemeClr val="tx1"/>
+                </a:solidFill>
+                <a:latin typeface="+mn-lt"/>
+                <a:ea typeface="+mn-ea"/>
+                <a:cs typeface="+mn-cs"/>
+              </a:defRPr>
+            </a:lvl9pPr>
+          </a:lstStyle>
+          <a:p>
+            <a:pPr marL="0" indent="0">
+              <a:buFont typeface="Arial" panose="020B0604020202020204" pitchFamily="34" charset="0"/>
+              <a:buNone/>
+            </a:pPr>
+            <a:r>
+              <a:rPr kumimoji="1" lang="zh-TW" altLang="en-US" dirty="0"/>
+              <a:t>就是改良版的</a:t>
+            </a:r>
+            <a:r>
+              <a:rPr kumimoji="1" lang="en-US" altLang="zh-TW" dirty="0"/>
+              <a:t>OHE</a:t>
+            </a:r>
+          </a:p>
+        </p:txBody>
+      </p:sp>
+    </p:spTree>
+    <p:extLst>
+      <p:ext uri="{BB962C8B-B14F-4D97-AF65-F5344CB8AC3E}">
+        <p14:creationId xmlns:p14="http://schemas.microsoft.com/office/powerpoint/2010/main" val="4115752990"/>
+      </p:ext>
+    </p:extLst>
+  </p:cSld>
+  <p:clrMapOvr>
+    <a:masterClrMapping/>
+  </p:clrMapOvr>
+</p:sld>
+</file>
+
+<file path=ppt/slides/slide16.xml><?xml version="1.0" encoding="utf-8"?>
+<p:sld xmlns:a="http://schemas.openxmlformats.org/drawingml/2006/main" xmlns:r="http://schemas.openxmlformats.org/officeDocument/2006/relationships" xmlns:p="http://schemas.openxmlformats.org/presentationml/2006/main">
+  <p:cSld>
+    <p:spTree>
+      <p:nvGrpSpPr>
+        <p:cNvPr id="1" name=""/>
+        <p:cNvGrpSpPr/>
+        <p:nvPr/>
+      </p:nvGrpSpPr>
+      <p:grpSpPr>
+        <a:xfrm>
+          <a:off x="0" y="0"/>
+          <a:ext cx="0" cy="0"/>
+          <a:chOff x="0" y="0"/>
+          <a:chExt cx="0" cy="0"/>
+        </a:xfrm>
+      </p:grpSpPr>
+      <p:sp>
+        <p:nvSpPr>
+          <p:cNvPr id="2" name="標題 1">
+            <a:extLst>
+              <a:ext uri="{FF2B5EF4-FFF2-40B4-BE49-F238E27FC236}">
+                <a16:creationId xmlns:a16="http://schemas.microsoft.com/office/drawing/2014/main" id="{93874F27-9A39-F84F-BC7D-EC6F865B52FA}"/>
+              </a:ext>
+            </a:extLst>
+          </p:cNvPr>
+          <p:cNvSpPr>
+            <a:spLocks noGrp="1"/>
+          </p:cNvSpPr>
+          <p:nvPr>
+            <p:ph type="title"/>
+          </p:nvPr>
+        </p:nvSpPr>
+        <p:spPr/>
+        <p:txBody>
+          <a:bodyPr/>
+          <a:lstStyle/>
+          <a:p>
+            <a:r>
+              <a:rPr kumimoji="1" lang="en-US" altLang="zh-TW" dirty="0"/>
+              <a:t>Bag of words – 2/4</a:t>
+            </a:r>
+            <a:endParaRPr kumimoji="1" lang="zh-TW" altLang="en-US" dirty="0"/>
+          </a:p>
+        </p:txBody>
+      </p:sp>
+      <p:sp>
+        <p:nvSpPr>
+          <p:cNvPr id="3" name="內容版面配置區 2">
+            <a:extLst>
+              <a:ext uri="{FF2B5EF4-FFF2-40B4-BE49-F238E27FC236}">
+                <a16:creationId xmlns:a16="http://schemas.microsoft.com/office/drawing/2014/main" id="{4CC5C4EC-6B98-5C4E-A46F-DEE5061B4095}"/>
+              </a:ext>
+            </a:extLst>
+          </p:cNvPr>
+          <p:cNvSpPr>
+            <a:spLocks noGrp="1"/>
+          </p:cNvSpPr>
+          <p:nvPr>
+            <p:ph idx="1"/>
+          </p:nvPr>
+        </p:nvSpPr>
+        <p:spPr/>
+        <p:txBody>
+          <a:bodyPr>
+            <a:normAutofit/>
+          </a:bodyPr>
+          <a:lstStyle/>
+          <a:p>
+            <a:pPr marL="0" indent="0">
+              <a:buNone/>
+            </a:pPr>
+            <a:r>
+              <a:rPr kumimoji="1" lang="en-US" altLang="zh-TW" dirty="0"/>
+              <a:t>Example:</a:t>
+            </a:r>
+          </a:p>
+          <a:p>
+            <a:pPr marL="0" indent="0">
+              <a:buNone/>
+            </a:pPr>
+            <a:r>
+              <a:rPr kumimoji="1" lang="en-US" altLang="zh-TW" dirty="0"/>
+              <a:t>D1 = “He is a good boy”</a:t>
+            </a:r>
+          </a:p>
+          <a:p>
+            <a:pPr marL="0" indent="0">
+              <a:buNone/>
+            </a:pPr>
+            <a:r>
+              <a:rPr kumimoji="1" lang="en-US" altLang="zh-TW" dirty="0"/>
+              <a:t>D2 = “She is a good girl”</a:t>
+            </a:r>
+          </a:p>
+          <a:p>
+            <a:pPr marL="0" indent="0">
+              <a:buNone/>
+            </a:pPr>
+            <a:r>
+              <a:rPr kumimoji="1" lang="en-US" altLang="zh-TW" dirty="0"/>
+              <a:t>D3 = “Boy and girl are good”</a:t>
+            </a:r>
+          </a:p>
+          <a:p>
+            <a:pPr marL="0" indent="0">
+              <a:buNone/>
+            </a:pPr>
+            <a:r>
+              <a:rPr kumimoji="1" lang="en-US" altLang="zh-TW" dirty="0"/>
+              <a:t>[D1,D2,D3] =&gt; remove stop word + lower case </a:t>
+            </a:r>
+          </a:p>
+          <a:p>
+            <a:pPr marL="0" indent="0">
+              <a:buNone/>
+            </a:pPr>
+            <a:r>
+              <a:rPr kumimoji="1" lang="en-US" altLang="zh-TW" dirty="0"/>
+              <a:t>D1 = “</a:t>
+            </a:r>
+            <a:r>
+              <a:rPr kumimoji="1" lang="en-US" altLang="zh-TW" dirty="0">
+                <a:solidFill>
+                  <a:schemeClr val="tx1">
+                    <a:lumMod val="50000"/>
+                    <a:lumOff val="50000"/>
+                  </a:schemeClr>
+                </a:solidFill>
+              </a:rPr>
+              <a:t>he is a </a:t>
+            </a:r>
+            <a:r>
+              <a:rPr kumimoji="1" lang="en-US" altLang="zh-TW" dirty="0"/>
+              <a:t>good boy”                 =&gt; good boy</a:t>
+            </a:r>
+          </a:p>
+          <a:p>
+            <a:pPr marL="0" indent="0">
+              <a:buNone/>
+            </a:pPr>
+            <a:r>
+              <a:rPr kumimoji="1" lang="en-US" altLang="zh-TW" dirty="0"/>
+              <a:t>D2 = “</a:t>
+            </a:r>
+            <a:r>
+              <a:rPr kumimoji="1" lang="en-US" altLang="zh-TW" dirty="0">
+                <a:solidFill>
+                  <a:schemeClr val="tx1">
+                    <a:lumMod val="50000"/>
+                    <a:lumOff val="50000"/>
+                  </a:schemeClr>
+                </a:solidFill>
+              </a:rPr>
+              <a:t>she is a </a:t>
+            </a:r>
+            <a:r>
+              <a:rPr kumimoji="1" lang="en-US" altLang="zh-TW" dirty="0"/>
+              <a:t>good girl”               =&gt; good girl </a:t>
+            </a:r>
+          </a:p>
+          <a:p>
+            <a:pPr marL="0" indent="0">
+              <a:buNone/>
+            </a:pPr>
+            <a:r>
+              <a:rPr kumimoji="1" lang="en-US" altLang="zh-TW" dirty="0"/>
+              <a:t>D3 = “boy </a:t>
+            </a:r>
+            <a:r>
+              <a:rPr kumimoji="1" lang="en-US" altLang="zh-TW" dirty="0">
+                <a:solidFill>
+                  <a:schemeClr val="tx1">
+                    <a:lumMod val="50000"/>
+                    <a:lumOff val="50000"/>
+                  </a:schemeClr>
+                </a:solidFill>
+              </a:rPr>
+              <a:t>and</a:t>
+            </a:r>
+            <a:r>
+              <a:rPr kumimoji="1" lang="en-US" altLang="zh-TW" dirty="0"/>
+              <a:t> girl </a:t>
+            </a:r>
+            <a:r>
+              <a:rPr kumimoji="1" lang="en-US" altLang="zh-TW" dirty="0">
+                <a:solidFill>
+                  <a:schemeClr val="tx1">
+                    <a:lumMod val="50000"/>
+                    <a:lumOff val="50000"/>
+                  </a:schemeClr>
+                </a:solidFill>
+              </a:rPr>
+              <a:t>are</a:t>
+            </a:r>
+            <a:r>
+              <a:rPr kumimoji="1" lang="en-US" altLang="zh-TW" dirty="0"/>
+              <a:t> good”        =&gt; boy girl good</a:t>
+            </a:r>
+          </a:p>
+          <a:p>
+            <a:pPr marL="0" indent="0">
+              <a:buNone/>
+            </a:pPr>
+            <a:endParaRPr kumimoji="1" lang="zh-TW" altLang="en-US" dirty="0"/>
+          </a:p>
+        </p:txBody>
+      </p:sp>
+    </p:spTree>
+    <p:extLst>
+      <p:ext uri="{BB962C8B-B14F-4D97-AF65-F5344CB8AC3E}">
+        <p14:creationId xmlns:p14="http://schemas.microsoft.com/office/powerpoint/2010/main" val="24071174"/>
+      </p:ext>
+    </p:extLst>
+  </p:cSld>
+  <p:clrMapOvr>
+    <a:masterClrMapping/>
+  </p:clrMapOvr>
+</p:sld>
+</file>
+
+<file path=ppt/slides/slide17.xml><?xml version="1.0" encoding="utf-8"?>
+<p:sld xmlns:a="http://schemas.openxmlformats.org/drawingml/2006/main" xmlns:r="http://schemas.openxmlformats.org/officeDocument/2006/relationships" xmlns:p="http://schemas.openxmlformats.org/presentationml/2006/main">
+  <p:cSld>
+    <p:spTree>
+      <p:nvGrpSpPr>
+        <p:cNvPr id="1" name=""/>
+        <p:cNvGrpSpPr/>
+        <p:nvPr/>
+      </p:nvGrpSpPr>
+      <p:grpSpPr>
+        <a:xfrm>
+          <a:off x="0" y="0"/>
+          <a:ext cx="0" cy="0"/>
+          <a:chOff x="0" y="0"/>
+          <a:chExt cx="0" cy="0"/>
+        </a:xfrm>
+      </p:grpSpPr>
+      <p:sp>
+        <p:nvSpPr>
+          <p:cNvPr id="2" name="標題 1">
+            <a:extLst>
+              <a:ext uri="{FF2B5EF4-FFF2-40B4-BE49-F238E27FC236}">
+                <a16:creationId xmlns:a16="http://schemas.microsoft.com/office/drawing/2014/main" id="{56C4006B-6E7A-324F-AD64-CA43634BA067}"/>
+              </a:ext>
+            </a:extLst>
+          </p:cNvPr>
+          <p:cNvSpPr>
+            <a:spLocks noGrp="1"/>
+          </p:cNvSpPr>
+          <p:nvPr>
+            <p:ph type="title"/>
+          </p:nvPr>
+        </p:nvSpPr>
+        <p:spPr/>
+        <p:txBody>
+          <a:bodyPr/>
+          <a:lstStyle/>
+          <a:p>
+            <a:r>
+              <a:rPr kumimoji="1" lang="en-US" altLang="zh-TW" dirty="0"/>
+              <a:t>Bag of words – 3/4</a:t>
+            </a:r>
+            <a:endParaRPr kumimoji="1" lang="zh-TW" altLang="en-US" dirty="0"/>
+          </a:p>
+        </p:txBody>
+      </p:sp>
+      <p:sp>
+        <p:nvSpPr>
+          <p:cNvPr id="3" name="內容版面配置區 2">
+            <a:extLst>
+              <a:ext uri="{FF2B5EF4-FFF2-40B4-BE49-F238E27FC236}">
+                <a16:creationId xmlns:a16="http://schemas.microsoft.com/office/drawing/2014/main" id="{2C6F900D-6E9D-EC46-9D10-63B4DF95E77F}"/>
+              </a:ext>
+            </a:extLst>
+          </p:cNvPr>
+          <p:cNvSpPr>
+            <a:spLocks noGrp="1"/>
+          </p:cNvSpPr>
+          <p:nvPr>
+            <p:ph idx="1"/>
+          </p:nvPr>
+        </p:nvSpPr>
+        <p:spPr/>
+        <p:txBody>
+          <a:bodyPr/>
+          <a:lstStyle/>
+          <a:p>
+            <a:pPr marL="0" indent="0">
+              <a:buNone/>
+            </a:pPr>
+            <a:r>
+              <a:rPr kumimoji="1" lang="en-US" altLang="zh-TW" dirty="0"/>
+              <a:t>D1 = “</a:t>
+            </a:r>
+            <a:r>
+              <a:rPr kumimoji="1" lang="en-US" altLang="zh-TW" dirty="0">
+                <a:solidFill>
+                  <a:schemeClr val="tx1">
+                    <a:lumMod val="50000"/>
+                    <a:lumOff val="50000"/>
+                  </a:schemeClr>
+                </a:solidFill>
+              </a:rPr>
+              <a:t>he is a </a:t>
+            </a:r>
+            <a:r>
+              <a:rPr kumimoji="1" lang="en-US" altLang="zh-TW" dirty="0"/>
+              <a:t>good boy”                 =&gt; good boy</a:t>
+            </a:r>
+          </a:p>
+          <a:p>
+            <a:pPr marL="0" indent="0">
+              <a:buNone/>
+            </a:pPr>
+            <a:r>
+              <a:rPr kumimoji="1" lang="en-US" altLang="zh-TW" dirty="0"/>
+              <a:t>D2 = “</a:t>
+            </a:r>
+            <a:r>
+              <a:rPr kumimoji="1" lang="en-US" altLang="zh-TW" dirty="0">
+                <a:solidFill>
+                  <a:schemeClr val="tx1">
+                    <a:lumMod val="50000"/>
+                    <a:lumOff val="50000"/>
+                  </a:schemeClr>
+                </a:solidFill>
+              </a:rPr>
+              <a:t>she is a </a:t>
+            </a:r>
+            <a:r>
+              <a:rPr kumimoji="1" lang="en-US" altLang="zh-TW" dirty="0"/>
+              <a:t>good girl”               =&gt; good girl </a:t>
+            </a:r>
+          </a:p>
+          <a:p>
+            <a:pPr marL="0" indent="0">
+              <a:buNone/>
+            </a:pPr>
+            <a:r>
+              <a:rPr kumimoji="1" lang="en-US" altLang="zh-TW" dirty="0"/>
+              <a:t>D3 = “boy </a:t>
+            </a:r>
+            <a:r>
+              <a:rPr kumimoji="1" lang="en-US" altLang="zh-TW" dirty="0">
+                <a:solidFill>
+                  <a:schemeClr val="tx1">
+                    <a:lumMod val="50000"/>
+                    <a:lumOff val="50000"/>
+                  </a:schemeClr>
+                </a:solidFill>
+              </a:rPr>
+              <a:t>and</a:t>
+            </a:r>
+            <a:r>
+              <a:rPr kumimoji="1" lang="en-US" altLang="zh-TW" dirty="0"/>
+              <a:t> girl </a:t>
+            </a:r>
+            <a:r>
+              <a:rPr kumimoji="1" lang="en-US" altLang="zh-TW" dirty="0">
+                <a:solidFill>
+                  <a:schemeClr val="tx1">
+                    <a:lumMod val="50000"/>
+                    <a:lumOff val="50000"/>
+                  </a:schemeClr>
+                </a:solidFill>
+              </a:rPr>
+              <a:t>are</a:t>
+            </a:r>
+            <a:r>
+              <a:rPr kumimoji="1" lang="en-US" altLang="zh-TW" dirty="0"/>
+              <a:t> good”        =&gt; boy girl good</a:t>
+            </a:r>
+          </a:p>
+          <a:p>
+            <a:pPr marL="0" indent="0">
+              <a:buNone/>
+            </a:pPr>
+            <a:r>
+              <a:rPr kumimoji="1" lang="en-US" altLang="zh-TW" dirty="0"/>
+              <a:t>Vocabulary: boy, girl, good</a:t>
+            </a:r>
+            <a:endParaRPr kumimoji="1" lang="zh-TW" altLang="en-US" dirty="0"/>
+          </a:p>
+        </p:txBody>
+      </p:sp>
+      <p:graphicFrame>
+        <p:nvGraphicFramePr>
+          <p:cNvPr id="4" name="表格 4">
+            <a:extLst>
+              <a:ext uri="{FF2B5EF4-FFF2-40B4-BE49-F238E27FC236}">
+                <a16:creationId xmlns:a16="http://schemas.microsoft.com/office/drawing/2014/main" id="{9785202A-1E38-C74E-B8FC-F3282DB0E171}"/>
+              </a:ext>
+            </a:extLst>
+          </p:cNvPr>
+          <p:cNvGraphicFramePr>
+            <a:graphicFrameLocks noGrp="1"/>
+          </p:cNvGraphicFramePr>
+          <p:nvPr>
+            <p:extLst>
+              <p:ext uri="{D42A27DB-BD31-4B8C-83A1-F6EECF244321}">
+                <p14:modId xmlns:p14="http://schemas.microsoft.com/office/powerpoint/2010/main" val="1983481356"/>
+              </p:ext>
+            </p:extLst>
+          </p:nvPr>
+        </p:nvGraphicFramePr>
+        <p:xfrm>
+          <a:off x="1149131" y="4397289"/>
+          <a:ext cx="8128000" cy="1669276"/>
+        </p:xfrm>
+        <a:graphic>
+          <a:graphicData uri="http://schemas.openxmlformats.org/drawingml/2006/table">
+            <a:tbl>
+              <a:tblPr firstRow="1" bandRow="1">
+                <a:tableStyleId>{5C22544A-7EE6-4342-B048-85BDC9FD1C3A}</a:tableStyleId>
+              </a:tblPr>
+              <a:tblGrid>
+                <a:gridCol w="2032000">
+                  <a:extLst>
+                    <a:ext uri="{9D8B030D-6E8A-4147-A177-3AD203B41FA5}">
+                      <a16:colId xmlns:a16="http://schemas.microsoft.com/office/drawing/2014/main" val="3968040547"/>
+                    </a:ext>
+                  </a:extLst>
+                </a:gridCol>
+                <a:gridCol w="2032000">
+                  <a:extLst>
+                    <a:ext uri="{9D8B030D-6E8A-4147-A177-3AD203B41FA5}">
+                      <a16:colId xmlns:a16="http://schemas.microsoft.com/office/drawing/2014/main" val="1163137736"/>
+                    </a:ext>
+                  </a:extLst>
+                </a:gridCol>
+                <a:gridCol w="2032000">
+                  <a:extLst>
+                    <a:ext uri="{9D8B030D-6E8A-4147-A177-3AD203B41FA5}">
+                      <a16:colId xmlns:a16="http://schemas.microsoft.com/office/drawing/2014/main" val="4245019689"/>
+                    </a:ext>
+                  </a:extLst>
+                </a:gridCol>
+                <a:gridCol w="2032000">
+                  <a:extLst>
+                    <a:ext uri="{9D8B030D-6E8A-4147-A177-3AD203B41FA5}">
+                      <a16:colId xmlns:a16="http://schemas.microsoft.com/office/drawing/2014/main" val="390974715"/>
+                    </a:ext>
+                  </a:extLst>
+                </a:gridCol>
+              </a:tblGrid>
+              <a:tr h="417319">
+                <a:tc>
+                  <a:txBody>
+                    <a:bodyPr/>
+                    <a:lstStyle/>
+                    <a:p>
+                      <a:endParaRPr lang="zh-TW" altLang="en-US" dirty="0"/>
+                    </a:p>
+                  </a:txBody>
+                  <a:tcPr/>
+                </a:tc>
+                <a:tc>
+                  <a:txBody>
+                    <a:bodyPr/>
+                    <a:lstStyle/>
+                    <a:p>
+                      <a:r>
+                        <a:rPr lang="en-US" altLang="zh-TW" dirty="0"/>
+                        <a:t>Feature1 (boy)</a:t>
+                      </a:r>
+                      <a:endParaRPr lang="zh-TW" altLang="en-US" dirty="0"/>
+                    </a:p>
+                  </a:txBody>
+                  <a:tcPr/>
+                </a:tc>
+                <a:tc>
+                  <a:txBody>
+                    <a:bodyPr/>
+                    <a:lstStyle/>
+                    <a:p>
+                      <a:r>
+                        <a:rPr lang="en-US" altLang="zh-TW" dirty="0"/>
+                        <a:t>Feature2 (girl) </a:t>
+                      </a:r>
+                      <a:endParaRPr lang="zh-TW" altLang="en-US" dirty="0"/>
+                    </a:p>
+                  </a:txBody>
+                  <a:tcPr/>
+                </a:tc>
+                <a:tc>
+                  <a:txBody>
+                    <a:bodyPr/>
+                    <a:lstStyle/>
+                    <a:p>
+                      <a:r>
+                        <a:rPr lang="en-US" altLang="zh-TW" dirty="0"/>
+                        <a:t>Feature2(good)</a:t>
+                      </a:r>
+                      <a:endParaRPr lang="zh-TW" altLang="en-US" dirty="0"/>
+                    </a:p>
+                  </a:txBody>
+                  <a:tcPr/>
+                </a:tc>
+                <a:extLst>
+                  <a:ext uri="{0D108BD9-81ED-4DB2-BD59-A6C34878D82A}">
+                    <a16:rowId xmlns:a16="http://schemas.microsoft.com/office/drawing/2014/main" val="2889210296"/>
+                  </a:ext>
+                </a:extLst>
+              </a:tr>
+              <a:tr h="417319">
+                <a:tc>
+                  <a:txBody>
+                    <a:bodyPr/>
+                    <a:lstStyle/>
+                    <a:p>
+                      <a:r>
+                        <a:rPr lang="en-US" altLang="zh-TW" dirty="0"/>
+                        <a:t>D1</a:t>
+                      </a:r>
+                      <a:endParaRPr lang="zh-TW" altLang="en-US" dirty="0"/>
+                    </a:p>
+                  </a:txBody>
+                  <a:tcPr/>
+                </a:tc>
+                <a:tc>
+                  <a:txBody>
+                    <a:bodyPr/>
+                    <a:lstStyle/>
+                    <a:p>
+                      <a:r>
+                        <a:rPr lang="en-US" altLang="zh-TW" dirty="0"/>
+                        <a:t>1</a:t>
+                      </a:r>
+                      <a:endParaRPr lang="zh-TW" altLang="en-US" dirty="0"/>
+                    </a:p>
+                  </a:txBody>
+                  <a:tcPr/>
+                </a:tc>
+                <a:tc>
+                  <a:txBody>
+                    <a:bodyPr/>
+                    <a:lstStyle/>
+                    <a:p>
+                      <a:r>
+                        <a:rPr lang="en-US" altLang="zh-TW" dirty="0"/>
+                        <a:t>0</a:t>
+                      </a:r>
+                      <a:endParaRPr lang="zh-TW" altLang="en-US" dirty="0"/>
+                    </a:p>
+                  </a:txBody>
+                  <a:tcPr/>
+                </a:tc>
+                <a:tc>
+                  <a:txBody>
+                    <a:bodyPr/>
+                    <a:lstStyle/>
+                    <a:p>
+                      <a:r>
+                        <a:rPr lang="en-US" altLang="zh-TW" dirty="0"/>
+                        <a:t>1</a:t>
+                      </a:r>
+                      <a:endParaRPr lang="zh-TW" altLang="en-US" dirty="0"/>
+                    </a:p>
+                  </a:txBody>
+                  <a:tcPr/>
+                </a:tc>
+                <a:extLst>
+                  <a:ext uri="{0D108BD9-81ED-4DB2-BD59-A6C34878D82A}">
+                    <a16:rowId xmlns:a16="http://schemas.microsoft.com/office/drawing/2014/main" val="3011950332"/>
+                  </a:ext>
+                </a:extLst>
+              </a:tr>
+              <a:tr h="417319">
+                <a:tc>
+                  <a:txBody>
+                    <a:bodyPr/>
+                    <a:lstStyle/>
+                    <a:p>
+                      <a:r>
+                        <a:rPr lang="en-US" altLang="zh-TW" dirty="0"/>
+                        <a:t>D2</a:t>
+                      </a:r>
+                      <a:endParaRPr lang="zh-TW" altLang="en-US" dirty="0"/>
+                    </a:p>
+                  </a:txBody>
+                  <a:tcPr/>
+                </a:tc>
+                <a:tc>
+                  <a:txBody>
+                    <a:bodyPr/>
+                    <a:lstStyle/>
+                    <a:p>
+                      <a:r>
+                        <a:rPr lang="en-US" altLang="zh-TW" dirty="0"/>
+                        <a:t>0</a:t>
+                      </a:r>
+                      <a:endParaRPr lang="zh-TW" altLang="en-US" dirty="0"/>
+                    </a:p>
+                  </a:txBody>
+                  <a:tcPr/>
+                </a:tc>
+                <a:tc>
+                  <a:txBody>
+                    <a:bodyPr/>
+                    <a:lstStyle/>
+                    <a:p>
+                      <a:r>
+                        <a:rPr lang="en-US" altLang="zh-TW" dirty="0"/>
+                        <a:t>1</a:t>
+                      </a:r>
+                      <a:endParaRPr lang="zh-TW" altLang="en-US" dirty="0"/>
+                    </a:p>
+                  </a:txBody>
+                  <a:tcPr/>
+                </a:tc>
+                <a:tc>
+                  <a:txBody>
+                    <a:bodyPr/>
+                    <a:lstStyle/>
+                    <a:p>
+                      <a:r>
+                        <a:rPr lang="en-US" altLang="zh-TW" dirty="0"/>
+                        <a:t>1</a:t>
+                      </a:r>
+                      <a:endParaRPr lang="zh-TW" altLang="en-US" dirty="0"/>
+                    </a:p>
+                  </a:txBody>
+                  <a:tcPr/>
+                </a:tc>
+                <a:extLst>
+                  <a:ext uri="{0D108BD9-81ED-4DB2-BD59-A6C34878D82A}">
+                    <a16:rowId xmlns:a16="http://schemas.microsoft.com/office/drawing/2014/main" val="4869845"/>
+                  </a:ext>
+                </a:extLst>
+              </a:tr>
+              <a:tr h="417319">
+                <a:tc>
+                  <a:txBody>
+                    <a:bodyPr/>
+                    <a:lstStyle/>
+                    <a:p>
+                      <a:r>
+                        <a:rPr lang="en-US" altLang="zh-TW" dirty="0"/>
+                        <a:t>D3</a:t>
+                      </a:r>
+                      <a:endParaRPr lang="zh-TW" altLang="en-US" dirty="0"/>
+                    </a:p>
+                  </a:txBody>
+                  <a:tcPr/>
+                </a:tc>
+                <a:tc>
+                  <a:txBody>
+                    <a:bodyPr/>
+                    <a:lstStyle/>
+                    <a:p>
+                      <a:r>
+                        <a:rPr lang="en-US" altLang="zh-TW" dirty="0"/>
+                        <a:t>1</a:t>
+                      </a:r>
+                      <a:endParaRPr lang="zh-TW" altLang="en-US" dirty="0"/>
+                    </a:p>
+                  </a:txBody>
+                  <a:tcPr/>
+                </a:tc>
+                <a:tc>
+                  <a:txBody>
+                    <a:bodyPr/>
+                    <a:lstStyle/>
+                    <a:p>
+                      <a:r>
+                        <a:rPr lang="en-US" altLang="zh-TW" dirty="0"/>
+                        <a:t>1</a:t>
+                      </a:r>
+                      <a:endParaRPr lang="zh-TW" altLang="en-US" dirty="0"/>
+                    </a:p>
+                  </a:txBody>
+                  <a:tcPr/>
+                </a:tc>
+                <a:tc>
+                  <a:txBody>
+                    <a:bodyPr/>
+                    <a:lstStyle/>
+                    <a:p>
+                      <a:r>
+                        <a:rPr lang="en-US" altLang="zh-TW" dirty="0"/>
+                        <a:t>1</a:t>
+                      </a:r>
+                      <a:endParaRPr lang="zh-TW" altLang="en-US" dirty="0"/>
+                    </a:p>
+                  </a:txBody>
+                  <a:tcPr/>
+                </a:tc>
+                <a:extLst>
+                  <a:ext uri="{0D108BD9-81ED-4DB2-BD59-A6C34878D82A}">
+                    <a16:rowId xmlns:a16="http://schemas.microsoft.com/office/drawing/2014/main" val="1455811599"/>
+                  </a:ext>
+                </a:extLst>
+              </a:tr>
+            </a:tbl>
+          </a:graphicData>
+        </a:graphic>
+      </p:graphicFrame>
+      <p:sp>
+        <p:nvSpPr>
+          <p:cNvPr id="5" name="文字方塊 4">
+            <a:extLst>
+              <a:ext uri="{FF2B5EF4-FFF2-40B4-BE49-F238E27FC236}">
+                <a16:creationId xmlns:a16="http://schemas.microsoft.com/office/drawing/2014/main" id="{BCBA749B-B2F3-D54E-8414-70564D4F4A75}"/>
+              </a:ext>
+            </a:extLst>
+          </p:cNvPr>
+          <p:cNvSpPr txBox="1"/>
+          <p:nvPr/>
+        </p:nvSpPr>
+        <p:spPr>
+          <a:xfrm>
+            <a:off x="4914526" y="6243145"/>
+            <a:ext cx="4362605" cy="369332"/>
+          </a:xfrm>
+          <a:prstGeom prst="rect">
+            <a:avLst/>
+          </a:prstGeom>
+          <a:noFill/>
+        </p:spPr>
+        <p:txBody>
+          <a:bodyPr wrap="none" rtlCol="0">
+            <a:spAutoFit/>
+          </a:bodyPr>
+          <a:lstStyle/>
+          <a:p>
+            <a:r>
+              <a:rPr kumimoji="1" lang="en-US" altLang="zh-TW" dirty="0"/>
+              <a:t>Note: Binary BOW, </a:t>
+            </a:r>
+            <a:r>
+              <a:rPr kumimoji="1" lang="zh-TW" altLang="en-US" dirty="0"/>
+              <a:t>數量大於</a:t>
+            </a:r>
+            <a:r>
+              <a:rPr kumimoji="1" lang="en-US" altLang="zh-TW" dirty="0"/>
+              <a:t>1, </a:t>
+            </a:r>
+            <a:r>
+              <a:rPr kumimoji="1" lang="zh-TW" altLang="en-US" dirty="0"/>
+              <a:t>一樣只給</a:t>
+            </a:r>
+            <a:r>
+              <a:rPr kumimoji="1" lang="en-US" altLang="zh-TW" dirty="0"/>
+              <a:t>1</a:t>
+            </a:r>
+            <a:endParaRPr kumimoji="1" lang="zh-TW" altLang="en-US" dirty="0"/>
+          </a:p>
+        </p:txBody>
+      </p:sp>
+    </p:spTree>
+    <p:extLst>
+      <p:ext uri="{BB962C8B-B14F-4D97-AF65-F5344CB8AC3E}">
+        <p14:creationId xmlns:p14="http://schemas.microsoft.com/office/powerpoint/2010/main" val="1840443815"/>
+      </p:ext>
+    </p:extLst>
+  </p:cSld>
+  <p:clrMapOvr>
+    <a:masterClrMapping/>
+  </p:clrMapOvr>
+</p:sld>
+</file>
+
+<file path=ppt/slides/slide18.xml><?xml version="1.0" encoding="utf-8"?>
+<p:sld xmlns:a="http://schemas.openxmlformats.org/drawingml/2006/main" xmlns:r="http://schemas.openxmlformats.org/officeDocument/2006/relationships" xmlns:p="http://schemas.openxmlformats.org/presentationml/2006/main">
+  <p:cSld>
+    <p:spTree>
+      <p:nvGrpSpPr>
+        <p:cNvPr id="1" name=""/>
+        <p:cNvGrpSpPr/>
+        <p:nvPr/>
+      </p:nvGrpSpPr>
+      <p:grpSpPr>
+        <a:xfrm>
+          <a:off x="0" y="0"/>
+          <a:ext cx="0" cy="0"/>
+          <a:chOff x="0" y="0"/>
+          <a:chExt cx="0" cy="0"/>
+        </a:xfrm>
+      </p:grpSpPr>
+      <p:sp>
+        <p:nvSpPr>
+          <p:cNvPr id="2" name="標題 1">
+            <a:extLst>
+              <a:ext uri="{FF2B5EF4-FFF2-40B4-BE49-F238E27FC236}">
+                <a16:creationId xmlns:a16="http://schemas.microsoft.com/office/drawing/2014/main" id="{8C09F8F9-A0AC-E64C-B964-EE0C0C648468}"/>
+              </a:ext>
+            </a:extLst>
+          </p:cNvPr>
+          <p:cNvSpPr>
+            <a:spLocks noGrp="1"/>
+          </p:cNvSpPr>
+          <p:nvPr>
+            <p:ph type="title"/>
+          </p:nvPr>
+        </p:nvSpPr>
+        <p:spPr/>
+        <p:txBody>
+          <a:bodyPr/>
+          <a:lstStyle/>
+          <a:p>
+            <a:r>
+              <a:rPr kumimoji="1" lang="en-US" altLang="zh-TW" dirty="0"/>
+              <a:t>Bag of words – 4/4</a:t>
+            </a:r>
+            <a:endParaRPr kumimoji="1" lang="zh-TW" altLang="en-US" dirty="0"/>
+          </a:p>
+        </p:txBody>
+      </p:sp>
+      <p:graphicFrame>
+        <p:nvGraphicFramePr>
+          <p:cNvPr id="4" name="表格 4">
+            <a:extLst>
+              <a:ext uri="{FF2B5EF4-FFF2-40B4-BE49-F238E27FC236}">
+                <a16:creationId xmlns:a16="http://schemas.microsoft.com/office/drawing/2014/main" id="{E69F8E0C-EF3F-6F45-BECB-26CEB7052371}"/>
+              </a:ext>
+            </a:extLst>
+          </p:cNvPr>
+          <p:cNvGraphicFramePr>
+            <a:graphicFrameLocks/>
+          </p:cNvGraphicFramePr>
+          <p:nvPr>
+            <p:extLst>
+              <p:ext uri="{D42A27DB-BD31-4B8C-83A1-F6EECF244321}">
+                <p14:modId xmlns:p14="http://schemas.microsoft.com/office/powerpoint/2010/main" val="4209747429"/>
+              </p:ext>
+            </p:extLst>
+          </p:nvPr>
+        </p:nvGraphicFramePr>
+        <p:xfrm>
+          <a:off x="1069975" y="2139949"/>
+          <a:ext cx="8883650" cy="3188796"/>
+        </p:xfrm>
+        <a:graphic>
+          <a:graphicData uri="http://schemas.openxmlformats.org/drawingml/2006/table">
+            <a:tbl>
+              <a:tblPr firstRow="1" bandRow="1">
+                <a:tableStyleId>{5C22544A-7EE6-4342-B048-85BDC9FD1C3A}</a:tableStyleId>
+              </a:tblPr>
+              <a:tblGrid>
+                <a:gridCol w="4441825">
+                  <a:extLst>
+                    <a:ext uri="{9D8B030D-6E8A-4147-A177-3AD203B41FA5}">
+                      <a16:colId xmlns:a16="http://schemas.microsoft.com/office/drawing/2014/main" val="4000497833"/>
+                    </a:ext>
+                  </a:extLst>
+                </a:gridCol>
+                <a:gridCol w="4441825">
+                  <a:extLst>
+                    <a:ext uri="{9D8B030D-6E8A-4147-A177-3AD203B41FA5}">
+                      <a16:colId xmlns:a16="http://schemas.microsoft.com/office/drawing/2014/main" val="3534904897"/>
+                    </a:ext>
+                  </a:extLst>
+                </a:gridCol>
+              </a:tblGrid>
+              <a:tr h="797199">
+                <a:tc>
+                  <a:txBody>
+                    <a:bodyPr/>
+                    <a:lstStyle/>
+                    <a:p>
+                      <a:pPr algn="ctr"/>
+                      <a:r>
+                        <a:rPr lang="en-US" altLang="zh-TW" dirty="0"/>
+                        <a:t>Advantage</a:t>
+                      </a:r>
+                      <a:endParaRPr lang="zh-TW" altLang="en-US" dirty="0"/>
+                    </a:p>
+                  </a:txBody>
+                  <a:tcPr anchor="ctr"/>
+                </a:tc>
+                <a:tc>
+                  <a:txBody>
+                    <a:bodyPr/>
+                    <a:lstStyle/>
+                    <a:p>
+                      <a:pPr algn="ctr"/>
+                      <a:r>
+                        <a:rPr lang="en-US" altLang="zh-TW" dirty="0"/>
+                        <a:t>Disadvantage</a:t>
+                      </a:r>
+                      <a:endParaRPr lang="zh-TW" altLang="en-US" dirty="0"/>
+                    </a:p>
+                  </a:txBody>
+                  <a:tcPr anchor="ctr"/>
+                </a:tc>
+                <a:extLst>
+                  <a:ext uri="{0D108BD9-81ED-4DB2-BD59-A6C34878D82A}">
+                    <a16:rowId xmlns:a16="http://schemas.microsoft.com/office/drawing/2014/main" val="2414564729"/>
+                  </a:ext>
+                </a:extLst>
+              </a:tr>
+              <a:tr h="2391597">
+                <a:tc>
+                  <a:txBody>
+                    <a:bodyPr/>
+                    <a:lstStyle/>
+                    <a:p>
+                      <a:pPr marL="342900" indent="-342900" algn="l">
+                        <a:buAutoNum type="arabicPeriod"/>
+                      </a:pPr>
+                      <a:r>
+                        <a:rPr lang="zh-TW" altLang="en-US" dirty="0"/>
+                        <a:t>簡單快速</a:t>
+                      </a:r>
+                      <a:endParaRPr lang="en-US" altLang="zh-TW" dirty="0"/>
+                    </a:p>
+                    <a:p>
+                      <a:pPr marL="342900" indent="-342900" algn="l">
+                        <a:buAutoNum type="arabicPeriod"/>
+                      </a:pPr>
+                      <a:r>
+                        <a:rPr lang="zh-TW" altLang="en-US" dirty="0"/>
+                        <a:t>直覺</a:t>
+                      </a:r>
+                    </a:p>
+                  </a:txBody>
+                  <a:tcPr/>
+                </a:tc>
+                <a:tc>
+                  <a:txBody>
+                    <a:bodyPr/>
+                    <a:lstStyle/>
+                    <a:p>
+                      <a:pPr marL="342900" indent="-342900" algn="l">
+                        <a:buAutoNum type="arabicPeriod"/>
+                      </a:pPr>
+                      <a:r>
+                        <a:rPr lang="en-US" altLang="zh-TW" dirty="0"/>
+                        <a:t>Features </a:t>
+                      </a:r>
+                      <a:r>
+                        <a:rPr lang="zh-TW" altLang="en-US" dirty="0"/>
+                        <a:t>會太多</a:t>
+                      </a:r>
+                      <a:r>
+                        <a:rPr lang="en-US" altLang="zh-TW" dirty="0"/>
+                        <a:t>(</a:t>
+                      </a:r>
+                      <a:r>
+                        <a:rPr lang="zh-TW" altLang="en-US" dirty="0"/>
+                        <a:t>會產生</a:t>
+                      </a:r>
+                      <a:r>
+                        <a:rPr lang="en-US" altLang="zh-TW" dirty="0"/>
+                        <a:t>sparse matrix)</a:t>
+                      </a:r>
+                    </a:p>
+                    <a:p>
+                      <a:pPr marL="342900" indent="-342900" algn="l">
+                        <a:buAutoNum type="arabicPeriod"/>
+                      </a:pPr>
+                      <a:r>
+                        <a:rPr lang="zh-TW" altLang="en-US" dirty="0"/>
+                        <a:t>文集</a:t>
+                      </a:r>
+                      <a:r>
+                        <a:rPr lang="en-US" altLang="zh-TW" dirty="0"/>
+                        <a:t>(corpus)</a:t>
+                      </a:r>
+                      <a:r>
+                        <a:rPr lang="zh-TW" altLang="en-US" dirty="0"/>
+                        <a:t>中無法嵌入新字</a:t>
+                      </a:r>
+                      <a:endParaRPr lang="en-US" altLang="zh-TW" dirty="0"/>
+                    </a:p>
+                    <a:p>
+                      <a:pPr marL="342900" indent="-342900" algn="l">
+                        <a:buAutoNum type="arabicPeriod"/>
+                      </a:pPr>
+                      <a:r>
+                        <a:rPr lang="zh-TW" altLang="en-US" dirty="0"/>
+                        <a:t>文字順序會被異動</a:t>
+                      </a:r>
+                      <a:endParaRPr lang="en-US" altLang="zh-TW" dirty="0"/>
+                    </a:p>
+                    <a:p>
+                      <a:pPr marL="342900" indent="-342900" algn="l">
+                        <a:buAutoNum type="arabicPeriod"/>
+                      </a:pPr>
+                      <a:r>
+                        <a:rPr lang="zh-TW" altLang="en-US" dirty="0"/>
+                        <a:t>無法取得語意</a:t>
+                      </a:r>
+                      <a:r>
+                        <a:rPr lang="en-US" altLang="zh-TW" dirty="0"/>
+                        <a:t>(semantic meaning)</a:t>
+                      </a:r>
+                      <a:endParaRPr lang="zh-TW" altLang="en-US" dirty="0"/>
+                    </a:p>
+                  </a:txBody>
+                  <a:tcPr/>
+                </a:tc>
+                <a:extLst>
+                  <a:ext uri="{0D108BD9-81ED-4DB2-BD59-A6C34878D82A}">
+                    <a16:rowId xmlns:a16="http://schemas.microsoft.com/office/drawing/2014/main" val="2969207907"/>
+                  </a:ext>
+                </a:extLst>
+              </a:tr>
+            </a:tbl>
+          </a:graphicData>
+        </a:graphic>
+      </p:graphicFrame>
+    </p:spTree>
+    <p:extLst>
+      <p:ext uri="{BB962C8B-B14F-4D97-AF65-F5344CB8AC3E}">
+        <p14:creationId xmlns:p14="http://schemas.microsoft.com/office/powerpoint/2010/main" val="1839592649"/>
+      </p:ext>
+    </p:extLst>
+  </p:cSld>
+  <p:clrMapOvr>
+    <a:masterClrMapping/>
+  </p:clrMapOvr>
+</p:sld>
+</file>
+
+<file path=ppt/slides/slide19.xml><?xml version="1.0" encoding="utf-8"?>
+<p:sld xmlns:a="http://schemas.openxmlformats.org/drawingml/2006/main" xmlns:r="http://schemas.openxmlformats.org/officeDocument/2006/relationships" xmlns:p="http://schemas.openxmlformats.org/presentationml/2006/main">
+  <p:cSld>
+    <p:spTree>
+      <p:nvGrpSpPr>
+        <p:cNvPr id="1" name=""/>
+        <p:cNvGrpSpPr/>
+        <p:nvPr/>
+      </p:nvGrpSpPr>
+      <p:grpSpPr>
+        <a:xfrm>
+          <a:off x="0" y="0"/>
+          <a:ext cx="0" cy="0"/>
+          <a:chOff x="0" y="0"/>
+          <a:chExt cx="0" cy="0"/>
+        </a:xfrm>
+      </p:grpSpPr>
+      <p:sp>
+        <p:nvSpPr>
+          <p:cNvPr id="2" name="標題 1">
+            <a:extLst>
+              <a:ext uri="{FF2B5EF4-FFF2-40B4-BE49-F238E27FC236}">
+                <a16:creationId xmlns:a16="http://schemas.microsoft.com/office/drawing/2014/main" id="{5F9D12EC-2B50-EA44-937F-6D47B65D3B37}"/>
+              </a:ext>
+            </a:extLst>
+          </p:cNvPr>
+          <p:cNvSpPr>
+            <a:spLocks noGrp="1"/>
+          </p:cNvSpPr>
+          <p:nvPr>
+            <p:ph type="title"/>
+          </p:nvPr>
+        </p:nvSpPr>
+        <p:spPr/>
+        <p:txBody>
+          <a:bodyPr/>
+          <a:lstStyle/>
+          <a:p>
+            <a:r>
+              <a:rPr kumimoji="1" lang="en-US" altLang="zh-TW" dirty="0"/>
+              <a:t>N-gram – 1/5</a:t>
+            </a:r>
+            <a:endParaRPr kumimoji="1" lang="zh-TW" altLang="en-US" dirty="0"/>
+          </a:p>
+        </p:txBody>
+      </p:sp>
+      <p:sp>
+        <p:nvSpPr>
+          <p:cNvPr id="3" name="內容版面配置區 2">
+            <a:extLst>
+              <a:ext uri="{FF2B5EF4-FFF2-40B4-BE49-F238E27FC236}">
+                <a16:creationId xmlns:a16="http://schemas.microsoft.com/office/drawing/2014/main" id="{2DB5BD11-7A73-5347-9127-931CC57C1597}"/>
+              </a:ext>
+            </a:extLst>
+          </p:cNvPr>
+          <p:cNvSpPr>
+            <a:spLocks noGrp="1"/>
+          </p:cNvSpPr>
+          <p:nvPr>
+            <p:ph idx="1"/>
+          </p:nvPr>
+        </p:nvSpPr>
+        <p:spPr/>
+        <p:txBody>
+          <a:bodyPr/>
+          <a:lstStyle/>
+          <a:p>
+            <a:endParaRPr kumimoji="1" lang="zh-TW" altLang="en-US"/>
+          </a:p>
+        </p:txBody>
+      </p:sp>
+    </p:spTree>
+    <p:extLst>
+      <p:ext uri="{BB962C8B-B14F-4D97-AF65-F5344CB8AC3E}">
+        <p14:creationId xmlns:p14="http://schemas.microsoft.com/office/powerpoint/2010/main" val="2930393252"/>
       </p:ext>
     </p:extLst>
   </p:cSld>
@@ -4244,6 +7698,2223 @@
           <p:cNvPr id="2" name="標題 1">
             <a:extLst>
               <a:ext uri="{FF2B5EF4-FFF2-40B4-BE49-F238E27FC236}">
+                <a16:creationId xmlns:a16="http://schemas.microsoft.com/office/drawing/2014/main" id="{6584463E-EA69-F241-93AA-75199AAEDAB2}"/>
+              </a:ext>
+            </a:extLst>
+          </p:cNvPr>
+          <p:cNvSpPr>
+            <a:spLocks noGrp="1"/>
+          </p:cNvSpPr>
+          <p:nvPr>
+            <p:ph type="title"/>
+          </p:nvPr>
+        </p:nvSpPr>
+        <p:spPr/>
+        <p:txBody>
+          <a:bodyPr/>
+          <a:lstStyle/>
+          <a:p>
+            <a:r>
+              <a:rPr kumimoji="1" lang="en-US" altLang="zh-TW" dirty="0"/>
+              <a:t>Agenda</a:t>
+            </a:r>
+            <a:endParaRPr kumimoji="1" lang="zh-TW" altLang="en-US" dirty="0"/>
+          </a:p>
+        </p:txBody>
+      </p:sp>
+      <p:sp>
+        <p:nvSpPr>
+          <p:cNvPr id="3" name="內容版面配置區 2">
+            <a:extLst>
+              <a:ext uri="{FF2B5EF4-FFF2-40B4-BE49-F238E27FC236}">
+                <a16:creationId xmlns:a16="http://schemas.microsoft.com/office/drawing/2014/main" id="{183CE3B0-3111-0548-8242-08DE15C53E83}"/>
+              </a:ext>
+            </a:extLst>
+          </p:cNvPr>
+          <p:cNvSpPr>
+            <a:spLocks noGrp="1"/>
+          </p:cNvSpPr>
+          <p:nvPr>
+            <p:ph idx="1"/>
+          </p:nvPr>
+        </p:nvSpPr>
+        <p:spPr/>
+        <p:txBody>
+          <a:bodyPr/>
+          <a:lstStyle/>
+          <a:p>
+            <a:pPr marL="342900" indent="-342900">
+              <a:buAutoNum type="arabicPeriod"/>
+            </a:pPr>
+            <a:r>
+              <a:rPr kumimoji="1" lang="en-US" altLang="zh-TW" dirty="0"/>
+              <a:t>NLP basic concept</a:t>
+            </a:r>
+          </a:p>
+          <a:p>
+            <a:pPr marL="342900" indent="-342900">
+              <a:buAutoNum type="arabicPeriod"/>
+            </a:pPr>
+            <a:endParaRPr kumimoji="1" lang="zh-TW" altLang="en-US" dirty="0"/>
+          </a:p>
+        </p:txBody>
+      </p:sp>
+    </p:spTree>
+    <p:extLst>
+      <p:ext uri="{BB962C8B-B14F-4D97-AF65-F5344CB8AC3E}">
+        <p14:creationId xmlns:p14="http://schemas.microsoft.com/office/powerpoint/2010/main" val="3480328154"/>
+      </p:ext>
+    </p:extLst>
+  </p:cSld>
+  <p:clrMapOvr>
+    <a:masterClrMapping/>
+  </p:clrMapOvr>
+</p:sld>
+</file>
+
+<file path=ppt/slides/slide20.xml><?xml version="1.0" encoding="utf-8"?>
+<p:sld xmlns:a="http://schemas.openxmlformats.org/drawingml/2006/main" xmlns:r="http://schemas.openxmlformats.org/officeDocument/2006/relationships" xmlns:p="http://schemas.openxmlformats.org/presentationml/2006/main">
+  <p:cSld>
+    <p:spTree>
+      <p:nvGrpSpPr>
+        <p:cNvPr id="1" name=""/>
+        <p:cNvGrpSpPr/>
+        <p:nvPr/>
+      </p:nvGrpSpPr>
+      <p:grpSpPr>
+        <a:xfrm>
+          <a:off x="0" y="0"/>
+          <a:ext cx="0" cy="0"/>
+          <a:chOff x="0" y="0"/>
+          <a:chExt cx="0" cy="0"/>
+        </a:xfrm>
+      </p:grpSpPr>
+      <p:sp>
+        <p:nvSpPr>
+          <p:cNvPr id="2" name="標題 1">
+            <a:extLst>
+              <a:ext uri="{FF2B5EF4-FFF2-40B4-BE49-F238E27FC236}">
+                <a16:creationId xmlns:a16="http://schemas.microsoft.com/office/drawing/2014/main" id="{74E2CD4A-1199-B94D-8F81-788903268FE1}"/>
+              </a:ext>
+            </a:extLst>
+          </p:cNvPr>
+          <p:cNvSpPr>
+            <a:spLocks noGrp="1"/>
+          </p:cNvSpPr>
+          <p:nvPr>
+            <p:ph type="title"/>
+          </p:nvPr>
+        </p:nvSpPr>
+        <p:spPr/>
+        <p:txBody>
+          <a:bodyPr/>
+          <a:lstStyle/>
+          <a:p>
+            <a:r>
+              <a:rPr kumimoji="1" lang="en-US" altLang="zh-TW" dirty="0"/>
+              <a:t>TF-IDF – 1/5</a:t>
+            </a:r>
+            <a:endParaRPr kumimoji="1" lang="zh-TW" altLang="en-US" dirty="0"/>
+          </a:p>
+        </p:txBody>
+      </p:sp>
+      <p:sp>
+        <p:nvSpPr>
+          <p:cNvPr id="6" name="內容版面配置區 5">
+            <a:extLst>
+              <a:ext uri="{FF2B5EF4-FFF2-40B4-BE49-F238E27FC236}">
+                <a16:creationId xmlns:a16="http://schemas.microsoft.com/office/drawing/2014/main" id="{8A11B762-4865-5C47-AF65-7CC10B64A516}"/>
+              </a:ext>
+            </a:extLst>
+          </p:cNvPr>
+          <p:cNvSpPr>
+            <a:spLocks noGrp="1"/>
+          </p:cNvSpPr>
+          <p:nvPr>
+            <p:ph idx="1"/>
+          </p:nvPr>
+        </p:nvSpPr>
+        <p:spPr>
+          <a:xfrm>
+            <a:off x="1069848" y="4162566"/>
+            <a:ext cx="8883836" cy="1758593"/>
+          </a:xfrm>
+        </p:spPr>
+        <p:txBody>
+          <a:bodyPr>
+            <a:normAutofit lnSpcReduction="10000"/>
+          </a:bodyPr>
+          <a:lstStyle/>
+          <a:p>
+            <a:pPr marL="0" indent="0">
+              <a:buNone/>
+            </a:pPr>
+            <a:r>
+              <a:rPr lang="zh-TW" altLang="en-US" dirty="0"/>
+              <a:t>在</a:t>
+            </a:r>
+            <a:r>
+              <a:rPr lang="en-US" altLang="zh-TW" dirty="0"/>
+              <a:t>BOW </a:t>
+            </a:r>
+            <a:r>
+              <a:rPr lang="zh-TW" altLang="en-US" dirty="0"/>
+              <a:t>裡面的資料皆利用</a:t>
+            </a:r>
+            <a:r>
+              <a:rPr lang="en-US" altLang="zh-TW" dirty="0"/>
+              <a:t>count or binary</a:t>
+            </a:r>
+            <a:r>
+              <a:rPr lang="zh-TW" altLang="en-US" dirty="0"/>
+              <a:t>來表達</a:t>
+            </a:r>
+            <a:r>
+              <a:rPr lang="en-US" altLang="zh-TW" dirty="0"/>
+              <a:t>, </a:t>
+            </a:r>
+            <a:r>
+              <a:rPr lang="zh-TW" altLang="en-US" dirty="0"/>
+              <a:t>為了展現字詞本身的重要性與權重</a:t>
+            </a:r>
+            <a:r>
+              <a:rPr lang="en-US" altLang="zh-TW" dirty="0"/>
+              <a:t>,</a:t>
+            </a:r>
+          </a:p>
+          <a:p>
+            <a:pPr marL="0" indent="0">
+              <a:buNone/>
+            </a:pPr>
+            <a:r>
+              <a:rPr lang="zh-TW" altLang="en-US" dirty="0"/>
+              <a:t>故以</a:t>
+            </a:r>
+            <a:r>
+              <a:rPr lang="en-US" altLang="zh-TW" dirty="0" err="1"/>
+              <a:t>tf-idf</a:t>
+            </a:r>
+            <a:r>
+              <a:rPr lang="en-US" altLang="zh-TW" dirty="0"/>
+              <a:t> </a:t>
+            </a:r>
+            <a:r>
+              <a:rPr lang="zh-TW" altLang="en-US" dirty="0"/>
+              <a:t>來表達字詞在整篇文集中的權重</a:t>
+            </a:r>
+            <a:endParaRPr lang="en-US" altLang="zh-TW" dirty="0"/>
+          </a:p>
+          <a:p>
+            <a:pPr marL="0" indent="0">
+              <a:buNone/>
+            </a:pPr>
+            <a:r>
+              <a:rPr lang="en-US" altLang="zh-TW" dirty="0"/>
+              <a:t>Ex.   The food is good </a:t>
+            </a:r>
+          </a:p>
+          <a:p>
+            <a:pPr marL="0" indent="0">
+              <a:buNone/>
+            </a:pPr>
+            <a:r>
+              <a:rPr lang="en-US" altLang="zh-TW" dirty="0"/>
+              <a:t>        The food is not good</a:t>
+            </a:r>
+            <a:endParaRPr lang="zh-TW" altLang="en-US" dirty="0"/>
+          </a:p>
+        </p:txBody>
+      </p:sp>
+      <p:graphicFrame>
+        <p:nvGraphicFramePr>
+          <p:cNvPr id="7" name="表格 4">
+            <a:extLst>
+              <a:ext uri="{FF2B5EF4-FFF2-40B4-BE49-F238E27FC236}">
+                <a16:creationId xmlns:a16="http://schemas.microsoft.com/office/drawing/2014/main" id="{291F7B9D-F596-6A43-B854-80DC0065E01A}"/>
+              </a:ext>
+            </a:extLst>
+          </p:cNvPr>
+          <p:cNvGraphicFramePr>
+            <a:graphicFrameLocks noGrp="1"/>
+          </p:cNvGraphicFramePr>
+          <p:nvPr>
+            <p:extLst>
+              <p:ext uri="{D42A27DB-BD31-4B8C-83A1-F6EECF244321}">
+                <p14:modId xmlns:p14="http://schemas.microsoft.com/office/powerpoint/2010/main" val="1721634496"/>
+              </p:ext>
+            </p:extLst>
+          </p:nvPr>
+        </p:nvGraphicFramePr>
+        <p:xfrm>
+          <a:off x="1180662" y="2139696"/>
+          <a:ext cx="8128000" cy="1669276"/>
+        </p:xfrm>
+        <a:graphic>
+          <a:graphicData uri="http://schemas.openxmlformats.org/drawingml/2006/table">
+            <a:tbl>
+              <a:tblPr firstRow="1" bandRow="1">
+                <a:tableStyleId>{5C22544A-7EE6-4342-B048-85BDC9FD1C3A}</a:tableStyleId>
+              </a:tblPr>
+              <a:tblGrid>
+                <a:gridCol w="2032000">
+                  <a:extLst>
+                    <a:ext uri="{9D8B030D-6E8A-4147-A177-3AD203B41FA5}">
+                      <a16:colId xmlns:a16="http://schemas.microsoft.com/office/drawing/2014/main" val="3968040547"/>
+                    </a:ext>
+                  </a:extLst>
+                </a:gridCol>
+                <a:gridCol w="2032000">
+                  <a:extLst>
+                    <a:ext uri="{9D8B030D-6E8A-4147-A177-3AD203B41FA5}">
+                      <a16:colId xmlns:a16="http://schemas.microsoft.com/office/drawing/2014/main" val="1163137736"/>
+                    </a:ext>
+                  </a:extLst>
+                </a:gridCol>
+                <a:gridCol w="2032000">
+                  <a:extLst>
+                    <a:ext uri="{9D8B030D-6E8A-4147-A177-3AD203B41FA5}">
+                      <a16:colId xmlns:a16="http://schemas.microsoft.com/office/drawing/2014/main" val="4245019689"/>
+                    </a:ext>
+                  </a:extLst>
+                </a:gridCol>
+                <a:gridCol w="2032000">
+                  <a:extLst>
+                    <a:ext uri="{9D8B030D-6E8A-4147-A177-3AD203B41FA5}">
+                      <a16:colId xmlns:a16="http://schemas.microsoft.com/office/drawing/2014/main" val="390974715"/>
+                    </a:ext>
+                  </a:extLst>
+                </a:gridCol>
+              </a:tblGrid>
+              <a:tr h="417319">
+                <a:tc>
+                  <a:txBody>
+                    <a:bodyPr/>
+                    <a:lstStyle/>
+                    <a:p>
+                      <a:endParaRPr lang="zh-TW" altLang="en-US" dirty="0"/>
+                    </a:p>
+                  </a:txBody>
+                  <a:tcPr/>
+                </a:tc>
+                <a:tc>
+                  <a:txBody>
+                    <a:bodyPr/>
+                    <a:lstStyle/>
+                    <a:p>
+                      <a:r>
+                        <a:rPr lang="en-US" altLang="zh-TW" dirty="0"/>
+                        <a:t>Feature1 (boy)</a:t>
+                      </a:r>
+                      <a:endParaRPr lang="zh-TW" altLang="en-US" dirty="0"/>
+                    </a:p>
+                  </a:txBody>
+                  <a:tcPr/>
+                </a:tc>
+                <a:tc>
+                  <a:txBody>
+                    <a:bodyPr/>
+                    <a:lstStyle/>
+                    <a:p>
+                      <a:r>
+                        <a:rPr lang="en-US" altLang="zh-TW" dirty="0"/>
+                        <a:t>Feature2 (girl) </a:t>
+                      </a:r>
+                      <a:endParaRPr lang="zh-TW" altLang="en-US" dirty="0"/>
+                    </a:p>
+                  </a:txBody>
+                  <a:tcPr/>
+                </a:tc>
+                <a:tc>
+                  <a:txBody>
+                    <a:bodyPr/>
+                    <a:lstStyle/>
+                    <a:p>
+                      <a:r>
+                        <a:rPr lang="en-US" altLang="zh-TW" dirty="0"/>
+                        <a:t>Feature2(good)</a:t>
+                      </a:r>
+                      <a:endParaRPr lang="zh-TW" altLang="en-US" dirty="0"/>
+                    </a:p>
+                  </a:txBody>
+                  <a:tcPr/>
+                </a:tc>
+                <a:extLst>
+                  <a:ext uri="{0D108BD9-81ED-4DB2-BD59-A6C34878D82A}">
+                    <a16:rowId xmlns:a16="http://schemas.microsoft.com/office/drawing/2014/main" val="2889210296"/>
+                  </a:ext>
+                </a:extLst>
+              </a:tr>
+              <a:tr h="417319">
+                <a:tc>
+                  <a:txBody>
+                    <a:bodyPr/>
+                    <a:lstStyle/>
+                    <a:p>
+                      <a:r>
+                        <a:rPr lang="en-US" altLang="zh-TW" dirty="0"/>
+                        <a:t>D1</a:t>
+                      </a:r>
+                      <a:endParaRPr lang="zh-TW" altLang="en-US" dirty="0"/>
+                    </a:p>
+                  </a:txBody>
+                  <a:tcPr/>
+                </a:tc>
+                <a:tc>
+                  <a:txBody>
+                    <a:bodyPr/>
+                    <a:lstStyle/>
+                    <a:p>
+                      <a:r>
+                        <a:rPr lang="en-US" altLang="zh-TW" dirty="0"/>
+                        <a:t>1</a:t>
+                      </a:r>
+                      <a:endParaRPr lang="zh-TW" altLang="en-US" dirty="0"/>
+                    </a:p>
+                  </a:txBody>
+                  <a:tcPr/>
+                </a:tc>
+                <a:tc>
+                  <a:txBody>
+                    <a:bodyPr/>
+                    <a:lstStyle/>
+                    <a:p>
+                      <a:r>
+                        <a:rPr lang="en-US" altLang="zh-TW" dirty="0"/>
+                        <a:t>0</a:t>
+                      </a:r>
+                      <a:endParaRPr lang="zh-TW" altLang="en-US" dirty="0"/>
+                    </a:p>
+                  </a:txBody>
+                  <a:tcPr/>
+                </a:tc>
+                <a:tc>
+                  <a:txBody>
+                    <a:bodyPr/>
+                    <a:lstStyle/>
+                    <a:p>
+                      <a:r>
+                        <a:rPr lang="en-US" altLang="zh-TW" dirty="0"/>
+                        <a:t>1</a:t>
+                      </a:r>
+                      <a:endParaRPr lang="zh-TW" altLang="en-US" dirty="0"/>
+                    </a:p>
+                  </a:txBody>
+                  <a:tcPr/>
+                </a:tc>
+                <a:extLst>
+                  <a:ext uri="{0D108BD9-81ED-4DB2-BD59-A6C34878D82A}">
+                    <a16:rowId xmlns:a16="http://schemas.microsoft.com/office/drawing/2014/main" val="3011950332"/>
+                  </a:ext>
+                </a:extLst>
+              </a:tr>
+              <a:tr h="417319">
+                <a:tc>
+                  <a:txBody>
+                    <a:bodyPr/>
+                    <a:lstStyle/>
+                    <a:p>
+                      <a:r>
+                        <a:rPr lang="en-US" altLang="zh-TW" dirty="0"/>
+                        <a:t>D2</a:t>
+                      </a:r>
+                      <a:endParaRPr lang="zh-TW" altLang="en-US" dirty="0"/>
+                    </a:p>
+                  </a:txBody>
+                  <a:tcPr/>
+                </a:tc>
+                <a:tc>
+                  <a:txBody>
+                    <a:bodyPr/>
+                    <a:lstStyle/>
+                    <a:p>
+                      <a:r>
+                        <a:rPr lang="en-US" altLang="zh-TW" dirty="0"/>
+                        <a:t>0</a:t>
+                      </a:r>
+                      <a:endParaRPr lang="zh-TW" altLang="en-US" dirty="0"/>
+                    </a:p>
+                  </a:txBody>
+                  <a:tcPr/>
+                </a:tc>
+                <a:tc>
+                  <a:txBody>
+                    <a:bodyPr/>
+                    <a:lstStyle/>
+                    <a:p>
+                      <a:r>
+                        <a:rPr lang="en-US" altLang="zh-TW" dirty="0"/>
+                        <a:t>1</a:t>
+                      </a:r>
+                      <a:endParaRPr lang="zh-TW" altLang="en-US" dirty="0"/>
+                    </a:p>
+                  </a:txBody>
+                  <a:tcPr/>
+                </a:tc>
+                <a:tc>
+                  <a:txBody>
+                    <a:bodyPr/>
+                    <a:lstStyle/>
+                    <a:p>
+                      <a:r>
+                        <a:rPr lang="en-US" altLang="zh-TW" dirty="0"/>
+                        <a:t>1</a:t>
+                      </a:r>
+                      <a:endParaRPr lang="zh-TW" altLang="en-US" dirty="0"/>
+                    </a:p>
+                  </a:txBody>
+                  <a:tcPr/>
+                </a:tc>
+                <a:extLst>
+                  <a:ext uri="{0D108BD9-81ED-4DB2-BD59-A6C34878D82A}">
+                    <a16:rowId xmlns:a16="http://schemas.microsoft.com/office/drawing/2014/main" val="4869845"/>
+                  </a:ext>
+                </a:extLst>
+              </a:tr>
+              <a:tr h="417319">
+                <a:tc>
+                  <a:txBody>
+                    <a:bodyPr/>
+                    <a:lstStyle/>
+                    <a:p>
+                      <a:r>
+                        <a:rPr lang="en-US" altLang="zh-TW" dirty="0"/>
+                        <a:t>D3</a:t>
+                      </a:r>
+                      <a:endParaRPr lang="zh-TW" altLang="en-US" dirty="0"/>
+                    </a:p>
+                  </a:txBody>
+                  <a:tcPr/>
+                </a:tc>
+                <a:tc>
+                  <a:txBody>
+                    <a:bodyPr/>
+                    <a:lstStyle/>
+                    <a:p>
+                      <a:r>
+                        <a:rPr lang="en-US" altLang="zh-TW" dirty="0"/>
+                        <a:t>1</a:t>
+                      </a:r>
+                      <a:endParaRPr lang="zh-TW" altLang="en-US" dirty="0"/>
+                    </a:p>
+                  </a:txBody>
+                  <a:tcPr/>
+                </a:tc>
+                <a:tc>
+                  <a:txBody>
+                    <a:bodyPr/>
+                    <a:lstStyle/>
+                    <a:p>
+                      <a:r>
+                        <a:rPr lang="en-US" altLang="zh-TW" dirty="0"/>
+                        <a:t>1</a:t>
+                      </a:r>
+                      <a:endParaRPr lang="zh-TW" altLang="en-US" dirty="0"/>
+                    </a:p>
+                  </a:txBody>
+                  <a:tcPr/>
+                </a:tc>
+                <a:tc>
+                  <a:txBody>
+                    <a:bodyPr/>
+                    <a:lstStyle/>
+                    <a:p>
+                      <a:r>
+                        <a:rPr lang="en-US" altLang="zh-TW" dirty="0"/>
+                        <a:t>1</a:t>
+                      </a:r>
+                      <a:endParaRPr lang="zh-TW" altLang="en-US" dirty="0"/>
+                    </a:p>
+                  </a:txBody>
+                  <a:tcPr/>
+                </a:tc>
+                <a:extLst>
+                  <a:ext uri="{0D108BD9-81ED-4DB2-BD59-A6C34878D82A}">
+                    <a16:rowId xmlns:a16="http://schemas.microsoft.com/office/drawing/2014/main" val="1455811599"/>
+                  </a:ext>
+                </a:extLst>
+              </a:tr>
+            </a:tbl>
+          </a:graphicData>
+        </a:graphic>
+      </p:graphicFrame>
+    </p:spTree>
+    <p:extLst>
+      <p:ext uri="{BB962C8B-B14F-4D97-AF65-F5344CB8AC3E}">
+        <p14:creationId xmlns:p14="http://schemas.microsoft.com/office/powerpoint/2010/main" val="1652332918"/>
+      </p:ext>
+    </p:extLst>
+  </p:cSld>
+  <p:clrMapOvr>
+    <a:masterClrMapping/>
+  </p:clrMapOvr>
+</p:sld>
+</file>
+
+<file path=ppt/slides/slide21.xml><?xml version="1.0" encoding="utf-8"?>
+<p:sld xmlns:a="http://schemas.openxmlformats.org/drawingml/2006/main" xmlns:r="http://schemas.openxmlformats.org/officeDocument/2006/relationships" xmlns:p="http://schemas.openxmlformats.org/presentationml/2006/main">
+  <p:cSld>
+    <p:spTree>
+      <p:nvGrpSpPr>
+        <p:cNvPr id="1" name=""/>
+        <p:cNvGrpSpPr/>
+        <p:nvPr/>
+      </p:nvGrpSpPr>
+      <p:grpSpPr>
+        <a:xfrm>
+          <a:off x="0" y="0"/>
+          <a:ext cx="0" cy="0"/>
+          <a:chOff x="0" y="0"/>
+          <a:chExt cx="0" cy="0"/>
+        </a:xfrm>
+      </p:grpSpPr>
+      <p:sp>
+        <p:nvSpPr>
+          <p:cNvPr id="2" name="標題 1">
+            <a:extLst>
+              <a:ext uri="{FF2B5EF4-FFF2-40B4-BE49-F238E27FC236}">
+                <a16:creationId xmlns:a16="http://schemas.microsoft.com/office/drawing/2014/main" id="{5576FFCC-71E5-1647-B9FD-145154D73BDA}"/>
+              </a:ext>
+            </a:extLst>
+          </p:cNvPr>
+          <p:cNvSpPr>
+            <a:spLocks noGrp="1"/>
+          </p:cNvSpPr>
+          <p:nvPr>
+            <p:ph type="title"/>
+          </p:nvPr>
+        </p:nvSpPr>
+        <p:spPr/>
+        <p:txBody>
+          <a:bodyPr/>
+          <a:lstStyle/>
+          <a:p>
+            <a:r>
+              <a:rPr kumimoji="1" lang="en-US" altLang="zh-TW" dirty="0"/>
+              <a:t>TF-IDF – 2/5</a:t>
+            </a:r>
+            <a:endParaRPr kumimoji="1" lang="zh-TW" altLang="en-US" dirty="0"/>
+          </a:p>
+        </p:txBody>
+      </p:sp>
+      <mc:AlternateContent xmlns:mc="http://schemas.openxmlformats.org/markup-compatibility/2006">
+        <mc:Choice xmlns:a14="http://schemas.microsoft.com/office/drawing/2010/main" Requires="a14">
+          <p:sp>
+            <p:nvSpPr>
+              <p:cNvPr id="3" name="內容版面配置區 2">
+                <a:extLst>
+                  <a:ext uri="{FF2B5EF4-FFF2-40B4-BE49-F238E27FC236}">
+                    <a16:creationId xmlns:a16="http://schemas.microsoft.com/office/drawing/2014/main" id="{78408E62-AD52-7C40-A21D-581BC5824CFD}"/>
+                  </a:ext>
+                </a:extLst>
+              </p:cNvPr>
+              <p:cNvSpPr>
+                <a:spLocks noGrp="1"/>
+              </p:cNvSpPr>
+              <p:nvPr>
+                <p:ph idx="1"/>
+              </p:nvPr>
+            </p:nvSpPr>
+            <p:spPr/>
+            <p:txBody>
+              <a:bodyPr/>
+              <a:lstStyle/>
+              <a:p>
+                <a:pPr marL="0" indent="0">
+                  <a:buNone/>
+                </a:pPr>
+                <a:r>
+                  <a:rPr lang="en-US" altLang="zh-TW" dirty="0"/>
+                  <a:t>Ex.   The food is good </a:t>
+                </a:r>
+              </a:p>
+              <a:p>
+                <a:pPr marL="0" indent="0">
+                  <a:buNone/>
+                </a:pPr>
+                <a:r>
+                  <a:rPr lang="en-US" altLang="zh-TW" dirty="0"/>
+                  <a:t>         The food is not good</a:t>
+                </a:r>
+              </a:p>
+              <a:p>
+                <a:pPr marL="0" indent="0">
+                  <a:buNone/>
+                </a:pPr>
+                <a:endParaRPr lang="en-US" altLang="zh-TW" dirty="0"/>
+              </a:p>
+              <a:p>
+                <a:pPr marL="0" indent="0">
+                  <a:buNone/>
+                </a:pPr>
+                <a:endParaRPr lang="en-US" altLang="zh-TW" dirty="0"/>
+              </a:p>
+              <a:p>
+                <a:pPr marL="0" indent="0">
+                  <a:buNone/>
+                </a:pPr>
+                <a:endParaRPr lang="en-US" altLang="zh-TW" dirty="0"/>
+              </a:p>
+              <a:p>
+                <a:pPr marL="0" indent="0">
+                  <a:buNone/>
+                </a:pPr>
+                <a:r>
+                  <a:rPr lang="en-US" altLang="zh-TW" dirty="0"/>
+                  <a:t>         cosine similarity = 4/ (2*</a:t>
+                </a:r>
+                <a14:m>
+                  <m:oMath xmlns:m="http://schemas.openxmlformats.org/officeDocument/2006/math">
+                    <m:rad>
+                      <m:radPr>
+                        <m:degHide m:val="on"/>
+                        <m:ctrlPr>
+                          <a:rPr lang="en-US" altLang="zh-TW" i="1" smtClean="0">
+                            <a:latin typeface="Cambria Math" panose="02040503050406030204" pitchFamily="18" charset="0"/>
+                          </a:rPr>
+                        </m:ctrlPr>
+                      </m:radPr>
+                      <m:deg/>
+                      <m:e>
+                        <m:r>
+                          <a:rPr lang="en-US" altLang="zh-TW" b="0" i="1" smtClean="0">
+                            <a:latin typeface="Cambria Math" panose="02040503050406030204" pitchFamily="18" charset="0"/>
+                          </a:rPr>
+                          <m:t>5</m:t>
+                        </m:r>
+                      </m:e>
+                    </m:rad>
+                  </m:oMath>
+                </a14:m>
+                <a:r>
+                  <a:rPr lang="en-US" altLang="zh-TW" dirty="0"/>
+                  <a:t>) = 0.8</a:t>
+                </a:r>
+              </a:p>
+              <a:p>
+                <a:pPr marL="0" indent="0">
+                  <a:buNone/>
+                </a:pPr>
+                <a:r>
+                  <a:rPr lang="en-US" altLang="zh-TW" dirty="0"/>
+                  <a:t>         =&gt; </a:t>
+                </a:r>
+                <a:r>
+                  <a:rPr lang="zh-TW" altLang="en-US" dirty="0"/>
+                  <a:t>但實際上</a:t>
+                </a:r>
+                <a:r>
+                  <a:rPr lang="en-US" altLang="zh-TW" dirty="0"/>
+                  <a:t>, </a:t>
+                </a:r>
+                <a:r>
+                  <a:rPr lang="zh-TW" altLang="en-US" dirty="0"/>
+                  <a:t>這兩個句子的意思完全相反</a:t>
+                </a:r>
+                <a:endParaRPr lang="en-US" altLang="zh-TW" dirty="0"/>
+              </a:p>
+              <a:p>
+                <a:pPr marL="0" indent="0">
+                  <a:buNone/>
+                </a:pPr>
+                <a:endParaRPr lang="zh-TW" altLang="en-US" dirty="0"/>
+              </a:p>
+              <a:p>
+                <a:pPr marL="0" indent="0">
+                  <a:buNone/>
+                </a:pPr>
+                <a:endParaRPr kumimoji="1" lang="zh-TW" altLang="en-US" dirty="0"/>
+              </a:p>
+            </p:txBody>
+          </p:sp>
+        </mc:Choice>
+        <mc:Fallback>
+          <p:sp>
+            <p:nvSpPr>
+              <p:cNvPr id="3" name="內容版面配置區 2">
+                <a:extLst>
+                  <a:ext uri="{FF2B5EF4-FFF2-40B4-BE49-F238E27FC236}">
+                    <a16:creationId xmlns:a16="http://schemas.microsoft.com/office/drawing/2014/main" id="{78408E62-AD52-7C40-A21D-581BC5824CFD}"/>
+                  </a:ext>
+                </a:extLst>
+              </p:cNvPr>
+              <p:cNvSpPr>
+                <a:spLocks noGrp="1" noRot="1" noChangeAspect="1" noMove="1" noResize="1" noEditPoints="1" noAdjustHandles="1" noChangeArrowheads="1" noChangeShapeType="1" noTextEdit="1"/>
+              </p:cNvSpPr>
+              <p:nvPr>
+                <p:ph idx="1"/>
+              </p:nvPr>
+            </p:nvSpPr>
+            <p:spPr>
+              <a:blipFill>
+                <a:blip r:embed="rId2"/>
+                <a:stretch>
+                  <a:fillRect l="-571"/>
+                </a:stretch>
+              </a:blipFill>
+            </p:spPr>
+            <p:txBody>
+              <a:bodyPr/>
+              <a:lstStyle/>
+              <a:p>
+                <a:r>
+                  <a:rPr lang="zh-TW" altLang="en-US">
+                    <a:noFill/>
+                  </a:rPr>
+                  <a:t> </a:t>
+                </a:r>
+              </a:p>
+            </p:txBody>
+          </p:sp>
+        </mc:Fallback>
+      </mc:AlternateContent>
+      <p:graphicFrame>
+        <p:nvGraphicFramePr>
+          <p:cNvPr id="4" name="表格 4">
+            <a:extLst>
+              <a:ext uri="{FF2B5EF4-FFF2-40B4-BE49-F238E27FC236}">
+                <a16:creationId xmlns:a16="http://schemas.microsoft.com/office/drawing/2014/main" id="{83EEA433-23CD-B44D-B1A8-1D4016A242E5}"/>
+              </a:ext>
+            </a:extLst>
+          </p:cNvPr>
+          <p:cNvGraphicFramePr>
+            <a:graphicFrameLocks noGrp="1"/>
+          </p:cNvGraphicFramePr>
+          <p:nvPr>
+            <p:extLst>
+              <p:ext uri="{D42A27DB-BD31-4B8C-83A1-F6EECF244321}">
+                <p14:modId xmlns:p14="http://schemas.microsoft.com/office/powerpoint/2010/main" val="47442220"/>
+              </p:ext>
+            </p:extLst>
+          </p:nvPr>
+        </p:nvGraphicFramePr>
+        <p:xfrm>
+          <a:off x="1674648" y="3179086"/>
+          <a:ext cx="8128002" cy="1112520"/>
+        </p:xfrm>
+        <a:graphic>
+          <a:graphicData uri="http://schemas.openxmlformats.org/drawingml/2006/table">
+            <a:tbl>
+              <a:tblPr firstRow="1" bandRow="1">
+                <a:tableStyleId>{00A15C55-8517-42AA-B614-E9B94910E393}</a:tableStyleId>
+              </a:tblPr>
+              <a:tblGrid>
+                <a:gridCol w="1354667">
+                  <a:extLst>
+                    <a:ext uri="{9D8B030D-6E8A-4147-A177-3AD203B41FA5}">
+                      <a16:colId xmlns:a16="http://schemas.microsoft.com/office/drawing/2014/main" val="687230891"/>
+                    </a:ext>
+                  </a:extLst>
+                </a:gridCol>
+                <a:gridCol w="1354667">
+                  <a:extLst>
+                    <a:ext uri="{9D8B030D-6E8A-4147-A177-3AD203B41FA5}">
+                      <a16:colId xmlns:a16="http://schemas.microsoft.com/office/drawing/2014/main" val="2307933682"/>
+                    </a:ext>
+                  </a:extLst>
+                </a:gridCol>
+                <a:gridCol w="1354667">
+                  <a:extLst>
+                    <a:ext uri="{9D8B030D-6E8A-4147-A177-3AD203B41FA5}">
+                      <a16:colId xmlns:a16="http://schemas.microsoft.com/office/drawing/2014/main" val="2340550121"/>
+                    </a:ext>
+                  </a:extLst>
+                </a:gridCol>
+                <a:gridCol w="1354667">
+                  <a:extLst>
+                    <a:ext uri="{9D8B030D-6E8A-4147-A177-3AD203B41FA5}">
+                      <a16:colId xmlns:a16="http://schemas.microsoft.com/office/drawing/2014/main" val="1574792120"/>
+                    </a:ext>
+                  </a:extLst>
+                </a:gridCol>
+                <a:gridCol w="1354667">
+                  <a:extLst>
+                    <a:ext uri="{9D8B030D-6E8A-4147-A177-3AD203B41FA5}">
+                      <a16:colId xmlns:a16="http://schemas.microsoft.com/office/drawing/2014/main" val="2088055345"/>
+                    </a:ext>
+                  </a:extLst>
+                </a:gridCol>
+                <a:gridCol w="1354667">
+                  <a:extLst>
+                    <a:ext uri="{9D8B030D-6E8A-4147-A177-3AD203B41FA5}">
+                      <a16:colId xmlns:a16="http://schemas.microsoft.com/office/drawing/2014/main" val="1644112532"/>
+                    </a:ext>
+                  </a:extLst>
+                </a:gridCol>
+              </a:tblGrid>
+              <a:tr h="370840">
+                <a:tc>
+                  <a:txBody>
+                    <a:bodyPr/>
+                    <a:lstStyle/>
+                    <a:p>
+                      <a:endParaRPr lang="zh-TW" altLang="en-US" dirty="0"/>
+                    </a:p>
+                  </a:txBody>
+                  <a:tcPr/>
+                </a:tc>
+                <a:tc>
+                  <a:txBody>
+                    <a:bodyPr/>
+                    <a:lstStyle/>
+                    <a:p>
+                      <a:r>
+                        <a:rPr lang="en-US" altLang="zh-TW" dirty="0"/>
+                        <a:t>The</a:t>
+                      </a:r>
+                      <a:endParaRPr lang="zh-TW" altLang="en-US" dirty="0"/>
+                    </a:p>
+                  </a:txBody>
+                  <a:tcPr/>
+                </a:tc>
+                <a:tc>
+                  <a:txBody>
+                    <a:bodyPr/>
+                    <a:lstStyle/>
+                    <a:p>
+                      <a:r>
+                        <a:rPr lang="en-US" altLang="zh-TW" dirty="0"/>
+                        <a:t>food</a:t>
+                      </a:r>
+                      <a:endParaRPr lang="zh-TW" altLang="en-US" dirty="0"/>
+                    </a:p>
+                  </a:txBody>
+                  <a:tcPr/>
+                </a:tc>
+                <a:tc>
+                  <a:txBody>
+                    <a:bodyPr/>
+                    <a:lstStyle/>
+                    <a:p>
+                      <a:r>
+                        <a:rPr lang="en-US" altLang="zh-TW" dirty="0"/>
+                        <a:t>Is </a:t>
+                      </a:r>
+                      <a:endParaRPr lang="zh-TW" altLang="en-US" dirty="0"/>
+                    </a:p>
+                  </a:txBody>
+                  <a:tcPr/>
+                </a:tc>
+                <a:tc>
+                  <a:txBody>
+                    <a:bodyPr/>
+                    <a:lstStyle/>
+                    <a:p>
+                      <a:r>
+                        <a:rPr lang="en-US" altLang="zh-TW" dirty="0"/>
+                        <a:t>not</a:t>
+                      </a:r>
+                      <a:endParaRPr lang="zh-TW" altLang="en-US" dirty="0"/>
+                    </a:p>
+                  </a:txBody>
+                  <a:tcPr/>
+                </a:tc>
+                <a:tc>
+                  <a:txBody>
+                    <a:bodyPr/>
+                    <a:lstStyle/>
+                    <a:p>
+                      <a:r>
+                        <a:rPr lang="en-US" altLang="zh-TW" dirty="0"/>
+                        <a:t>good</a:t>
+                      </a:r>
+                      <a:endParaRPr lang="zh-TW" altLang="en-US" dirty="0"/>
+                    </a:p>
+                  </a:txBody>
+                  <a:tcPr/>
+                </a:tc>
+                <a:extLst>
+                  <a:ext uri="{0D108BD9-81ED-4DB2-BD59-A6C34878D82A}">
+                    <a16:rowId xmlns:a16="http://schemas.microsoft.com/office/drawing/2014/main" val="2295834478"/>
+                  </a:ext>
+                </a:extLst>
+              </a:tr>
+              <a:tr h="370840">
+                <a:tc>
+                  <a:txBody>
+                    <a:bodyPr/>
+                    <a:lstStyle/>
+                    <a:p>
+                      <a:r>
+                        <a:rPr lang="en-US" altLang="zh-TW" dirty="0"/>
+                        <a:t>D1</a:t>
+                      </a:r>
+                      <a:endParaRPr lang="zh-TW" altLang="en-US" dirty="0"/>
+                    </a:p>
+                  </a:txBody>
+                  <a:tcPr/>
+                </a:tc>
+                <a:tc>
+                  <a:txBody>
+                    <a:bodyPr/>
+                    <a:lstStyle/>
+                    <a:p>
+                      <a:r>
+                        <a:rPr lang="en-US" altLang="zh-TW" dirty="0"/>
+                        <a:t>1</a:t>
+                      </a:r>
+                      <a:endParaRPr lang="zh-TW" altLang="en-US" dirty="0"/>
+                    </a:p>
+                  </a:txBody>
+                  <a:tcPr/>
+                </a:tc>
+                <a:tc>
+                  <a:txBody>
+                    <a:bodyPr/>
+                    <a:lstStyle/>
+                    <a:p>
+                      <a:r>
+                        <a:rPr lang="en-US" altLang="zh-TW" dirty="0"/>
+                        <a:t>1</a:t>
+                      </a:r>
+                      <a:endParaRPr lang="zh-TW" altLang="en-US" dirty="0"/>
+                    </a:p>
+                  </a:txBody>
+                  <a:tcPr/>
+                </a:tc>
+                <a:tc>
+                  <a:txBody>
+                    <a:bodyPr/>
+                    <a:lstStyle/>
+                    <a:p>
+                      <a:r>
+                        <a:rPr lang="en-US" altLang="zh-TW" dirty="0"/>
+                        <a:t>1</a:t>
+                      </a:r>
+                      <a:endParaRPr lang="zh-TW" altLang="en-US" dirty="0"/>
+                    </a:p>
+                  </a:txBody>
+                  <a:tcPr/>
+                </a:tc>
+                <a:tc>
+                  <a:txBody>
+                    <a:bodyPr/>
+                    <a:lstStyle/>
+                    <a:p>
+                      <a:r>
+                        <a:rPr lang="en-US" altLang="zh-TW" dirty="0"/>
+                        <a:t>0</a:t>
+                      </a:r>
+                      <a:endParaRPr lang="zh-TW" altLang="en-US" dirty="0"/>
+                    </a:p>
+                  </a:txBody>
+                  <a:tcPr/>
+                </a:tc>
+                <a:tc>
+                  <a:txBody>
+                    <a:bodyPr/>
+                    <a:lstStyle/>
+                    <a:p>
+                      <a:r>
+                        <a:rPr lang="en-US" altLang="zh-TW" dirty="0"/>
+                        <a:t>1</a:t>
+                      </a:r>
+                      <a:endParaRPr lang="zh-TW" altLang="en-US" dirty="0"/>
+                    </a:p>
+                  </a:txBody>
+                  <a:tcPr/>
+                </a:tc>
+                <a:extLst>
+                  <a:ext uri="{0D108BD9-81ED-4DB2-BD59-A6C34878D82A}">
+                    <a16:rowId xmlns:a16="http://schemas.microsoft.com/office/drawing/2014/main" val="2700872504"/>
+                  </a:ext>
+                </a:extLst>
+              </a:tr>
+              <a:tr h="370840">
+                <a:tc>
+                  <a:txBody>
+                    <a:bodyPr/>
+                    <a:lstStyle/>
+                    <a:p>
+                      <a:r>
+                        <a:rPr lang="en-US" altLang="zh-TW" dirty="0"/>
+                        <a:t>D2</a:t>
+                      </a:r>
+                      <a:endParaRPr lang="zh-TW" altLang="en-US" dirty="0"/>
+                    </a:p>
+                  </a:txBody>
+                  <a:tcPr/>
+                </a:tc>
+                <a:tc>
+                  <a:txBody>
+                    <a:bodyPr/>
+                    <a:lstStyle/>
+                    <a:p>
+                      <a:r>
+                        <a:rPr lang="en-US" altLang="zh-TW" dirty="0"/>
+                        <a:t>1</a:t>
+                      </a:r>
+                      <a:endParaRPr lang="zh-TW" altLang="en-US" dirty="0"/>
+                    </a:p>
+                  </a:txBody>
+                  <a:tcPr/>
+                </a:tc>
+                <a:tc>
+                  <a:txBody>
+                    <a:bodyPr/>
+                    <a:lstStyle/>
+                    <a:p>
+                      <a:r>
+                        <a:rPr lang="en-US" altLang="zh-TW" dirty="0"/>
+                        <a:t>1</a:t>
+                      </a:r>
+                      <a:endParaRPr lang="zh-TW" altLang="en-US" dirty="0"/>
+                    </a:p>
+                  </a:txBody>
+                  <a:tcPr/>
+                </a:tc>
+                <a:tc>
+                  <a:txBody>
+                    <a:bodyPr/>
+                    <a:lstStyle/>
+                    <a:p>
+                      <a:r>
+                        <a:rPr lang="en-US" altLang="zh-TW" dirty="0"/>
+                        <a:t>1</a:t>
+                      </a:r>
+                      <a:endParaRPr lang="zh-TW" altLang="en-US" dirty="0"/>
+                    </a:p>
+                  </a:txBody>
+                  <a:tcPr/>
+                </a:tc>
+                <a:tc>
+                  <a:txBody>
+                    <a:bodyPr/>
+                    <a:lstStyle/>
+                    <a:p>
+                      <a:r>
+                        <a:rPr lang="en-US" altLang="zh-TW" dirty="0"/>
+                        <a:t>1</a:t>
+                      </a:r>
+                      <a:endParaRPr lang="zh-TW" altLang="en-US" dirty="0"/>
+                    </a:p>
+                  </a:txBody>
+                  <a:tcPr/>
+                </a:tc>
+                <a:tc>
+                  <a:txBody>
+                    <a:bodyPr/>
+                    <a:lstStyle/>
+                    <a:p>
+                      <a:r>
+                        <a:rPr lang="en-US" altLang="zh-TW" dirty="0"/>
+                        <a:t>1</a:t>
+                      </a:r>
+                      <a:endParaRPr lang="zh-TW" altLang="en-US" dirty="0"/>
+                    </a:p>
+                  </a:txBody>
+                  <a:tcPr/>
+                </a:tc>
+                <a:extLst>
+                  <a:ext uri="{0D108BD9-81ED-4DB2-BD59-A6C34878D82A}">
+                    <a16:rowId xmlns:a16="http://schemas.microsoft.com/office/drawing/2014/main" val="3006304644"/>
+                  </a:ext>
+                </a:extLst>
+              </a:tr>
+            </a:tbl>
+          </a:graphicData>
+        </a:graphic>
+      </p:graphicFrame>
+    </p:spTree>
+    <p:extLst>
+      <p:ext uri="{BB962C8B-B14F-4D97-AF65-F5344CB8AC3E}">
+        <p14:creationId xmlns:p14="http://schemas.microsoft.com/office/powerpoint/2010/main" val="840793492"/>
+      </p:ext>
+    </p:extLst>
+  </p:cSld>
+  <p:clrMapOvr>
+    <a:masterClrMapping/>
+  </p:clrMapOvr>
+</p:sld>
+</file>
+
+<file path=ppt/slides/slide22.xml><?xml version="1.0" encoding="utf-8"?>
+<p:sld xmlns:a="http://schemas.openxmlformats.org/drawingml/2006/main" xmlns:r="http://schemas.openxmlformats.org/officeDocument/2006/relationships" xmlns:p="http://schemas.openxmlformats.org/presentationml/2006/main">
+  <p:cSld>
+    <p:spTree>
+      <p:nvGrpSpPr>
+        <p:cNvPr id="1" name=""/>
+        <p:cNvGrpSpPr/>
+        <p:nvPr/>
+      </p:nvGrpSpPr>
+      <p:grpSpPr>
+        <a:xfrm>
+          <a:off x="0" y="0"/>
+          <a:ext cx="0" cy="0"/>
+          <a:chOff x="0" y="0"/>
+          <a:chExt cx="0" cy="0"/>
+        </a:xfrm>
+      </p:grpSpPr>
+      <p:sp>
+        <p:nvSpPr>
+          <p:cNvPr id="2" name="標題 1">
+            <a:extLst>
+              <a:ext uri="{FF2B5EF4-FFF2-40B4-BE49-F238E27FC236}">
+                <a16:creationId xmlns:a16="http://schemas.microsoft.com/office/drawing/2014/main" id="{BC04A7C9-19B5-FD40-AF6B-2DDF0BFEA8CD}"/>
+              </a:ext>
+            </a:extLst>
+          </p:cNvPr>
+          <p:cNvSpPr>
+            <a:spLocks noGrp="1"/>
+          </p:cNvSpPr>
+          <p:nvPr>
+            <p:ph type="title"/>
+          </p:nvPr>
+        </p:nvSpPr>
+        <p:spPr/>
+        <p:txBody>
+          <a:bodyPr/>
+          <a:lstStyle/>
+          <a:p>
+            <a:r>
+              <a:rPr kumimoji="1" lang="en-US" altLang="zh-TW" dirty="0"/>
+              <a:t>TF-IDF 1/3</a:t>
+            </a:r>
+            <a:endParaRPr kumimoji="1" lang="zh-TW" altLang="en-US" dirty="0"/>
+          </a:p>
+        </p:txBody>
+      </p:sp>
+      <p:sp>
+        <p:nvSpPr>
+          <p:cNvPr id="3" name="內容版面配置區 2">
+            <a:extLst>
+              <a:ext uri="{FF2B5EF4-FFF2-40B4-BE49-F238E27FC236}">
+                <a16:creationId xmlns:a16="http://schemas.microsoft.com/office/drawing/2014/main" id="{33379DF9-9697-9040-8E60-C7580B101008}"/>
+              </a:ext>
+            </a:extLst>
+          </p:cNvPr>
+          <p:cNvSpPr>
+            <a:spLocks noGrp="1"/>
+          </p:cNvSpPr>
+          <p:nvPr>
+            <p:ph idx="1"/>
+          </p:nvPr>
+        </p:nvSpPr>
+        <p:spPr/>
+        <p:txBody>
+          <a:bodyPr/>
+          <a:lstStyle/>
+          <a:p>
+            <a:pPr marL="0" indent="0">
+              <a:buNone/>
+            </a:pPr>
+            <a:r>
+              <a:rPr kumimoji="1" lang="en-US" altLang="zh-TW" dirty="0"/>
+              <a:t>TF: Term Frequency </a:t>
+            </a:r>
+          </a:p>
+          <a:p>
+            <a:pPr marL="0" indent="0">
+              <a:buNone/>
+            </a:pPr>
+            <a:r>
+              <a:rPr kumimoji="1" lang="en-US" altLang="zh-TW" dirty="0"/>
+              <a:t>IDF: Inverse Document Frequency</a:t>
+            </a:r>
+          </a:p>
+          <a:p>
+            <a:pPr marL="0" indent="0">
+              <a:buNone/>
+            </a:pPr>
+            <a:endParaRPr kumimoji="1" lang="en-US" altLang="zh-TW" dirty="0"/>
+          </a:p>
+          <a:p>
+            <a:pPr marL="0" indent="0">
+              <a:buNone/>
+            </a:pPr>
+            <a:r>
+              <a:rPr kumimoji="1" lang="en-US" altLang="zh-TW" dirty="0"/>
+              <a:t>TF = numbers of repetition words in sentence / numbers of words in sentence</a:t>
+            </a:r>
+          </a:p>
+          <a:p>
+            <a:pPr marL="0" indent="0">
+              <a:buNone/>
+            </a:pPr>
+            <a:r>
+              <a:rPr kumimoji="1" lang="zh-TW" altLang="en-US" dirty="0"/>
+              <a:t>代表詞頻</a:t>
+            </a:r>
+            <a:endParaRPr kumimoji="1" lang="en-US" altLang="zh-TW" dirty="0"/>
+          </a:p>
+          <a:p>
+            <a:pPr marL="0" indent="0">
+              <a:buNone/>
+            </a:pPr>
+            <a:r>
+              <a:rPr kumimoji="1" lang="en-US" altLang="zh-TW" dirty="0"/>
+              <a:t>IDF = log(numbers of sentence/ numbers of sentence includes the word)</a:t>
+            </a:r>
+          </a:p>
+          <a:p>
+            <a:pPr marL="0" indent="0">
+              <a:buNone/>
+            </a:pPr>
+            <a:r>
+              <a:rPr kumimoji="1" lang="zh-TW" altLang="en-US" dirty="0"/>
+              <a:t>代表該詞的獨特性</a:t>
+            </a:r>
+            <a:endParaRPr kumimoji="1" lang="en-US" altLang="zh-TW" dirty="0"/>
+          </a:p>
+          <a:p>
+            <a:pPr marL="0" indent="0">
+              <a:buNone/>
+            </a:pPr>
+            <a:r>
+              <a:rPr kumimoji="1" lang="en-US" altLang="zh-TW" dirty="0">
+                <a:solidFill>
+                  <a:srgbClr val="C00000"/>
+                </a:solidFill>
+              </a:rPr>
+              <a:t>TF-IDF = TF * IDF (</a:t>
+            </a:r>
+            <a:r>
+              <a:rPr kumimoji="1" lang="zh-TW" altLang="en-US" dirty="0">
+                <a:solidFill>
+                  <a:srgbClr val="C00000"/>
+                </a:solidFill>
+              </a:rPr>
+              <a:t>在該句中詞頻高</a:t>
+            </a:r>
+            <a:r>
+              <a:rPr kumimoji="1" lang="en-US" altLang="zh-TW" dirty="0">
+                <a:solidFill>
+                  <a:srgbClr val="C00000"/>
+                </a:solidFill>
+              </a:rPr>
+              <a:t>, </a:t>
+            </a:r>
+            <a:r>
+              <a:rPr kumimoji="1" lang="zh-TW" altLang="en-US" dirty="0">
+                <a:solidFill>
+                  <a:srgbClr val="C00000"/>
+                </a:solidFill>
+              </a:rPr>
+              <a:t>且在整個文集獨特性高</a:t>
+            </a:r>
+            <a:r>
+              <a:rPr kumimoji="1" lang="en-US" altLang="zh-TW" dirty="0">
+                <a:solidFill>
+                  <a:srgbClr val="C00000"/>
+                </a:solidFill>
+              </a:rPr>
+              <a:t>, </a:t>
+            </a:r>
+            <a:r>
+              <a:rPr kumimoji="1" lang="zh-TW" altLang="en-US" dirty="0">
+                <a:solidFill>
+                  <a:srgbClr val="C00000"/>
+                </a:solidFill>
+              </a:rPr>
+              <a:t>則權重高</a:t>
+            </a:r>
+            <a:r>
+              <a:rPr kumimoji="1" lang="en-US" altLang="zh-TW" dirty="0">
+                <a:solidFill>
+                  <a:srgbClr val="C00000"/>
+                </a:solidFill>
+              </a:rPr>
+              <a:t>)</a:t>
+            </a:r>
+            <a:endParaRPr kumimoji="1" lang="zh-TW" altLang="en-US" dirty="0">
+              <a:solidFill>
+                <a:srgbClr val="C00000"/>
+              </a:solidFill>
+            </a:endParaRPr>
+          </a:p>
+        </p:txBody>
+      </p:sp>
+    </p:spTree>
+    <p:extLst>
+      <p:ext uri="{BB962C8B-B14F-4D97-AF65-F5344CB8AC3E}">
+        <p14:creationId xmlns:p14="http://schemas.microsoft.com/office/powerpoint/2010/main" val="986951471"/>
+      </p:ext>
+    </p:extLst>
+  </p:cSld>
+  <p:clrMapOvr>
+    <a:masterClrMapping/>
+  </p:clrMapOvr>
+</p:sld>
+</file>
+
+<file path=ppt/slides/slide23.xml><?xml version="1.0" encoding="utf-8"?>
+<p:sld xmlns:a="http://schemas.openxmlformats.org/drawingml/2006/main" xmlns:r="http://schemas.openxmlformats.org/officeDocument/2006/relationships" xmlns:p="http://schemas.openxmlformats.org/presentationml/2006/main">
+  <p:cSld>
+    <p:spTree>
+      <p:nvGrpSpPr>
+        <p:cNvPr id="1" name=""/>
+        <p:cNvGrpSpPr/>
+        <p:nvPr/>
+      </p:nvGrpSpPr>
+      <p:grpSpPr>
+        <a:xfrm>
+          <a:off x="0" y="0"/>
+          <a:ext cx="0" cy="0"/>
+          <a:chOff x="0" y="0"/>
+          <a:chExt cx="0" cy="0"/>
+        </a:xfrm>
+      </p:grpSpPr>
+      <p:sp>
+        <p:nvSpPr>
+          <p:cNvPr id="2" name="標題 1">
+            <a:extLst>
+              <a:ext uri="{FF2B5EF4-FFF2-40B4-BE49-F238E27FC236}">
+                <a16:creationId xmlns:a16="http://schemas.microsoft.com/office/drawing/2014/main" id="{8384B49D-C86D-0A4D-86FD-68BF8B41BD4B}"/>
+              </a:ext>
+            </a:extLst>
+          </p:cNvPr>
+          <p:cNvSpPr>
+            <a:spLocks noGrp="1"/>
+          </p:cNvSpPr>
+          <p:nvPr>
+            <p:ph type="title"/>
+          </p:nvPr>
+        </p:nvSpPr>
+        <p:spPr/>
+        <p:txBody>
+          <a:bodyPr/>
+          <a:lstStyle/>
+          <a:p>
+            <a:r>
+              <a:rPr kumimoji="1" lang="en-US" altLang="zh-TW" dirty="0"/>
+              <a:t>TF-IDF</a:t>
+            </a:r>
+            <a:endParaRPr kumimoji="1" lang="zh-TW" altLang="en-US" dirty="0"/>
+          </a:p>
+        </p:txBody>
+      </p:sp>
+      <p:graphicFrame>
+        <p:nvGraphicFramePr>
+          <p:cNvPr id="6" name="表格 4">
+            <a:extLst>
+              <a:ext uri="{FF2B5EF4-FFF2-40B4-BE49-F238E27FC236}">
+                <a16:creationId xmlns:a16="http://schemas.microsoft.com/office/drawing/2014/main" id="{3721CE58-3C2F-A642-94BC-EE0588ECE72F}"/>
+              </a:ext>
+            </a:extLst>
+          </p:cNvPr>
+          <p:cNvGraphicFramePr>
+            <a:graphicFrameLocks noGrp="1"/>
+          </p:cNvGraphicFramePr>
+          <p:nvPr>
+            <p:extLst>
+              <p:ext uri="{D42A27DB-BD31-4B8C-83A1-F6EECF244321}">
+                <p14:modId xmlns:p14="http://schemas.microsoft.com/office/powerpoint/2010/main" val="3658543390"/>
+              </p:ext>
+            </p:extLst>
+          </p:nvPr>
+        </p:nvGraphicFramePr>
+        <p:xfrm>
+          <a:off x="1066800" y="3894924"/>
+          <a:ext cx="10559397" cy="1669276"/>
+        </p:xfrm>
+        <a:graphic>
+          <a:graphicData uri="http://schemas.openxmlformats.org/drawingml/2006/table">
+            <a:tbl>
+              <a:tblPr firstRow="1" bandRow="1">
+                <a:tableStyleId>{5C22544A-7EE6-4342-B048-85BDC9FD1C3A}</a:tableStyleId>
+              </a:tblPr>
+              <a:tblGrid>
+                <a:gridCol w="788192">
+                  <a:extLst>
+                    <a:ext uri="{9D8B030D-6E8A-4147-A177-3AD203B41FA5}">
+                      <a16:colId xmlns:a16="http://schemas.microsoft.com/office/drawing/2014/main" val="3968040547"/>
+                    </a:ext>
+                  </a:extLst>
+                </a:gridCol>
+                <a:gridCol w="1992323">
+                  <a:extLst>
+                    <a:ext uri="{9D8B030D-6E8A-4147-A177-3AD203B41FA5}">
+                      <a16:colId xmlns:a16="http://schemas.microsoft.com/office/drawing/2014/main" val="1163137736"/>
+                    </a:ext>
+                  </a:extLst>
+                </a:gridCol>
+                <a:gridCol w="1992323">
+                  <a:extLst>
+                    <a:ext uri="{9D8B030D-6E8A-4147-A177-3AD203B41FA5}">
+                      <a16:colId xmlns:a16="http://schemas.microsoft.com/office/drawing/2014/main" val="4245019689"/>
+                    </a:ext>
+                  </a:extLst>
+                </a:gridCol>
+                <a:gridCol w="1992323">
+                  <a:extLst>
+                    <a:ext uri="{9D8B030D-6E8A-4147-A177-3AD203B41FA5}">
+                      <a16:colId xmlns:a16="http://schemas.microsoft.com/office/drawing/2014/main" val="390974715"/>
+                    </a:ext>
+                  </a:extLst>
+                </a:gridCol>
+                <a:gridCol w="1082565">
+                  <a:extLst>
+                    <a:ext uri="{9D8B030D-6E8A-4147-A177-3AD203B41FA5}">
+                      <a16:colId xmlns:a16="http://schemas.microsoft.com/office/drawing/2014/main" val="1167476536"/>
+                    </a:ext>
+                  </a:extLst>
+                </a:gridCol>
+                <a:gridCol w="1083137">
+                  <a:extLst>
+                    <a:ext uri="{9D8B030D-6E8A-4147-A177-3AD203B41FA5}">
+                      <a16:colId xmlns:a16="http://schemas.microsoft.com/office/drawing/2014/main" val="3698885596"/>
+                    </a:ext>
+                  </a:extLst>
+                </a:gridCol>
+                <a:gridCol w="1628534">
+                  <a:extLst>
+                    <a:ext uri="{9D8B030D-6E8A-4147-A177-3AD203B41FA5}">
+                      <a16:colId xmlns:a16="http://schemas.microsoft.com/office/drawing/2014/main" val="3796809337"/>
+                    </a:ext>
+                  </a:extLst>
+                </a:gridCol>
+              </a:tblGrid>
+              <a:tr h="417319">
+                <a:tc>
+                  <a:txBody>
+                    <a:bodyPr/>
+                    <a:lstStyle/>
+                    <a:p>
+                      <a:endParaRPr lang="zh-TW" altLang="en-US" dirty="0"/>
+                    </a:p>
+                  </a:txBody>
+                  <a:tcPr/>
+                </a:tc>
+                <a:tc>
+                  <a:txBody>
+                    <a:bodyPr/>
+                    <a:lstStyle/>
+                    <a:p>
+                      <a:r>
+                        <a:rPr lang="en-US" altLang="zh-TW" dirty="0"/>
+                        <a:t>Feature1 (boy)</a:t>
+                      </a:r>
+                      <a:endParaRPr lang="zh-TW" altLang="en-US" dirty="0"/>
+                    </a:p>
+                  </a:txBody>
+                  <a:tcPr/>
+                </a:tc>
+                <a:tc>
+                  <a:txBody>
+                    <a:bodyPr/>
+                    <a:lstStyle/>
+                    <a:p>
+                      <a:r>
+                        <a:rPr lang="en-US" altLang="zh-TW" dirty="0"/>
+                        <a:t>Feature2 (girl) </a:t>
+                      </a:r>
+                      <a:endParaRPr lang="zh-TW" altLang="en-US" dirty="0"/>
+                    </a:p>
+                  </a:txBody>
+                  <a:tcPr/>
+                </a:tc>
+                <a:tc>
+                  <a:txBody>
+                    <a:bodyPr/>
+                    <a:lstStyle/>
+                    <a:p>
+                      <a:r>
+                        <a:rPr lang="en-US" altLang="zh-TW" dirty="0"/>
+                        <a:t>Feature2(good)</a:t>
+                      </a:r>
+                      <a:endParaRPr lang="zh-TW" altLang="en-US" dirty="0"/>
+                    </a:p>
+                  </a:txBody>
+                  <a:tcPr/>
+                </a:tc>
+                <a:tc>
+                  <a:txBody>
+                    <a:bodyPr/>
+                    <a:lstStyle/>
+                    <a:p>
+                      <a:r>
+                        <a:rPr lang="en-US" altLang="zh-TW" dirty="0"/>
+                        <a:t>TF</a:t>
+                      </a:r>
+                      <a:endParaRPr lang="zh-TW" altLang="en-US" dirty="0"/>
+                    </a:p>
+                  </a:txBody>
+                  <a:tcPr/>
+                </a:tc>
+                <a:tc>
+                  <a:txBody>
+                    <a:bodyPr/>
+                    <a:lstStyle/>
+                    <a:p>
+                      <a:r>
+                        <a:rPr lang="en-US" altLang="zh-TW" dirty="0"/>
+                        <a:t>IDF</a:t>
+                      </a:r>
+                      <a:endParaRPr lang="zh-TW" altLang="en-US" dirty="0"/>
+                    </a:p>
+                  </a:txBody>
+                  <a:tcPr/>
+                </a:tc>
+                <a:tc>
+                  <a:txBody>
+                    <a:bodyPr/>
+                    <a:lstStyle/>
+                    <a:p>
+                      <a:r>
+                        <a:rPr lang="en-US" altLang="zh-TW" dirty="0"/>
+                        <a:t>TF-IDF</a:t>
+                      </a:r>
+                      <a:endParaRPr lang="zh-TW" altLang="en-US" dirty="0"/>
+                    </a:p>
+                  </a:txBody>
+                  <a:tcPr/>
+                </a:tc>
+                <a:extLst>
+                  <a:ext uri="{0D108BD9-81ED-4DB2-BD59-A6C34878D82A}">
+                    <a16:rowId xmlns:a16="http://schemas.microsoft.com/office/drawing/2014/main" val="2889210296"/>
+                  </a:ext>
+                </a:extLst>
+              </a:tr>
+              <a:tr h="417319">
+                <a:tc>
+                  <a:txBody>
+                    <a:bodyPr/>
+                    <a:lstStyle/>
+                    <a:p>
+                      <a:r>
+                        <a:rPr lang="en-US" altLang="zh-TW" dirty="0"/>
+                        <a:t>D1</a:t>
+                      </a:r>
+                      <a:endParaRPr lang="zh-TW" altLang="en-US" dirty="0"/>
+                    </a:p>
+                  </a:txBody>
+                  <a:tcPr/>
+                </a:tc>
+                <a:tc>
+                  <a:txBody>
+                    <a:bodyPr/>
+                    <a:lstStyle/>
+                    <a:p>
+                      <a:endParaRPr lang="zh-TW" altLang="en-US" dirty="0"/>
+                    </a:p>
+                  </a:txBody>
+                  <a:tcPr/>
+                </a:tc>
+                <a:tc>
+                  <a:txBody>
+                    <a:bodyPr/>
+                    <a:lstStyle/>
+                    <a:p>
+                      <a:endParaRPr lang="zh-TW" altLang="en-US" dirty="0"/>
+                    </a:p>
+                  </a:txBody>
+                  <a:tcPr/>
+                </a:tc>
+                <a:tc>
+                  <a:txBody>
+                    <a:bodyPr/>
+                    <a:lstStyle/>
+                    <a:p>
+                      <a:endParaRPr lang="zh-TW" altLang="en-US" dirty="0"/>
+                    </a:p>
+                  </a:txBody>
+                  <a:tcPr/>
+                </a:tc>
+                <a:tc>
+                  <a:txBody>
+                    <a:bodyPr/>
+                    <a:lstStyle/>
+                    <a:p>
+                      <a:endParaRPr lang="zh-TW" altLang="en-US" dirty="0"/>
+                    </a:p>
+                  </a:txBody>
+                  <a:tcPr/>
+                </a:tc>
+                <a:tc>
+                  <a:txBody>
+                    <a:bodyPr/>
+                    <a:lstStyle/>
+                    <a:p>
+                      <a:endParaRPr lang="zh-TW" altLang="en-US" dirty="0"/>
+                    </a:p>
+                  </a:txBody>
+                  <a:tcPr/>
+                </a:tc>
+                <a:tc>
+                  <a:txBody>
+                    <a:bodyPr/>
+                    <a:lstStyle/>
+                    <a:p>
+                      <a:endParaRPr lang="zh-TW" altLang="en-US" dirty="0"/>
+                    </a:p>
+                  </a:txBody>
+                  <a:tcPr/>
+                </a:tc>
+                <a:extLst>
+                  <a:ext uri="{0D108BD9-81ED-4DB2-BD59-A6C34878D82A}">
+                    <a16:rowId xmlns:a16="http://schemas.microsoft.com/office/drawing/2014/main" val="3011950332"/>
+                  </a:ext>
+                </a:extLst>
+              </a:tr>
+              <a:tr h="417319">
+                <a:tc>
+                  <a:txBody>
+                    <a:bodyPr/>
+                    <a:lstStyle/>
+                    <a:p>
+                      <a:r>
+                        <a:rPr lang="en-US" altLang="zh-TW" dirty="0"/>
+                        <a:t>D2</a:t>
+                      </a:r>
+                      <a:endParaRPr lang="zh-TW" altLang="en-US" dirty="0"/>
+                    </a:p>
+                  </a:txBody>
+                  <a:tcPr/>
+                </a:tc>
+                <a:tc>
+                  <a:txBody>
+                    <a:bodyPr/>
+                    <a:lstStyle/>
+                    <a:p>
+                      <a:endParaRPr lang="zh-TW" altLang="en-US" dirty="0"/>
+                    </a:p>
+                  </a:txBody>
+                  <a:tcPr/>
+                </a:tc>
+                <a:tc>
+                  <a:txBody>
+                    <a:bodyPr/>
+                    <a:lstStyle/>
+                    <a:p>
+                      <a:endParaRPr lang="zh-TW" altLang="en-US" dirty="0"/>
+                    </a:p>
+                  </a:txBody>
+                  <a:tcPr/>
+                </a:tc>
+                <a:tc>
+                  <a:txBody>
+                    <a:bodyPr/>
+                    <a:lstStyle/>
+                    <a:p>
+                      <a:endParaRPr lang="zh-TW" altLang="en-US" dirty="0"/>
+                    </a:p>
+                  </a:txBody>
+                  <a:tcPr/>
+                </a:tc>
+                <a:tc>
+                  <a:txBody>
+                    <a:bodyPr/>
+                    <a:lstStyle/>
+                    <a:p>
+                      <a:endParaRPr lang="zh-TW" altLang="en-US" dirty="0"/>
+                    </a:p>
+                  </a:txBody>
+                  <a:tcPr/>
+                </a:tc>
+                <a:tc>
+                  <a:txBody>
+                    <a:bodyPr/>
+                    <a:lstStyle/>
+                    <a:p>
+                      <a:endParaRPr lang="zh-TW" altLang="en-US" dirty="0"/>
+                    </a:p>
+                  </a:txBody>
+                  <a:tcPr/>
+                </a:tc>
+                <a:tc>
+                  <a:txBody>
+                    <a:bodyPr/>
+                    <a:lstStyle/>
+                    <a:p>
+                      <a:endParaRPr lang="zh-TW" altLang="en-US" dirty="0"/>
+                    </a:p>
+                  </a:txBody>
+                  <a:tcPr/>
+                </a:tc>
+                <a:extLst>
+                  <a:ext uri="{0D108BD9-81ED-4DB2-BD59-A6C34878D82A}">
+                    <a16:rowId xmlns:a16="http://schemas.microsoft.com/office/drawing/2014/main" val="4869845"/>
+                  </a:ext>
+                </a:extLst>
+              </a:tr>
+              <a:tr h="417319">
+                <a:tc>
+                  <a:txBody>
+                    <a:bodyPr/>
+                    <a:lstStyle/>
+                    <a:p>
+                      <a:r>
+                        <a:rPr lang="en-US" altLang="zh-TW" dirty="0"/>
+                        <a:t>D3</a:t>
+                      </a:r>
+                      <a:endParaRPr lang="zh-TW" altLang="en-US" dirty="0"/>
+                    </a:p>
+                  </a:txBody>
+                  <a:tcPr/>
+                </a:tc>
+                <a:tc>
+                  <a:txBody>
+                    <a:bodyPr/>
+                    <a:lstStyle/>
+                    <a:p>
+                      <a:endParaRPr lang="zh-TW" altLang="en-US" dirty="0"/>
+                    </a:p>
+                  </a:txBody>
+                  <a:tcPr/>
+                </a:tc>
+                <a:tc>
+                  <a:txBody>
+                    <a:bodyPr/>
+                    <a:lstStyle/>
+                    <a:p>
+                      <a:endParaRPr lang="zh-TW" altLang="en-US" dirty="0"/>
+                    </a:p>
+                  </a:txBody>
+                  <a:tcPr/>
+                </a:tc>
+                <a:tc>
+                  <a:txBody>
+                    <a:bodyPr/>
+                    <a:lstStyle/>
+                    <a:p>
+                      <a:endParaRPr lang="zh-TW" altLang="en-US" dirty="0"/>
+                    </a:p>
+                  </a:txBody>
+                  <a:tcPr/>
+                </a:tc>
+                <a:tc>
+                  <a:txBody>
+                    <a:bodyPr/>
+                    <a:lstStyle/>
+                    <a:p>
+                      <a:endParaRPr lang="zh-TW" altLang="en-US" dirty="0"/>
+                    </a:p>
+                  </a:txBody>
+                  <a:tcPr/>
+                </a:tc>
+                <a:tc>
+                  <a:txBody>
+                    <a:bodyPr/>
+                    <a:lstStyle/>
+                    <a:p>
+                      <a:endParaRPr lang="zh-TW" altLang="en-US" dirty="0"/>
+                    </a:p>
+                  </a:txBody>
+                  <a:tcPr/>
+                </a:tc>
+                <a:tc>
+                  <a:txBody>
+                    <a:bodyPr/>
+                    <a:lstStyle/>
+                    <a:p>
+                      <a:endParaRPr lang="zh-TW" altLang="en-US" dirty="0"/>
+                    </a:p>
+                  </a:txBody>
+                  <a:tcPr/>
+                </a:tc>
+                <a:extLst>
+                  <a:ext uri="{0D108BD9-81ED-4DB2-BD59-A6C34878D82A}">
+                    <a16:rowId xmlns:a16="http://schemas.microsoft.com/office/drawing/2014/main" val="1455811599"/>
+                  </a:ext>
+                </a:extLst>
+              </a:tr>
+            </a:tbl>
+          </a:graphicData>
+        </a:graphic>
+      </p:graphicFrame>
+      <p:sp>
+        <p:nvSpPr>
+          <p:cNvPr id="8" name="文字方塊 7">
+            <a:extLst>
+              <a:ext uri="{FF2B5EF4-FFF2-40B4-BE49-F238E27FC236}">
+                <a16:creationId xmlns:a16="http://schemas.microsoft.com/office/drawing/2014/main" id="{7B14053B-EBA3-D545-BCE0-CA16A6121901}"/>
+              </a:ext>
+            </a:extLst>
+          </p:cNvPr>
+          <p:cNvSpPr txBox="1"/>
+          <p:nvPr/>
+        </p:nvSpPr>
+        <p:spPr>
+          <a:xfrm>
+            <a:off x="1066800" y="2358498"/>
+            <a:ext cx="6096000" cy="1200329"/>
+          </a:xfrm>
+          <a:prstGeom prst="rect">
+            <a:avLst/>
+          </a:prstGeom>
+          <a:noFill/>
+        </p:spPr>
+        <p:txBody>
+          <a:bodyPr wrap="square">
+            <a:spAutoFit/>
+          </a:bodyPr>
+          <a:lstStyle/>
+          <a:p>
+            <a:pPr marL="0" indent="0">
+              <a:buNone/>
+            </a:pPr>
+            <a:r>
+              <a:rPr kumimoji="1" lang="en-US" altLang="zh-TW" dirty="0"/>
+              <a:t>D1 = “</a:t>
+            </a:r>
+            <a:r>
+              <a:rPr kumimoji="1" lang="en-US" altLang="zh-TW" dirty="0">
+                <a:solidFill>
+                  <a:schemeClr val="tx1">
+                    <a:lumMod val="50000"/>
+                    <a:lumOff val="50000"/>
+                  </a:schemeClr>
+                </a:solidFill>
+              </a:rPr>
+              <a:t>he is a </a:t>
+            </a:r>
+            <a:r>
+              <a:rPr kumimoji="1" lang="en-US" altLang="zh-TW" dirty="0"/>
+              <a:t>good boy”                 =&gt; good boy</a:t>
+            </a:r>
+          </a:p>
+          <a:p>
+            <a:pPr marL="0" indent="0">
+              <a:buNone/>
+            </a:pPr>
+            <a:r>
+              <a:rPr kumimoji="1" lang="en-US" altLang="zh-TW" dirty="0"/>
+              <a:t>D2 = “</a:t>
+            </a:r>
+            <a:r>
+              <a:rPr kumimoji="1" lang="en-US" altLang="zh-TW" dirty="0">
+                <a:solidFill>
+                  <a:schemeClr val="tx1">
+                    <a:lumMod val="50000"/>
+                    <a:lumOff val="50000"/>
+                  </a:schemeClr>
+                </a:solidFill>
+              </a:rPr>
+              <a:t>she is a </a:t>
+            </a:r>
+            <a:r>
+              <a:rPr kumimoji="1" lang="en-US" altLang="zh-TW" dirty="0"/>
+              <a:t>good girl”               =&gt; good girl </a:t>
+            </a:r>
+          </a:p>
+          <a:p>
+            <a:pPr marL="0" indent="0">
+              <a:buNone/>
+            </a:pPr>
+            <a:r>
+              <a:rPr kumimoji="1" lang="en-US" altLang="zh-TW" dirty="0"/>
+              <a:t>D3 = “boy </a:t>
+            </a:r>
+            <a:r>
+              <a:rPr kumimoji="1" lang="en-US" altLang="zh-TW" dirty="0">
+                <a:solidFill>
+                  <a:schemeClr val="tx1">
+                    <a:lumMod val="50000"/>
+                    <a:lumOff val="50000"/>
+                  </a:schemeClr>
+                </a:solidFill>
+              </a:rPr>
+              <a:t>and</a:t>
+            </a:r>
+            <a:r>
+              <a:rPr kumimoji="1" lang="en-US" altLang="zh-TW" dirty="0"/>
+              <a:t> girl </a:t>
+            </a:r>
+            <a:r>
+              <a:rPr kumimoji="1" lang="en-US" altLang="zh-TW" dirty="0">
+                <a:solidFill>
+                  <a:schemeClr val="tx1">
+                    <a:lumMod val="50000"/>
+                    <a:lumOff val="50000"/>
+                  </a:schemeClr>
+                </a:solidFill>
+              </a:rPr>
+              <a:t>are</a:t>
+            </a:r>
+            <a:r>
+              <a:rPr kumimoji="1" lang="en-US" altLang="zh-TW" dirty="0"/>
+              <a:t> good”        =&gt; boy girl good</a:t>
+            </a:r>
+          </a:p>
+          <a:p>
+            <a:pPr marL="0" indent="0">
+              <a:buNone/>
+            </a:pPr>
+            <a:r>
+              <a:rPr kumimoji="1" lang="en-US" altLang="zh-TW" dirty="0"/>
+              <a:t>Vocabulary: boy, girl, good</a:t>
+            </a:r>
+            <a:endParaRPr kumimoji="1" lang="zh-TW" altLang="en-US" dirty="0"/>
+          </a:p>
+        </p:txBody>
+      </p:sp>
+    </p:spTree>
+    <p:extLst>
+      <p:ext uri="{BB962C8B-B14F-4D97-AF65-F5344CB8AC3E}">
+        <p14:creationId xmlns:p14="http://schemas.microsoft.com/office/powerpoint/2010/main" val="1053204482"/>
+      </p:ext>
+    </p:extLst>
+  </p:cSld>
+  <p:clrMapOvr>
+    <a:masterClrMapping/>
+  </p:clrMapOvr>
+</p:sld>
+</file>
+
+<file path=ppt/slides/slide24.xml><?xml version="1.0" encoding="utf-8"?>
+<p:sld xmlns:a="http://schemas.openxmlformats.org/drawingml/2006/main" xmlns:r="http://schemas.openxmlformats.org/officeDocument/2006/relationships" xmlns:p="http://schemas.openxmlformats.org/presentationml/2006/main">
+  <p:cSld>
+    <p:spTree>
+      <p:nvGrpSpPr>
+        <p:cNvPr id="1" name=""/>
+        <p:cNvGrpSpPr/>
+        <p:nvPr/>
+      </p:nvGrpSpPr>
+      <p:grpSpPr>
+        <a:xfrm>
+          <a:off x="0" y="0"/>
+          <a:ext cx="0" cy="0"/>
+          <a:chOff x="0" y="0"/>
+          <a:chExt cx="0" cy="0"/>
+        </a:xfrm>
+      </p:grpSpPr>
+      <p:sp>
+        <p:nvSpPr>
+          <p:cNvPr id="2" name="標題 1">
+            <a:extLst>
+              <a:ext uri="{FF2B5EF4-FFF2-40B4-BE49-F238E27FC236}">
+                <a16:creationId xmlns:a16="http://schemas.microsoft.com/office/drawing/2014/main" id="{921BAFC5-B947-3F43-B7F6-294037FDAD17}"/>
+              </a:ext>
+            </a:extLst>
+          </p:cNvPr>
+          <p:cNvSpPr>
+            <a:spLocks noGrp="1"/>
+          </p:cNvSpPr>
+          <p:nvPr>
+            <p:ph type="title"/>
+          </p:nvPr>
+        </p:nvSpPr>
+        <p:spPr/>
+        <p:txBody>
+          <a:bodyPr/>
+          <a:lstStyle/>
+          <a:p>
+            <a:r>
+              <a:rPr kumimoji="1" lang="en-US" altLang="zh-TW" dirty="0"/>
+              <a:t>TF-IDF</a:t>
+            </a:r>
+            <a:endParaRPr kumimoji="1" lang="zh-TW" altLang="en-US" dirty="0"/>
+          </a:p>
+        </p:txBody>
+      </p:sp>
+      <p:graphicFrame>
+        <p:nvGraphicFramePr>
+          <p:cNvPr id="4" name="表格 4">
+            <a:extLst>
+              <a:ext uri="{FF2B5EF4-FFF2-40B4-BE49-F238E27FC236}">
+                <a16:creationId xmlns:a16="http://schemas.microsoft.com/office/drawing/2014/main" id="{B119D350-47EF-5C46-9A13-F1AECFFB087E}"/>
+              </a:ext>
+            </a:extLst>
+          </p:cNvPr>
+          <p:cNvGraphicFramePr>
+            <a:graphicFrameLocks/>
+          </p:cNvGraphicFramePr>
+          <p:nvPr>
+            <p:extLst>
+              <p:ext uri="{D42A27DB-BD31-4B8C-83A1-F6EECF244321}">
+                <p14:modId xmlns:p14="http://schemas.microsoft.com/office/powerpoint/2010/main" val="631235532"/>
+              </p:ext>
+            </p:extLst>
+          </p:nvPr>
+        </p:nvGraphicFramePr>
+        <p:xfrm>
+          <a:off x="1069975" y="2139949"/>
+          <a:ext cx="8883650" cy="3188796"/>
+        </p:xfrm>
+        <a:graphic>
+          <a:graphicData uri="http://schemas.openxmlformats.org/drawingml/2006/table">
+            <a:tbl>
+              <a:tblPr firstRow="1" bandRow="1">
+                <a:tableStyleId>{5C22544A-7EE6-4342-B048-85BDC9FD1C3A}</a:tableStyleId>
+              </a:tblPr>
+              <a:tblGrid>
+                <a:gridCol w="4441825">
+                  <a:extLst>
+                    <a:ext uri="{9D8B030D-6E8A-4147-A177-3AD203B41FA5}">
+                      <a16:colId xmlns:a16="http://schemas.microsoft.com/office/drawing/2014/main" val="4000497833"/>
+                    </a:ext>
+                  </a:extLst>
+                </a:gridCol>
+                <a:gridCol w="4441825">
+                  <a:extLst>
+                    <a:ext uri="{9D8B030D-6E8A-4147-A177-3AD203B41FA5}">
+                      <a16:colId xmlns:a16="http://schemas.microsoft.com/office/drawing/2014/main" val="3534904897"/>
+                    </a:ext>
+                  </a:extLst>
+                </a:gridCol>
+              </a:tblGrid>
+              <a:tr h="797199">
+                <a:tc>
+                  <a:txBody>
+                    <a:bodyPr/>
+                    <a:lstStyle/>
+                    <a:p>
+                      <a:pPr algn="ctr"/>
+                      <a:r>
+                        <a:rPr lang="en-US" altLang="zh-TW" dirty="0"/>
+                        <a:t>Advantage</a:t>
+                      </a:r>
+                      <a:endParaRPr lang="zh-TW" altLang="en-US" dirty="0"/>
+                    </a:p>
+                  </a:txBody>
+                  <a:tcPr anchor="ctr"/>
+                </a:tc>
+                <a:tc>
+                  <a:txBody>
+                    <a:bodyPr/>
+                    <a:lstStyle/>
+                    <a:p>
+                      <a:pPr algn="ctr"/>
+                      <a:r>
+                        <a:rPr lang="en-US" altLang="zh-TW" dirty="0"/>
+                        <a:t>Disadvantage</a:t>
+                      </a:r>
+                      <a:endParaRPr lang="zh-TW" altLang="en-US" dirty="0"/>
+                    </a:p>
+                  </a:txBody>
+                  <a:tcPr anchor="ctr"/>
+                </a:tc>
+                <a:extLst>
+                  <a:ext uri="{0D108BD9-81ED-4DB2-BD59-A6C34878D82A}">
+                    <a16:rowId xmlns:a16="http://schemas.microsoft.com/office/drawing/2014/main" val="2414564729"/>
+                  </a:ext>
+                </a:extLst>
+              </a:tr>
+              <a:tr h="2391597">
+                <a:tc>
+                  <a:txBody>
+                    <a:bodyPr/>
+                    <a:lstStyle/>
+                    <a:p>
+                      <a:pPr marL="342900" indent="-342900" algn="l">
+                        <a:buAutoNum type="arabicPeriod"/>
+                      </a:pPr>
+                      <a:r>
+                        <a:rPr lang="zh-TW" altLang="en-US" dirty="0"/>
+                        <a:t>直覺</a:t>
+                      </a:r>
+                      <a:endParaRPr lang="en-US" altLang="zh-TW" dirty="0"/>
+                    </a:p>
+                    <a:p>
+                      <a:pPr marL="342900" indent="-342900" algn="l">
+                        <a:buAutoNum type="arabicPeriod"/>
+                      </a:pPr>
+                      <a:r>
+                        <a:rPr lang="zh-TW" altLang="en-US" dirty="0"/>
+                        <a:t>可以取得關鍵字的權重</a:t>
+                      </a:r>
+                    </a:p>
+                  </a:txBody>
+                  <a:tcPr/>
+                </a:tc>
+                <a:tc>
+                  <a:txBody>
+                    <a:bodyPr/>
+                    <a:lstStyle/>
+                    <a:p>
+                      <a:pPr marL="342900" indent="-342900" algn="l">
+                        <a:buAutoNum type="arabicPeriod"/>
+                      </a:pPr>
+                      <a:r>
+                        <a:rPr lang="en-US" altLang="zh-TW" dirty="0"/>
+                        <a:t>Features </a:t>
+                      </a:r>
+                      <a:r>
+                        <a:rPr lang="zh-TW" altLang="en-US" dirty="0"/>
+                        <a:t>會太多</a:t>
+                      </a:r>
+                      <a:r>
+                        <a:rPr lang="en-US" altLang="zh-TW" dirty="0"/>
+                        <a:t>(</a:t>
+                      </a:r>
+                      <a:r>
+                        <a:rPr lang="zh-TW" altLang="en-US" dirty="0"/>
+                        <a:t>會產生</a:t>
+                      </a:r>
+                      <a:r>
+                        <a:rPr lang="en-US" altLang="zh-TW" dirty="0"/>
+                        <a:t>sparse matrix)</a:t>
+                      </a:r>
+                    </a:p>
+                    <a:p>
+                      <a:pPr marL="342900" indent="-342900" algn="l">
+                        <a:buAutoNum type="arabicPeriod"/>
+                      </a:pPr>
+                      <a:r>
+                        <a:rPr lang="zh-TW" altLang="en-US" dirty="0"/>
+                        <a:t>文集</a:t>
+                      </a:r>
+                      <a:r>
+                        <a:rPr lang="en-US" altLang="zh-TW" dirty="0"/>
+                        <a:t>(corpus)</a:t>
+                      </a:r>
+                      <a:r>
+                        <a:rPr lang="zh-TW" altLang="en-US" dirty="0"/>
+                        <a:t>中無法嵌入新字</a:t>
+                      </a:r>
+                      <a:endParaRPr lang="en-US" altLang="zh-TW" dirty="0"/>
+                    </a:p>
+                    <a:p>
+                      <a:pPr marL="342900" indent="-342900" algn="l">
+                        <a:buAutoNum type="arabicPeriod"/>
+                      </a:pPr>
+                      <a:r>
+                        <a:rPr lang="zh-TW" altLang="en-US" dirty="0"/>
+                        <a:t>無法取得語意</a:t>
+                      </a:r>
+                      <a:r>
+                        <a:rPr lang="en-US" altLang="zh-TW" dirty="0"/>
+                        <a:t>(semantic meaning)</a:t>
+                      </a:r>
+                      <a:endParaRPr lang="zh-TW" altLang="en-US" dirty="0"/>
+                    </a:p>
+                  </a:txBody>
+                  <a:tcPr/>
+                </a:tc>
+                <a:extLst>
+                  <a:ext uri="{0D108BD9-81ED-4DB2-BD59-A6C34878D82A}">
+                    <a16:rowId xmlns:a16="http://schemas.microsoft.com/office/drawing/2014/main" val="2969207907"/>
+                  </a:ext>
+                </a:extLst>
+              </a:tr>
+            </a:tbl>
+          </a:graphicData>
+        </a:graphic>
+      </p:graphicFrame>
+    </p:spTree>
+    <p:extLst>
+      <p:ext uri="{BB962C8B-B14F-4D97-AF65-F5344CB8AC3E}">
+        <p14:creationId xmlns:p14="http://schemas.microsoft.com/office/powerpoint/2010/main" val="3019539947"/>
+      </p:ext>
+    </p:extLst>
+  </p:cSld>
+  <p:clrMapOvr>
+    <a:masterClrMapping/>
+  </p:clrMapOvr>
+</p:sld>
+</file>
+
+<file path=ppt/slides/slide3.xml><?xml version="1.0" encoding="utf-8"?>
+<p:sld xmlns:a="http://schemas.openxmlformats.org/drawingml/2006/main" xmlns:r="http://schemas.openxmlformats.org/officeDocument/2006/relationships" xmlns:p="http://schemas.openxmlformats.org/presentationml/2006/main">
+  <p:cSld>
+    <p:spTree>
+      <p:nvGrpSpPr>
+        <p:cNvPr id="1" name=""/>
+        <p:cNvGrpSpPr/>
+        <p:nvPr/>
+      </p:nvGrpSpPr>
+      <p:grpSpPr>
+        <a:xfrm>
+          <a:off x="0" y="0"/>
+          <a:ext cx="0" cy="0"/>
+          <a:chOff x="0" y="0"/>
+          <a:chExt cx="0" cy="0"/>
+        </a:xfrm>
+      </p:grpSpPr>
+      <p:sp>
+        <p:nvSpPr>
+          <p:cNvPr id="2" name="標題 1">
+            <a:extLst>
+              <a:ext uri="{FF2B5EF4-FFF2-40B4-BE49-F238E27FC236}">
                 <a16:creationId xmlns:a16="http://schemas.microsoft.com/office/drawing/2014/main" id="{46643248-B5B7-DC49-A4E1-DAFA117A664E}"/>
               </a:ext>
             </a:extLst>
@@ -4672,7 +10343,7 @@
 </p:sld>
 </file>
 
-<file path=ppt/slides/slide3.xml><?xml version="1.0" encoding="utf-8"?>
+<file path=ppt/slides/slide4.xml><?xml version="1.0" encoding="utf-8"?>
 <p:sld xmlns:a="http://schemas.openxmlformats.org/drawingml/2006/main" xmlns:r="http://schemas.openxmlformats.org/officeDocument/2006/relationships" xmlns:p="http://schemas.openxmlformats.org/presentationml/2006/main">
   <p:cSld>
     <p:spTree>
@@ -4960,7 +10631,7 @@
 </p:sld>
 </file>
 
-<file path=ppt/slides/slide4.xml><?xml version="1.0" encoding="utf-8"?>
+<file path=ppt/slides/slide5.xml><?xml version="1.0" encoding="utf-8"?>
 <p:sld xmlns:a="http://schemas.openxmlformats.org/drawingml/2006/main" xmlns:r="http://schemas.openxmlformats.org/officeDocument/2006/relationships" xmlns:p="http://schemas.openxmlformats.org/presentationml/2006/main">
   <p:cSld>
     <p:spTree>
@@ -5673,117 +11344,6 @@
 </p:sld>
 </file>
 
-<file path=ppt/slides/slide5.xml><?xml version="1.0" encoding="utf-8"?>
-<p:sld xmlns:a="http://schemas.openxmlformats.org/drawingml/2006/main" xmlns:r="http://schemas.openxmlformats.org/officeDocument/2006/relationships" xmlns:p="http://schemas.openxmlformats.org/presentationml/2006/main">
-  <p:cSld>
-    <p:spTree>
-      <p:nvGrpSpPr>
-        <p:cNvPr id="1" name=""/>
-        <p:cNvGrpSpPr/>
-        <p:nvPr/>
-      </p:nvGrpSpPr>
-      <p:grpSpPr>
-        <a:xfrm>
-          <a:off x="0" y="0"/>
-          <a:ext cx="0" cy="0"/>
-          <a:chOff x="0" y="0"/>
-          <a:chExt cx="0" cy="0"/>
-        </a:xfrm>
-      </p:grpSpPr>
-      <p:sp>
-        <p:nvSpPr>
-          <p:cNvPr id="2" name="標題 1">
-            <a:extLst>
-              <a:ext uri="{FF2B5EF4-FFF2-40B4-BE49-F238E27FC236}">
-                <a16:creationId xmlns:a16="http://schemas.microsoft.com/office/drawing/2014/main" id="{8C5577E7-4762-E24C-88D5-FB1D9C3F68C1}"/>
-              </a:ext>
-            </a:extLst>
-          </p:cNvPr>
-          <p:cNvSpPr>
-            <a:spLocks noGrp="1"/>
-          </p:cNvSpPr>
-          <p:nvPr>
-            <p:ph type="title"/>
-          </p:nvPr>
-        </p:nvSpPr>
-        <p:spPr/>
-        <p:txBody>
-          <a:bodyPr>
-            <a:normAutofit/>
-          </a:bodyPr>
-          <a:lstStyle/>
-          <a:p>
-            <a:r>
-              <a:rPr kumimoji="1" lang="en-US" altLang="zh-TW" dirty="0"/>
-              <a:t>Tokenization</a:t>
-            </a:r>
-            <a:endParaRPr kumimoji="1" lang="zh-TW" altLang="en-US" dirty="0"/>
-          </a:p>
-        </p:txBody>
-      </p:sp>
-      <p:sp>
-        <p:nvSpPr>
-          <p:cNvPr id="3" name="內容版面配置區 2">
-            <a:extLst>
-              <a:ext uri="{FF2B5EF4-FFF2-40B4-BE49-F238E27FC236}">
-                <a16:creationId xmlns:a16="http://schemas.microsoft.com/office/drawing/2014/main" id="{E8ECBC57-0217-2649-9065-674C23AE0F57}"/>
-              </a:ext>
-            </a:extLst>
-          </p:cNvPr>
-          <p:cNvSpPr>
-            <a:spLocks noGrp="1"/>
-          </p:cNvSpPr>
-          <p:nvPr>
-            <p:ph idx="1"/>
-          </p:nvPr>
-        </p:nvSpPr>
-        <p:spPr/>
-        <p:txBody>
-          <a:bodyPr/>
-          <a:lstStyle/>
-          <a:p>
-            <a:pPr marL="0" indent="0">
-              <a:buNone/>
-            </a:pPr>
-            <a:r>
-              <a:rPr kumimoji="1" lang="en-US" altLang="zh-TW" dirty="0"/>
-              <a:t>Definition: to change sentence into words</a:t>
-            </a:r>
-          </a:p>
-          <a:p>
-            <a:pPr marL="0" indent="0">
-              <a:buNone/>
-            </a:pPr>
-            <a:r>
-              <a:rPr kumimoji="1" lang="en-US" altLang="zh-TW" dirty="0"/>
-              <a:t>Ex. Mickey likes to eat pizza.</a:t>
-            </a:r>
-          </a:p>
-          <a:p>
-            <a:pPr marL="0" indent="0">
-              <a:buNone/>
-            </a:pPr>
-            <a:r>
-              <a:rPr kumimoji="1" lang="en-US" altLang="zh-TW" dirty="0"/>
-              <a:t>=&gt; Mickey, likes, to, eat, pizza </a:t>
-            </a:r>
-            <a:endParaRPr kumimoji="1" lang="zh-TW" altLang="en-US" dirty="0"/>
-          </a:p>
-        </p:txBody>
-      </p:sp>
-    </p:spTree>
-    <p:extLst>
-      <p:ext uri="{BB962C8B-B14F-4D97-AF65-F5344CB8AC3E}">
-        <p14:creationId xmlns:p14="http://schemas.microsoft.com/office/powerpoint/2010/main" val="3833853415"/>
-      </p:ext>
-    </p:extLst>
-  </p:cSld>
-  <p:clrMapOvr>
-    <a:masterClrMapping/>
-  </p:clrMapOvr>
-</p:sld>
-</file>
-
 <file path=ppt/slides/slide6.xml><?xml version="1.0" encoding="utf-8"?>
 <p:sld xmlns:a="http://schemas.openxmlformats.org/drawingml/2006/main" xmlns:r="http://schemas.openxmlformats.org/officeDocument/2006/relationships" xmlns:p="http://schemas.openxmlformats.org/presentationml/2006/main">
   <p:cSld>
@@ -5806,7 +11366,7 @@
           <p:cNvPr id="2" name="標題 1">
             <a:extLst>
               <a:ext uri="{FF2B5EF4-FFF2-40B4-BE49-F238E27FC236}">
-                <a16:creationId xmlns:a16="http://schemas.microsoft.com/office/drawing/2014/main" id="{87879E1B-C199-1445-94E4-F9139E27673C}"/>
+                <a16:creationId xmlns:a16="http://schemas.microsoft.com/office/drawing/2014/main" id="{8C5577E7-4762-E24C-88D5-FB1D9C3F68C1}"/>
               </a:ext>
             </a:extLst>
           </p:cNvPr>
@@ -5826,7 +11386,7 @@
           <a:p>
             <a:r>
               <a:rPr kumimoji="1" lang="en-US" altLang="zh-TW" dirty="0"/>
-              <a:t>Stop words</a:t>
+              <a:t>Tokenization</a:t>
             </a:r>
             <a:endParaRPr kumimoji="1" lang="zh-TW" altLang="en-US" dirty="0"/>
           </a:p>
@@ -5837,7 +11397,7 @@
           <p:cNvPr id="3" name="內容版面配置區 2">
             <a:extLst>
               <a:ext uri="{FF2B5EF4-FFF2-40B4-BE49-F238E27FC236}">
-                <a16:creationId xmlns:a16="http://schemas.microsoft.com/office/drawing/2014/main" id="{0D73092B-F0F7-5641-9659-092524B743FE}"/>
+                <a16:creationId xmlns:a16="http://schemas.microsoft.com/office/drawing/2014/main" id="{E8ECBC57-0217-2649-9065-674C23AE0F57}"/>
               </a:ext>
             </a:extLst>
           </p:cNvPr>
@@ -5858,15 +11418,7 @@
             </a:pPr>
             <a:r>
               <a:rPr kumimoji="1" lang="en-US" altLang="zh-TW" dirty="0"/>
-              <a:t>Definition: the useless word</a:t>
-            </a:r>
-            <a:r>
-              <a:rPr kumimoji="1" lang="zh-TW" altLang="en-US" dirty="0"/>
-              <a:t> </a:t>
-            </a:r>
-            <a:r>
-              <a:rPr kumimoji="1" lang="en-US" altLang="zh-TW" dirty="0"/>
-              <a:t> (no meanings word)</a:t>
+              <a:t>Definition: to change sentence into words</a:t>
             </a:r>
           </a:p>
           <a:p>
@@ -5875,19 +11427,7 @@
             </a:pPr>
             <a:r>
               <a:rPr kumimoji="1" lang="en-US" altLang="zh-TW" dirty="0"/>
-              <a:t>Ex. Mickey likes </a:t>
-            </a:r>
-            <a:r>
-              <a:rPr kumimoji="1" lang="en-US" altLang="zh-TW" dirty="0">
-                <a:solidFill>
-                  <a:srgbClr val="FF0000"/>
-                </a:solidFill>
-              </a:rPr>
-              <a:t>to</a:t>
-            </a:r>
-            <a:r>
-              <a:rPr kumimoji="1" lang="en-US" altLang="zh-TW" dirty="0"/>
-              <a:t> eat pizza.</a:t>
+              <a:t>Ex. Mickey likes to eat pizza.</a:t>
             </a:r>
           </a:p>
           <a:p>
@@ -5895,65 +11435,8 @@
               <a:buNone/>
             </a:pPr>
             <a:r>
-              <a:rPr kumimoji="1" lang="zh-TW" altLang="en-US" dirty="0"/>
-              <a:t>      </a:t>
-            </a:r>
-            <a:r>
-              <a:rPr kumimoji="1" lang="en-US" altLang="zh-TW" dirty="0"/>
-              <a:t>He wish </a:t>
-            </a:r>
-            <a:r>
-              <a:rPr kumimoji="1" lang="en-US" altLang="zh-TW" dirty="0">
-                <a:solidFill>
-                  <a:srgbClr val="FF0000"/>
-                </a:solidFill>
-              </a:rPr>
-              <a:t>to</a:t>
-            </a:r>
-            <a:r>
-              <a:rPr kumimoji="1" lang="en-US" altLang="zh-TW" dirty="0"/>
-              <a:t> go </a:t>
-            </a:r>
-            <a:r>
-              <a:rPr kumimoji="1" lang="en-US" altLang="zh-TW" dirty="0">
-                <a:solidFill>
-                  <a:srgbClr val="FF0000"/>
-                </a:solidFill>
-              </a:rPr>
-              <a:t>to</a:t>
-            </a:r>
-            <a:r>
-              <a:rPr kumimoji="1" lang="en-US" altLang="zh-TW" dirty="0"/>
-              <a:t> your house.</a:t>
-            </a:r>
-          </a:p>
-          <a:p>
-            <a:pPr marL="0" indent="0">
-              <a:buNone/>
-            </a:pPr>
-            <a:endParaRPr kumimoji="1" lang="en-US" altLang="zh-TW" dirty="0"/>
-          </a:p>
-          <a:p>
-            <a:pPr marL="0" indent="0">
-              <a:buNone/>
-            </a:pPr>
-            <a:r>
-              <a:rPr kumimoji="1" lang="en-US" altLang="zh-TW" dirty="0"/>
-              <a:t>Note: most of the</a:t>
-            </a:r>
-            <a:r>
-              <a:rPr lang="en" altLang="zh-TW" b="0" i="0" dirty="0">
-                <a:solidFill>
-                  <a:srgbClr val="242424"/>
-                </a:solidFill>
-                <a:effectLst/>
-                <a:latin typeface="source-serif-pro"/>
-              </a:rPr>
-              <a:t> NLP tools provides it’s own stop word database. (ex. NLPT)</a:t>
-            </a:r>
-            <a:r>
-              <a:rPr kumimoji="1" lang="en-US" altLang="zh-TW" dirty="0"/>
-              <a:t> </a:t>
+              <a:rPr kumimoji="1" lang="en-US" altLang="zh-TW" dirty="0"/>
+              <a:t>=&gt; Mickey, likes, to, eat, pizza </a:t>
             </a:r>
             <a:endParaRPr kumimoji="1" lang="zh-TW" altLang="en-US" dirty="0"/>
           </a:p>
@@ -5962,7 +11445,7 @@
     </p:spTree>
     <p:extLst>
       <p:ext uri="{BB962C8B-B14F-4D97-AF65-F5344CB8AC3E}">
-        <p14:creationId xmlns:p14="http://schemas.microsoft.com/office/powerpoint/2010/main" val="1704203339"/>
+        <p14:creationId xmlns:p14="http://schemas.microsoft.com/office/powerpoint/2010/main" val="3833853415"/>
       </p:ext>
     </p:extLst>
   </p:cSld>
@@ -5994,7 +11477,7 @@
           <p:cNvPr id="2" name="標題 1">
             <a:extLst>
               <a:ext uri="{FF2B5EF4-FFF2-40B4-BE49-F238E27FC236}">
-                <a16:creationId xmlns:a16="http://schemas.microsoft.com/office/drawing/2014/main" id="{8AA1CED2-C61B-4E43-87BC-243FCFC7A53B}"/>
+                <a16:creationId xmlns:a16="http://schemas.microsoft.com/office/drawing/2014/main" id="{87879E1B-C199-1445-94E4-F9139E27673C}"/>
               </a:ext>
             </a:extLst>
           </p:cNvPr>
@@ -6007,12 +11490,14 @@
         </p:nvSpPr>
         <p:spPr/>
         <p:txBody>
-          <a:bodyPr/>
-          <a:lstStyle/>
-          <a:p>
-            <a:r>
-              <a:rPr kumimoji="1" lang="en-US" altLang="zh-TW" dirty="0"/>
-              <a:t>Stemming</a:t>
+          <a:bodyPr>
+            <a:normAutofit/>
+          </a:bodyPr>
+          <a:lstStyle/>
+          <a:p>
+            <a:r>
+              <a:rPr kumimoji="1" lang="en-US" altLang="zh-TW" dirty="0"/>
+              <a:t>Stop words</a:t>
             </a:r>
             <a:endParaRPr kumimoji="1" lang="zh-TW" altLang="en-US" dirty="0"/>
           </a:p>
@@ -6023,7 +11508,7 @@
           <p:cNvPr id="3" name="內容版面配置區 2">
             <a:extLst>
               <a:ext uri="{FF2B5EF4-FFF2-40B4-BE49-F238E27FC236}">
-                <a16:creationId xmlns:a16="http://schemas.microsoft.com/office/drawing/2014/main" id="{A73B73F2-009B-A24B-B1C9-138B09456F11}"/>
+                <a16:creationId xmlns:a16="http://schemas.microsoft.com/office/drawing/2014/main" id="{0D73092B-F0F7-5641-9659-092524B743FE}"/>
               </a:ext>
             </a:extLst>
           </p:cNvPr>
@@ -6044,7 +11529,15 @@
             </a:pPr>
             <a:r>
               <a:rPr kumimoji="1" lang="en-US" altLang="zh-TW" dirty="0"/>
-              <a:t>Definition: A process of reducing words into their base word skin</a:t>
+              <a:t>Definition: the useless word</a:t>
+            </a:r>
+            <a:r>
+              <a:rPr kumimoji="1" lang="zh-TW" altLang="en-US" dirty="0"/>
+              <a:t> </a:t>
+            </a:r>
+            <a:r>
+              <a:rPr kumimoji="1" lang="en-US" altLang="zh-TW" dirty="0"/>
+              <a:t> (no meanings word)</a:t>
             </a:r>
           </a:p>
           <a:p>
@@ -6053,245 +11546,85 @@
             </a:pPr>
             <a:r>
               <a:rPr kumimoji="1" lang="en-US" altLang="zh-TW" dirty="0"/>
-              <a:t>Ex. </a:t>
-            </a:r>
-          </a:p>
-        </p:txBody>
-      </p:sp>
-      <p:sp>
-        <p:nvSpPr>
-          <p:cNvPr id="4" name="文字方塊 3">
-            <a:extLst>
-              <a:ext uri="{FF2B5EF4-FFF2-40B4-BE49-F238E27FC236}">
-                <a16:creationId xmlns:a16="http://schemas.microsoft.com/office/drawing/2014/main" id="{87C9C348-4F84-5440-935C-92B5B54A062F}"/>
-              </a:ext>
-            </a:extLst>
-          </p:cNvPr>
-          <p:cNvSpPr txBox="1"/>
-          <p:nvPr/>
-        </p:nvSpPr>
-        <p:spPr>
-          <a:xfrm>
-            <a:off x="1855432" y="2831976"/>
-            <a:ext cx="1259384" cy="369332"/>
-          </a:xfrm>
-          <a:prstGeom prst="rect">
-            <a:avLst/>
-          </a:prstGeom>
-          <a:noFill/>
-        </p:spPr>
-        <p:txBody>
-          <a:bodyPr wrap="none" rtlCol="0">
-            <a:spAutoFit/>
-          </a:bodyPr>
-          <a:lstStyle/>
-          <a:p>
-            <a:r>
-              <a:rPr kumimoji="1" lang="en-US" altLang="zh-TW" dirty="0"/>
-              <a:t>Historical </a:t>
-            </a:r>
-            <a:endParaRPr kumimoji="1" lang="zh-TW" altLang="en-US" dirty="0"/>
-          </a:p>
-        </p:txBody>
-      </p:sp>
-      <p:sp>
-        <p:nvSpPr>
-          <p:cNvPr id="5" name="文字方塊 4">
-            <a:extLst>
-              <a:ext uri="{FF2B5EF4-FFF2-40B4-BE49-F238E27FC236}">
-                <a16:creationId xmlns:a16="http://schemas.microsoft.com/office/drawing/2014/main" id="{A1D1A4BF-DB0A-AB48-B50C-610480FDF16B}"/>
-              </a:ext>
-            </a:extLst>
-          </p:cNvPr>
-          <p:cNvSpPr txBox="1"/>
-          <p:nvPr/>
-        </p:nvSpPr>
-        <p:spPr>
-          <a:xfrm>
-            <a:off x="1855432" y="3528738"/>
-            <a:ext cx="1013675" cy="369332"/>
-          </a:xfrm>
-          <a:prstGeom prst="rect">
-            <a:avLst/>
-          </a:prstGeom>
-          <a:noFill/>
-        </p:spPr>
-        <p:txBody>
-          <a:bodyPr wrap="none" rtlCol="0">
-            <a:spAutoFit/>
-          </a:bodyPr>
-          <a:lstStyle/>
-          <a:p>
-            <a:r>
-              <a:rPr kumimoji="1" lang="en-US" altLang="zh-TW" dirty="0"/>
-              <a:t>History </a:t>
-            </a:r>
-            <a:endParaRPr kumimoji="1" lang="zh-TW" altLang="en-US" dirty="0"/>
-          </a:p>
-        </p:txBody>
-      </p:sp>
-      <p:sp>
-        <p:nvSpPr>
-          <p:cNvPr id="6" name="右大括弧 5">
-            <a:extLst>
-              <a:ext uri="{FF2B5EF4-FFF2-40B4-BE49-F238E27FC236}">
-                <a16:creationId xmlns:a16="http://schemas.microsoft.com/office/drawing/2014/main" id="{9AF5F0F8-970B-524B-ADCC-A8207AFE326F}"/>
-              </a:ext>
-            </a:extLst>
-          </p:cNvPr>
-          <p:cNvSpPr/>
-          <p:nvPr/>
-        </p:nvSpPr>
-        <p:spPr>
-          <a:xfrm>
-            <a:off x="3083070" y="3051699"/>
-            <a:ext cx="186431" cy="746633"/>
-          </a:xfrm>
-          <a:prstGeom prst="rightBrace">
-            <a:avLst/>
-          </a:prstGeom>
-        </p:spPr>
-        <p:style>
-          <a:lnRef idx="3">
-            <a:schemeClr val="accent1"/>
-          </a:lnRef>
-          <a:fillRef idx="0">
-            <a:schemeClr val="accent1"/>
-          </a:fillRef>
-          <a:effectRef idx="2">
-            <a:schemeClr val="accent1"/>
-          </a:effectRef>
-          <a:fontRef idx="minor">
-            <a:schemeClr val="tx1"/>
-          </a:fontRef>
-        </p:style>
-        <p:txBody>
-          <a:bodyPr rtlCol="0" anchor="ctr"/>
-          <a:lstStyle/>
-          <a:p>
-            <a:pPr algn="ctr"/>
-            <a:endParaRPr kumimoji="1" lang="zh-TW" altLang="en-US"/>
-          </a:p>
-        </p:txBody>
-      </p:sp>
-      <p:sp>
-        <p:nvSpPr>
-          <p:cNvPr id="7" name="文字方塊 6">
-            <a:extLst>
-              <a:ext uri="{FF2B5EF4-FFF2-40B4-BE49-F238E27FC236}">
-                <a16:creationId xmlns:a16="http://schemas.microsoft.com/office/drawing/2014/main" id="{EC5B4CC6-70E8-4D42-AF2A-CF61FA589BC1}"/>
-              </a:ext>
-            </a:extLst>
-          </p:cNvPr>
-          <p:cNvSpPr txBox="1"/>
-          <p:nvPr/>
-        </p:nvSpPr>
-        <p:spPr>
-          <a:xfrm>
-            <a:off x="3328629" y="3240349"/>
-            <a:ext cx="893193" cy="369332"/>
-          </a:xfrm>
-          <a:prstGeom prst="rect">
-            <a:avLst/>
-          </a:prstGeom>
-          <a:noFill/>
-        </p:spPr>
-        <p:txBody>
-          <a:bodyPr wrap="none" rtlCol="0">
-            <a:spAutoFit/>
-          </a:bodyPr>
-          <a:lstStyle/>
-          <a:p>
-            <a:r>
-              <a:rPr kumimoji="1" lang="en-US" altLang="zh-TW" dirty="0" err="1"/>
-              <a:t>Histor</a:t>
+              <a:t>Ex. Mickey likes </a:t>
+            </a:r>
+            <a:r>
+              <a:rPr kumimoji="1" lang="en-US" altLang="zh-TW" dirty="0">
+                <a:solidFill>
+                  <a:srgbClr val="FF0000"/>
+                </a:solidFill>
+              </a:rPr>
+              <a:t>to</a:t>
+            </a:r>
+            <a:r>
+              <a:rPr kumimoji="1" lang="en-US" altLang="zh-TW" dirty="0"/>
+              <a:t> eat pizza.</a:t>
+            </a:r>
+          </a:p>
+          <a:p>
+            <a:pPr marL="0" indent="0">
+              <a:buNone/>
+            </a:pPr>
+            <a:r>
+              <a:rPr kumimoji="1" lang="zh-TW" altLang="en-US" dirty="0"/>
+              <a:t>      </a:t>
+            </a:r>
+            <a:r>
+              <a:rPr kumimoji="1" lang="en-US" altLang="zh-TW" dirty="0"/>
+              <a:t>He wish </a:t>
+            </a:r>
+            <a:r>
+              <a:rPr kumimoji="1" lang="en-US" altLang="zh-TW" dirty="0">
+                <a:solidFill>
+                  <a:srgbClr val="FF0000"/>
+                </a:solidFill>
+              </a:rPr>
+              <a:t>to</a:t>
+            </a:r>
+            <a:r>
+              <a:rPr kumimoji="1" lang="en-US" altLang="zh-TW" dirty="0"/>
+              <a:t> go </a:t>
+            </a:r>
+            <a:r>
+              <a:rPr kumimoji="1" lang="en-US" altLang="zh-TW" dirty="0">
+                <a:solidFill>
+                  <a:srgbClr val="FF0000"/>
+                </a:solidFill>
+              </a:rPr>
+              <a:t>to</a:t>
+            </a:r>
+            <a:r>
+              <a:rPr kumimoji="1" lang="en-US" altLang="zh-TW" dirty="0"/>
+              <a:t> your house.</a:t>
+            </a:r>
+          </a:p>
+          <a:p>
+            <a:pPr marL="0" indent="0">
+              <a:buNone/>
+            </a:pPr>
+            <a:endParaRPr kumimoji="1" lang="en-US" altLang="zh-TW" dirty="0"/>
+          </a:p>
+          <a:p>
+            <a:pPr marL="0" indent="0">
+              <a:buNone/>
+            </a:pPr>
+            <a:r>
+              <a:rPr kumimoji="1" lang="en-US" altLang="zh-TW" dirty="0"/>
+              <a:t>Note: most of the</a:t>
+            </a:r>
+            <a:r>
+              <a:rPr lang="en" altLang="zh-TW" b="0" i="0" dirty="0">
+                <a:solidFill>
+                  <a:srgbClr val="242424"/>
+                </a:solidFill>
+                <a:effectLst/>
+                <a:latin typeface="source-serif-pro"/>
+              </a:rPr>
+              <a:t> NLP tools provides it’s own stop word database. (ex. NLPT)</a:t>
             </a:r>
             <a:r>
               <a:rPr kumimoji="1" lang="en-US" altLang="zh-TW" dirty="0"/>
               <a:t> </a:t>
-            </a:r>
-            <a:endParaRPr kumimoji="1" lang="zh-TW" altLang="en-US" dirty="0"/>
-          </a:p>
-        </p:txBody>
-      </p:sp>
-      <p:sp>
-        <p:nvSpPr>
-          <p:cNvPr id="8" name="文字方塊 7">
-            <a:extLst>
-              <a:ext uri="{FF2B5EF4-FFF2-40B4-BE49-F238E27FC236}">
-                <a16:creationId xmlns:a16="http://schemas.microsoft.com/office/drawing/2014/main" id="{A153327F-B212-2342-AC70-715027724F8D}"/>
-              </a:ext>
-            </a:extLst>
-          </p:cNvPr>
-          <p:cNvSpPr txBox="1"/>
-          <p:nvPr/>
-        </p:nvSpPr>
-        <p:spPr>
-          <a:xfrm>
-            <a:off x="1399822" y="4955822"/>
-            <a:ext cx="1445267" cy="646331"/>
-          </a:xfrm>
-          <a:prstGeom prst="rect">
-            <a:avLst/>
-          </a:prstGeom>
-          <a:noFill/>
-        </p:spPr>
-        <p:txBody>
-          <a:bodyPr wrap="none" rtlCol="0">
-            <a:spAutoFit/>
-          </a:bodyPr>
-          <a:lstStyle/>
-          <a:p>
-            <a:r>
-              <a:rPr kumimoji="1" lang="en-US" altLang="zh-TW" dirty="0"/>
-              <a:t>Advantage: </a:t>
-            </a:r>
-          </a:p>
-          <a:p>
-            <a:r>
-              <a:rPr kumimoji="1" lang="en-US" altLang="zh-TW" dirty="0"/>
-              <a:t>Fast </a:t>
-            </a:r>
-          </a:p>
-        </p:txBody>
-      </p:sp>
-      <p:sp>
-        <p:nvSpPr>
-          <p:cNvPr id="11" name="文字方塊 10">
-            <a:extLst>
-              <a:ext uri="{FF2B5EF4-FFF2-40B4-BE49-F238E27FC236}">
-                <a16:creationId xmlns:a16="http://schemas.microsoft.com/office/drawing/2014/main" id="{4F1B2432-D258-DE40-BB57-6C7A1283C645}"/>
-              </a:ext>
-            </a:extLst>
-          </p:cNvPr>
-          <p:cNvSpPr txBox="1"/>
-          <p:nvPr/>
-        </p:nvSpPr>
-        <p:spPr>
-          <a:xfrm>
-            <a:off x="4247569" y="4955822"/>
-            <a:ext cx="4325095" cy="646331"/>
-          </a:xfrm>
-          <a:prstGeom prst="rect">
-            <a:avLst/>
-          </a:prstGeom>
-          <a:noFill/>
-        </p:spPr>
-        <p:txBody>
-          <a:bodyPr wrap="none" rtlCol="0">
-            <a:spAutoFit/>
-          </a:bodyPr>
-          <a:lstStyle/>
-          <a:p>
-            <a:r>
-              <a:rPr kumimoji="1" lang="en-US" altLang="zh-TW" dirty="0"/>
-              <a:t>Disadvantage:</a:t>
-            </a:r>
-          </a:p>
-          <a:p>
-            <a:r>
-              <a:rPr kumimoji="1" lang="en-US" altLang="zh-TW" dirty="0"/>
-              <a:t>It is removing the meaning of the word </a:t>
             </a:r>
             <a:endParaRPr kumimoji="1" lang="zh-TW" altLang="en-US" dirty="0"/>
           </a:p>
@@ -6300,7 +11633,7 @@
     </p:spTree>
     <p:extLst>
       <p:ext uri="{BB962C8B-B14F-4D97-AF65-F5344CB8AC3E}">
-        <p14:creationId xmlns:p14="http://schemas.microsoft.com/office/powerpoint/2010/main" val="1493209852"/>
+        <p14:creationId xmlns:p14="http://schemas.microsoft.com/office/powerpoint/2010/main" val="1704203339"/>
       </p:ext>
     </p:extLst>
   </p:cSld>
@@ -6332,7 +11665,7 @@
           <p:cNvPr id="2" name="標題 1">
             <a:extLst>
               <a:ext uri="{FF2B5EF4-FFF2-40B4-BE49-F238E27FC236}">
-                <a16:creationId xmlns:a16="http://schemas.microsoft.com/office/drawing/2014/main" id="{6AE4E948-8AFE-9849-9971-EB68FB27D433}"/>
+                <a16:creationId xmlns:a16="http://schemas.microsoft.com/office/drawing/2014/main" id="{8AA1CED2-C61B-4E43-87BC-243FCFC7A53B}"/>
               </a:ext>
             </a:extLst>
           </p:cNvPr>
@@ -6350,7 +11683,7 @@
           <a:p>
             <a:r>
               <a:rPr kumimoji="1" lang="en-US" altLang="zh-TW" dirty="0"/>
-              <a:t>Lemmatization</a:t>
+              <a:t>Stemming</a:t>
             </a:r>
             <a:endParaRPr kumimoji="1" lang="zh-TW" altLang="en-US" dirty="0"/>
           </a:p>
@@ -6361,7 +11694,7 @@
           <p:cNvPr id="3" name="內容版面配置區 2">
             <a:extLst>
               <a:ext uri="{FF2B5EF4-FFF2-40B4-BE49-F238E27FC236}">
-                <a16:creationId xmlns:a16="http://schemas.microsoft.com/office/drawing/2014/main" id="{A703C07C-E0A7-B343-BD2A-52A54CFD1B2F}"/>
+                <a16:creationId xmlns:a16="http://schemas.microsoft.com/office/drawing/2014/main" id="{A73B73F2-009B-A24B-B1C9-138B09456F11}"/>
               </a:ext>
             </a:extLst>
           </p:cNvPr>
@@ -6382,7 +11715,7 @@
             </a:pPr>
             <a:r>
               <a:rPr kumimoji="1" lang="en-US" altLang="zh-TW" dirty="0"/>
-              <a:t>Definition: Transform the word into original format</a:t>
+              <a:t>Definition: A process of reducing words into their base word skin</a:t>
             </a:r>
           </a:p>
           <a:p>
@@ -6391,9 +11724,8 @@
             </a:pPr>
             <a:r>
               <a:rPr kumimoji="1" lang="en-US" altLang="zh-TW" dirty="0"/>
-              <a:t>Ex.</a:t>
-            </a:r>
-            <a:endParaRPr kumimoji="1" lang="zh-TW" altLang="en-US" dirty="0"/>
+              <a:t>Ex. </a:t>
+            </a:r>
           </a:p>
         </p:txBody>
       </p:sp>
@@ -6402,7 +11734,7 @@
           <p:cNvPr id="4" name="文字方塊 3">
             <a:extLst>
               <a:ext uri="{FF2B5EF4-FFF2-40B4-BE49-F238E27FC236}">
-                <a16:creationId xmlns:a16="http://schemas.microsoft.com/office/drawing/2014/main" id="{BEF02D24-97A7-6B40-AC74-D68C16B102B5}"/>
+                <a16:creationId xmlns:a16="http://schemas.microsoft.com/office/drawing/2014/main" id="{87C9C348-4F84-5440-935C-92B5B54A062F}"/>
               </a:ext>
             </a:extLst>
           </p:cNvPr>
@@ -6438,7 +11770,7 @@
           <p:cNvPr id="5" name="文字方塊 4">
             <a:extLst>
               <a:ext uri="{FF2B5EF4-FFF2-40B4-BE49-F238E27FC236}">
-                <a16:creationId xmlns:a16="http://schemas.microsoft.com/office/drawing/2014/main" id="{09A5C239-753A-5E45-9B1A-D4F5338DF6FF}"/>
+                <a16:creationId xmlns:a16="http://schemas.microsoft.com/office/drawing/2014/main" id="{A1D1A4BF-DB0A-AB48-B50C-610480FDF16B}"/>
               </a:ext>
             </a:extLst>
           </p:cNvPr>
@@ -6474,7 +11806,7 @@
           <p:cNvPr id="6" name="右大括弧 5">
             <a:extLst>
               <a:ext uri="{FF2B5EF4-FFF2-40B4-BE49-F238E27FC236}">
-                <a16:creationId xmlns:a16="http://schemas.microsoft.com/office/drawing/2014/main" id="{2D8E7DB7-183E-FA44-BA97-102656D4B88A}"/>
+                <a16:creationId xmlns:a16="http://schemas.microsoft.com/office/drawing/2014/main" id="{9AF5F0F8-970B-524B-ADCC-A8207AFE326F}"/>
               </a:ext>
             </a:extLst>
           </p:cNvPr>
@@ -6518,7 +11850,7 @@
           <p:cNvPr id="7" name="文字方塊 6">
             <a:extLst>
               <a:ext uri="{FF2B5EF4-FFF2-40B4-BE49-F238E27FC236}">
-                <a16:creationId xmlns:a16="http://schemas.microsoft.com/office/drawing/2014/main" id="{40111719-B87C-7A40-BFC3-6F931037A7DD}"/>
+                <a16:creationId xmlns:a16="http://schemas.microsoft.com/office/drawing/2014/main" id="{EC5B4CC6-70E8-4D42-AF2A-CF61FA589BC1}"/>
               </a:ext>
             </a:extLst>
           </p:cNvPr>
@@ -6528,7 +11860,7 @@
         <p:spPr>
           <a:xfrm>
             <a:off x="3328629" y="3240349"/>
-            <a:ext cx="1013675" cy="369332"/>
+            <a:ext cx="893193" cy="369332"/>
           </a:xfrm>
           <a:prstGeom prst="rect">
             <a:avLst/>
@@ -6542,8 +11874,12 @@
           <a:lstStyle/>
           <a:p>
             <a:r>
-              <a:rPr kumimoji="1" lang="en-US" altLang="zh-TW" dirty="0"/>
-              <a:t>History </a:t>
+              <a:rPr kumimoji="1" lang="en-US" altLang="zh-TW" dirty="0" err="1"/>
+              <a:t>Histor</a:t>
+            </a:r>
+            <a:r>
+              <a:rPr kumimoji="1" lang="en-US" altLang="zh-TW" dirty="0"/>
+              <a:t> </a:t>
             </a:r>
             <a:endParaRPr kumimoji="1" lang="zh-TW" altLang="en-US" dirty="0"/>
           </a:p>
@@ -6551,10 +11887,10 @@
       </p:sp>
       <p:sp>
         <p:nvSpPr>
-          <p:cNvPr id="9" name="文字方塊 8">
-            <a:extLst>
-              <a:ext uri="{FF2B5EF4-FFF2-40B4-BE49-F238E27FC236}">
-                <a16:creationId xmlns:a16="http://schemas.microsoft.com/office/drawing/2014/main" id="{2A8C6B41-4AD9-0049-A2A2-EB772039A85B}"/>
+          <p:cNvPr id="8" name="文字方塊 7">
+            <a:extLst>
+              <a:ext uri="{FF2B5EF4-FFF2-40B4-BE49-F238E27FC236}">
+                <a16:creationId xmlns:a16="http://schemas.microsoft.com/office/drawing/2014/main" id="{A153327F-B212-2342-AC70-715027724F8D}"/>
               </a:ext>
             </a:extLst>
           </p:cNvPr>
@@ -6563,8 +11899,8 @@
         </p:nvSpPr>
         <p:spPr>
           <a:xfrm>
-            <a:off x="5031577" y="2835961"/>
-            <a:ext cx="928459" cy="369332"/>
+            <a:off x="1399822" y="4955822"/>
+            <a:ext cx="1445267" cy="646331"/>
           </a:xfrm>
           <a:prstGeom prst="rect">
             <a:avLst/>
@@ -6579,18 +11915,23 @@
           <a:p>
             <a:r>
               <a:rPr kumimoji="1" lang="en-US" altLang="zh-TW" dirty="0"/>
-              <a:t>Finally </a:t>
-            </a:r>
-            <a:endParaRPr kumimoji="1" lang="zh-TW" altLang="en-US" dirty="0"/>
-          </a:p>
-        </p:txBody>
-      </p:sp>
-      <p:sp>
-        <p:nvSpPr>
-          <p:cNvPr id="10" name="文字方塊 9">
-            <a:extLst>
-              <a:ext uri="{FF2B5EF4-FFF2-40B4-BE49-F238E27FC236}">
-                <a16:creationId xmlns:a16="http://schemas.microsoft.com/office/drawing/2014/main" id="{F826A3D8-EA56-EB45-9AEC-536C2531B0A2}"/>
+              <a:t>Advantage: </a:t>
+            </a:r>
+          </a:p>
+          <a:p>
+            <a:r>
+              <a:rPr kumimoji="1" lang="en-US" altLang="zh-TW" dirty="0"/>
+              <a:t>Fast </a:t>
+            </a:r>
+          </a:p>
+        </p:txBody>
+      </p:sp>
+      <p:sp>
+        <p:nvSpPr>
+          <p:cNvPr id="11" name="文字方塊 10">
+            <a:extLst>
+              <a:ext uri="{FF2B5EF4-FFF2-40B4-BE49-F238E27FC236}">
+                <a16:creationId xmlns:a16="http://schemas.microsoft.com/office/drawing/2014/main" id="{4F1B2432-D258-DE40-BB57-6C7A1283C645}"/>
               </a:ext>
             </a:extLst>
           </p:cNvPr>
@@ -6599,8 +11940,8 @@
         </p:nvSpPr>
         <p:spPr>
           <a:xfrm>
-            <a:off x="5031577" y="3269813"/>
-            <a:ext cx="755335" cy="369332"/>
+            <a:off x="4247569" y="4955822"/>
+            <a:ext cx="4325095" cy="646331"/>
           </a:xfrm>
           <a:prstGeom prst="rect">
             <a:avLst/>
@@ -6615,206 +11956,13 @@
           <a:p>
             <a:r>
               <a:rPr kumimoji="1" lang="en-US" altLang="zh-TW" dirty="0"/>
-              <a:t>Final </a:t>
-            </a:r>
-            <a:endParaRPr kumimoji="1" lang="zh-TW" altLang="en-US" dirty="0"/>
-          </a:p>
-        </p:txBody>
-      </p:sp>
-      <p:sp>
-        <p:nvSpPr>
-          <p:cNvPr id="11" name="右大括弧 10">
-            <a:extLst>
-              <a:ext uri="{FF2B5EF4-FFF2-40B4-BE49-F238E27FC236}">
-                <a16:creationId xmlns:a16="http://schemas.microsoft.com/office/drawing/2014/main" id="{B10EB98D-417A-CA42-A9AB-9C8D0C9D1237}"/>
-              </a:ext>
-            </a:extLst>
-          </p:cNvPr>
-          <p:cNvSpPr/>
-          <p:nvPr/>
-        </p:nvSpPr>
-        <p:spPr>
-          <a:xfrm>
-            <a:off x="6259215" y="3055684"/>
-            <a:ext cx="186431" cy="746633"/>
-          </a:xfrm>
-          <a:prstGeom prst="rightBrace">
-            <a:avLst/>
-          </a:prstGeom>
-        </p:spPr>
-        <p:style>
-          <a:lnRef idx="3">
-            <a:schemeClr val="accent1"/>
-          </a:lnRef>
-          <a:fillRef idx="0">
-            <a:schemeClr val="accent1"/>
-          </a:fillRef>
-          <a:effectRef idx="2">
-            <a:schemeClr val="accent1"/>
-          </a:effectRef>
-          <a:fontRef idx="minor">
-            <a:schemeClr val="tx1"/>
-          </a:fontRef>
-        </p:style>
-        <p:txBody>
-          <a:bodyPr rtlCol="0" anchor="ctr"/>
-          <a:lstStyle/>
-          <a:p>
-            <a:pPr algn="ctr"/>
-            <a:endParaRPr kumimoji="1" lang="zh-TW" altLang="en-US"/>
-          </a:p>
-        </p:txBody>
-      </p:sp>
-      <p:sp>
-        <p:nvSpPr>
-          <p:cNvPr id="12" name="文字方塊 11">
-            <a:extLst>
-              <a:ext uri="{FF2B5EF4-FFF2-40B4-BE49-F238E27FC236}">
-                <a16:creationId xmlns:a16="http://schemas.microsoft.com/office/drawing/2014/main" id="{ECFB2EDF-2C68-5F45-BF26-383D58D4DE56}"/>
-              </a:ext>
-            </a:extLst>
-          </p:cNvPr>
-          <p:cNvSpPr txBox="1"/>
-          <p:nvPr/>
-        </p:nvSpPr>
-        <p:spPr>
-          <a:xfrm>
-            <a:off x="6504774" y="3244334"/>
-            <a:ext cx="755335" cy="369332"/>
-          </a:xfrm>
-          <a:prstGeom prst="rect">
-            <a:avLst/>
-          </a:prstGeom>
-          <a:noFill/>
-        </p:spPr>
-        <p:txBody>
-          <a:bodyPr wrap="none" rtlCol="0">
-            <a:spAutoFit/>
-          </a:bodyPr>
-          <a:lstStyle/>
-          <a:p>
-            <a:r>
-              <a:rPr kumimoji="1" lang="en-US" altLang="zh-TW" dirty="0"/>
-              <a:t>Final </a:t>
-            </a:r>
-            <a:endParaRPr kumimoji="1" lang="zh-TW" altLang="en-US" dirty="0"/>
-          </a:p>
-        </p:txBody>
-      </p:sp>
-      <p:sp>
-        <p:nvSpPr>
-          <p:cNvPr id="13" name="文字方塊 12">
-            <a:extLst>
-              <a:ext uri="{FF2B5EF4-FFF2-40B4-BE49-F238E27FC236}">
-                <a16:creationId xmlns:a16="http://schemas.microsoft.com/office/drawing/2014/main" id="{E4AA0AF4-BEFE-C049-AA80-4232B6546E6A}"/>
-              </a:ext>
-            </a:extLst>
-          </p:cNvPr>
-          <p:cNvSpPr txBox="1"/>
-          <p:nvPr/>
-        </p:nvSpPr>
-        <p:spPr>
-          <a:xfrm>
-            <a:off x="5031576" y="3706963"/>
-            <a:ext cx="1053943" cy="369332"/>
-          </a:xfrm>
-          <a:prstGeom prst="rect">
-            <a:avLst/>
-          </a:prstGeom>
-          <a:noFill/>
-        </p:spPr>
-        <p:txBody>
-          <a:bodyPr wrap="none" rtlCol="0">
-            <a:spAutoFit/>
-          </a:bodyPr>
-          <a:lstStyle/>
-          <a:p>
-            <a:r>
-              <a:rPr kumimoji="1" lang="en-US" altLang="zh-TW" dirty="0"/>
-              <a:t>Finalize </a:t>
-            </a:r>
-            <a:endParaRPr kumimoji="1" lang="zh-TW" altLang="en-US" dirty="0"/>
-          </a:p>
-        </p:txBody>
-      </p:sp>
-      <p:sp>
-        <p:nvSpPr>
-          <p:cNvPr id="14" name="文字方塊 13">
-            <a:extLst>
-              <a:ext uri="{FF2B5EF4-FFF2-40B4-BE49-F238E27FC236}">
-                <a16:creationId xmlns:a16="http://schemas.microsoft.com/office/drawing/2014/main" id="{3A4E59BD-193D-204E-AB7B-6B670AD504AA}"/>
-              </a:ext>
-            </a:extLst>
-          </p:cNvPr>
-          <p:cNvSpPr txBox="1"/>
-          <p:nvPr/>
-        </p:nvSpPr>
-        <p:spPr>
-          <a:xfrm>
-            <a:off x="1248920" y="4710334"/>
-            <a:ext cx="3666838" cy="646331"/>
-          </a:xfrm>
-          <a:prstGeom prst="rect">
-            <a:avLst/>
-          </a:prstGeom>
-          <a:noFill/>
-        </p:spPr>
-        <p:txBody>
-          <a:bodyPr wrap="none" rtlCol="0">
-            <a:spAutoFit/>
-          </a:bodyPr>
-          <a:lstStyle/>
-          <a:p>
-            <a:r>
-              <a:rPr kumimoji="1" lang="en-US" altLang="zh-TW" dirty="0"/>
-              <a:t>Advantage: </a:t>
-            </a:r>
-          </a:p>
-          <a:p>
-            <a:r>
-              <a:rPr kumimoji="1" lang="en-US" altLang="zh-TW" dirty="0"/>
-              <a:t>We got the meaning of the word </a:t>
-            </a:r>
-          </a:p>
-        </p:txBody>
-      </p:sp>
-      <p:sp>
-        <p:nvSpPr>
-          <p:cNvPr id="15" name="文字方塊 14">
-            <a:extLst>
-              <a:ext uri="{FF2B5EF4-FFF2-40B4-BE49-F238E27FC236}">
-                <a16:creationId xmlns:a16="http://schemas.microsoft.com/office/drawing/2014/main" id="{B75AA4D8-3BD4-344C-A23E-E876D1A2FD98}"/>
-              </a:ext>
-            </a:extLst>
-          </p:cNvPr>
-          <p:cNvSpPr txBox="1"/>
-          <p:nvPr/>
-        </p:nvSpPr>
-        <p:spPr>
-          <a:xfrm>
-            <a:off x="5113696" y="4710333"/>
-            <a:ext cx="1696747" cy="646331"/>
-          </a:xfrm>
-          <a:prstGeom prst="rect">
-            <a:avLst/>
-          </a:prstGeom>
-          <a:noFill/>
-        </p:spPr>
-        <p:txBody>
-          <a:bodyPr wrap="none" rtlCol="0">
-            <a:spAutoFit/>
-          </a:bodyPr>
-          <a:lstStyle/>
-          <a:p>
-            <a:r>
-              <a:rPr kumimoji="1" lang="en-US" altLang="zh-TW" dirty="0"/>
               <a:t>Disadvantage:</a:t>
             </a:r>
           </a:p>
           <a:p>
             <a:r>
               <a:rPr kumimoji="1" lang="en-US" altLang="zh-TW" dirty="0"/>
-              <a:t>It is slow</a:t>
+              <a:t>It is removing the meaning of the word </a:t>
             </a:r>
             <a:endParaRPr kumimoji="1" lang="zh-TW" altLang="en-US" dirty="0"/>
           </a:p>
@@ -6823,7 +11971,7 @@
     </p:spTree>
     <p:extLst>
       <p:ext uri="{BB962C8B-B14F-4D97-AF65-F5344CB8AC3E}">
-        <p14:creationId xmlns:p14="http://schemas.microsoft.com/office/powerpoint/2010/main" val="2531710617"/>
+        <p14:creationId xmlns:p14="http://schemas.microsoft.com/office/powerpoint/2010/main" val="1493209852"/>
       </p:ext>
     </p:extLst>
   </p:cSld>
@@ -6855,7 +12003,7 @@
           <p:cNvPr id="2" name="標題 1">
             <a:extLst>
               <a:ext uri="{FF2B5EF4-FFF2-40B4-BE49-F238E27FC236}">
-                <a16:creationId xmlns:a16="http://schemas.microsoft.com/office/drawing/2014/main" id="{36B2EB37-A41A-C24E-BF04-DF31F7736E45}"/>
+                <a16:creationId xmlns:a16="http://schemas.microsoft.com/office/drawing/2014/main" id="{6AE4E948-8AFE-9849-9971-EB68FB27D433}"/>
               </a:ext>
             </a:extLst>
           </p:cNvPr>
@@ -6873,7 +12021,7 @@
           <a:p>
             <a:r>
               <a:rPr kumimoji="1" lang="en-US" altLang="zh-TW" dirty="0"/>
-              <a:t>Basic terminologies</a:t>
+              <a:t>Lemmatization</a:t>
             </a:r>
             <a:endParaRPr kumimoji="1" lang="zh-TW" altLang="en-US" dirty="0"/>
           </a:p>
@@ -6884,7 +12032,7 @@
           <p:cNvPr id="3" name="內容版面配置區 2">
             <a:extLst>
               <a:ext uri="{FF2B5EF4-FFF2-40B4-BE49-F238E27FC236}">
-                <a16:creationId xmlns:a16="http://schemas.microsoft.com/office/drawing/2014/main" id="{8874011C-A50E-224A-9744-B986DACC9D00}"/>
+                <a16:creationId xmlns:a16="http://schemas.microsoft.com/office/drawing/2014/main" id="{A703C07C-E0A7-B343-BD2A-52A54CFD1B2F}"/>
               </a:ext>
             </a:extLst>
           </p:cNvPr>
@@ -6900,27 +12048,21 @@
           <a:bodyPr/>
           <a:lstStyle/>
           <a:p>
-            <a:r>
-              <a:rPr kumimoji="1" lang="en-US" altLang="zh-TW" dirty="0"/>
-              <a:t>Corpus -&gt; Paragraph</a:t>
-            </a:r>
-          </a:p>
-          <a:p>
-            <a:r>
-              <a:rPr kumimoji="1" lang="en-US" altLang="zh-TW" dirty="0"/>
-              <a:t>Documents -&gt; Sentence</a:t>
-            </a:r>
-          </a:p>
-          <a:p>
-            <a:r>
-              <a:rPr kumimoji="1" lang="en-US" altLang="zh-TW" dirty="0"/>
-              <a:t>Vocabulary -&gt; Unique words </a:t>
-            </a:r>
-          </a:p>
-          <a:p>
-            <a:r>
-              <a:rPr kumimoji="1" lang="en-US" altLang="zh-TW" dirty="0"/>
-              <a:t>Word -&gt; separate word</a:t>
+            <a:pPr marL="0" indent="0">
+              <a:buNone/>
+            </a:pPr>
+            <a:r>
+              <a:rPr kumimoji="1" lang="en-US" altLang="zh-TW" dirty="0"/>
+              <a:t>Definition: Transform the word into original format</a:t>
+            </a:r>
+          </a:p>
+          <a:p>
+            <a:pPr marL="0" indent="0">
+              <a:buNone/>
+            </a:pPr>
+            <a:r>
+              <a:rPr kumimoji="1" lang="en-US" altLang="zh-TW" dirty="0"/>
+              <a:t>Ex.</a:t>
             </a:r>
             <a:endParaRPr kumimoji="1" lang="zh-TW" altLang="en-US" dirty="0"/>
           </a:p>
@@ -6928,10 +12070,10 @@
       </p:sp>
       <p:sp>
         <p:nvSpPr>
-          <p:cNvPr id="5" name="文字方塊 4">
-            <a:extLst>
-              <a:ext uri="{FF2B5EF4-FFF2-40B4-BE49-F238E27FC236}">
-                <a16:creationId xmlns:a16="http://schemas.microsoft.com/office/drawing/2014/main" id="{5E220A7B-FB37-B643-A9CB-82932F014EDA}"/>
+          <p:cNvPr id="4" name="文字方塊 3">
+            <a:extLst>
+              <a:ext uri="{FF2B5EF4-FFF2-40B4-BE49-F238E27FC236}">
+                <a16:creationId xmlns:a16="http://schemas.microsoft.com/office/drawing/2014/main" id="{BEF02D24-97A7-6B40-AC74-D68C16B102B5}"/>
               </a:ext>
             </a:extLst>
           </p:cNvPr>
@@ -6940,8 +12082,8 @@
         </p:nvSpPr>
         <p:spPr>
           <a:xfrm>
-            <a:off x="1066800" y="4367326"/>
-            <a:ext cx="6098958" cy="1200329"/>
+            <a:off x="1855432" y="2831976"/>
+            <a:ext cx="1259384" cy="369332"/>
           </a:xfrm>
           <a:prstGeom prst="rect">
             <a:avLst/>
@@ -6949,44 +12091,401 @@
           <a:noFill/>
         </p:spPr>
         <p:txBody>
-          <a:bodyPr wrap="square">
+          <a:bodyPr wrap="none" rtlCol="0">
             <a:spAutoFit/>
           </a:bodyPr>
           <a:lstStyle/>
           <a:p>
-            <a:pPr marL="0" indent="0">
-              <a:buNone/>
-            </a:pPr>
-            <a:r>
-              <a:rPr kumimoji="1" lang="en-US" altLang="zh-TW" dirty="0"/>
-              <a:t>The food is good.</a:t>
-            </a:r>
-          </a:p>
-          <a:p>
-            <a:pPr marL="0" indent="0">
-              <a:buNone/>
-            </a:pPr>
-            <a:r>
-              <a:rPr kumimoji="1" lang="en-US" altLang="zh-TW" dirty="0"/>
-              <a:t>The food is bad.</a:t>
-            </a:r>
-          </a:p>
-          <a:p>
-            <a:pPr marL="0" indent="0">
-              <a:buNone/>
-            </a:pPr>
-            <a:r>
-              <a:rPr kumimoji="1" lang="en-US" altLang="zh-TW" dirty="0"/>
-              <a:t>Pizza is amazing.</a:t>
-            </a:r>
-          </a:p>
-          <a:p>
-            <a:pPr marL="0" indent="0">
-              <a:buNone/>
-            </a:pPr>
-            <a:r>
-              <a:rPr kumimoji="1" lang="en-US" altLang="zh-TW" dirty="0"/>
-              <a:t>Burger is bad. </a:t>
+            <a:r>
+              <a:rPr kumimoji="1" lang="en-US" altLang="zh-TW" dirty="0"/>
+              <a:t>Historical </a:t>
+            </a:r>
+            <a:endParaRPr kumimoji="1" lang="zh-TW" altLang="en-US" dirty="0"/>
+          </a:p>
+        </p:txBody>
+      </p:sp>
+      <p:sp>
+        <p:nvSpPr>
+          <p:cNvPr id="5" name="文字方塊 4">
+            <a:extLst>
+              <a:ext uri="{FF2B5EF4-FFF2-40B4-BE49-F238E27FC236}">
+                <a16:creationId xmlns:a16="http://schemas.microsoft.com/office/drawing/2014/main" id="{09A5C239-753A-5E45-9B1A-D4F5338DF6FF}"/>
+              </a:ext>
+            </a:extLst>
+          </p:cNvPr>
+          <p:cNvSpPr txBox="1"/>
+          <p:nvPr/>
+        </p:nvSpPr>
+        <p:spPr>
+          <a:xfrm>
+            <a:off x="1855432" y="3528738"/>
+            <a:ext cx="1013675" cy="369332"/>
+          </a:xfrm>
+          <a:prstGeom prst="rect">
+            <a:avLst/>
+          </a:prstGeom>
+          <a:noFill/>
+        </p:spPr>
+        <p:txBody>
+          <a:bodyPr wrap="none" rtlCol="0">
+            <a:spAutoFit/>
+          </a:bodyPr>
+          <a:lstStyle/>
+          <a:p>
+            <a:r>
+              <a:rPr kumimoji="1" lang="en-US" altLang="zh-TW" dirty="0"/>
+              <a:t>History </a:t>
+            </a:r>
+            <a:endParaRPr kumimoji="1" lang="zh-TW" altLang="en-US" dirty="0"/>
+          </a:p>
+        </p:txBody>
+      </p:sp>
+      <p:sp>
+        <p:nvSpPr>
+          <p:cNvPr id="6" name="右大括弧 5">
+            <a:extLst>
+              <a:ext uri="{FF2B5EF4-FFF2-40B4-BE49-F238E27FC236}">
+                <a16:creationId xmlns:a16="http://schemas.microsoft.com/office/drawing/2014/main" id="{2D8E7DB7-183E-FA44-BA97-102656D4B88A}"/>
+              </a:ext>
+            </a:extLst>
+          </p:cNvPr>
+          <p:cNvSpPr/>
+          <p:nvPr/>
+        </p:nvSpPr>
+        <p:spPr>
+          <a:xfrm>
+            <a:off x="3083070" y="3051699"/>
+            <a:ext cx="186431" cy="746633"/>
+          </a:xfrm>
+          <a:prstGeom prst="rightBrace">
+            <a:avLst/>
+          </a:prstGeom>
+        </p:spPr>
+        <p:style>
+          <a:lnRef idx="3">
+            <a:schemeClr val="accent1"/>
+          </a:lnRef>
+          <a:fillRef idx="0">
+            <a:schemeClr val="accent1"/>
+          </a:fillRef>
+          <a:effectRef idx="2">
+            <a:schemeClr val="accent1"/>
+          </a:effectRef>
+          <a:fontRef idx="minor">
+            <a:schemeClr val="tx1"/>
+          </a:fontRef>
+        </p:style>
+        <p:txBody>
+          <a:bodyPr rtlCol="0" anchor="ctr"/>
+          <a:lstStyle/>
+          <a:p>
+            <a:pPr algn="ctr"/>
+            <a:endParaRPr kumimoji="1" lang="zh-TW" altLang="en-US"/>
+          </a:p>
+        </p:txBody>
+      </p:sp>
+      <p:sp>
+        <p:nvSpPr>
+          <p:cNvPr id="7" name="文字方塊 6">
+            <a:extLst>
+              <a:ext uri="{FF2B5EF4-FFF2-40B4-BE49-F238E27FC236}">
+                <a16:creationId xmlns:a16="http://schemas.microsoft.com/office/drawing/2014/main" id="{40111719-B87C-7A40-BFC3-6F931037A7DD}"/>
+              </a:ext>
+            </a:extLst>
+          </p:cNvPr>
+          <p:cNvSpPr txBox="1"/>
+          <p:nvPr/>
+        </p:nvSpPr>
+        <p:spPr>
+          <a:xfrm>
+            <a:off x="3328629" y="3240349"/>
+            <a:ext cx="1013675" cy="369332"/>
+          </a:xfrm>
+          <a:prstGeom prst="rect">
+            <a:avLst/>
+          </a:prstGeom>
+          <a:noFill/>
+        </p:spPr>
+        <p:txBody>
+          <a:bodyPr wrap="none" rtlCol="0">
+            <a:spAutoFit/>
+          </a:bodyPr>
+          <a:lstStyle/>
+          <a:p>
+            <a:r>
+              <a:rPr kumimoji="1" lang="en-US" altLang="zh-TW" dirty="0"/>
+              <a:t>History </a:t>
+            </a:r>
+            <a:endParaRPr kumimoji="1" lang="zh-TW" altLang="en-US" dirty="0"/>
+          </a:p>
+        </p:txBody>
+      </p:sp>
+      <p:sp>
+        <p:nvSpPr>
+          <p:cNvPr id="9" name="文字方塊 8">
+            <a:extLst>
+              <a:ext uri="{FF2B5EF4-FFF2-40B4-BE49-F238E27FC236}">
+                <a16:creationId xmlns:a16="http://schemas.microsoft.com/office/drawing/2014/main" id="{2A8C6B41-4AD9-0049-A2A2-EB772039A85B}"/>
+              </a:ext>
+            </a:extLst>
+          </p:cNvPr>
+          <p:cNvSpPr txBox="1"/>
+          <p:nvPr/>
+        </p:nvSpPr>
+        <p:spPr>
+          <a:xfrm>
+            <a:off x="5031577" y="2835961"/>
+            <a:ext cx="928459" cy="369332"/>
+          </a:xfrm>
+          <a:prstGeom prst="rect">
+            <a:avLst/>
+          </a:prstGeom>
+          <a:noFill/>
+        </p:spPr>
+        <p:txBody>
+          <a:bodyPr wrap="none" rtlCol="0">
+            <a:spAutoFit/>
+          </a:bodyPr>
+          <a:lstStyle/>
+          <a:p>
+            <a:r>
+              <a:rPr kumimoji="1" lang="en-US" altLang="zh-TW" dirty="0"/>
+              <a:t>Finally </a:t>
+            </a:r>
+            <a:endParaRPr kumimoji="1" lang="zh-TW" altLang="en-US" dirty="0"/>
+          </a:p>
+        </p:txBody>
+      </p:sp>
+      <p:sp>
+        <p:nvSpPr>
+          <p:cNvPr id="10" name="文字方塊 9">
+            <a:extLst>
+              <a:ext uri="{FF2B5EF4-FFF2-40B4-BE49-F238E27FC236}">
+                <a16:creationId xmlns:a16="http://schemas.microsoft.com/office/drawing/2014/main" id="{F826A3D8-EA56-EB45-9AEC-536C2531B0A2}"/>
+              </a:ext>
+            </a:extLst>
+          </p:cNvPr>
+          <p:cNvSpPr txBox="1"/>
+          <p:nvPr/>
+        </p:nvSpPr>
+        <p:spPr>
+          <a:xfrm>
+            <a:off x="5031577" y="3269813"/>
+            <a:ext cx="755335" cy="369332"/>
+          </a:xfrm>
+          <a:prstGeom prst="rect">
+            <a:avLst/>
+          </a:prstGeom>
+          <a:noFill/>
+        </p:spPr>
+        <p:txBody>
+          <a:bodyPr wrap="none" rtlCol="0">
+            <a:spAutoFit/>
+          </a:bodyPr>
+          <a:lstStyle/>
+          <a:p>
+            <a:r>
+              <a:rPr kumimoji="1" lang="en-US" altLang="zh-TW" dirty="0"/>
+              <a:t>Final </a:t>
+            </a:r>
+            <a:endParaRPr kumimoji="1" lang="zh-TW" altLang="en-US" dirty="0"/>
+          </a:p>
+        </p:txBody>
+      </p:sp>
+      <p:sp>
+        <p:nvSpPr>
+          <p:cNvPr id="11" name="右大括弧 10">
+            <a:extLst>
+              <a:ext uri="{FF2B5EF4-FFF2-40B4-BE49-F238E27FC236}">
+                <a16:creationId xmlns:a16="http://schemas.microsoft.com/office/drawing/2014/main" id="{B10EB98D-417A-CA42-A9AB-9C8D0C9D1237}"/>
+              </a:ext>
+            </a:extLst>
+          </p:cNvPr>
+          <p:cNvSpPr/>
+          <p:nvPr/>
+        </p:nvSpPr>
+        <p:spPr>
+          <a:xfrm>
+            <a:off x="6259215" y="3055684"/>
+            <a:ext cx="186431" cy="746633"/>
+          </a:xfrm>
+          <a:prstGeom prst="rightBrace">
+            <a:avLst/>
+          </a:prstGeom>
+        </p:spPr>
+        <p:style>
+          <a:lnRef idx="3">
+            <a:schemeClr val="accent1"/>
+          </a:lnRef>
+          <a:fillRef idx="0">
+            <a:schemeClr val="accent1"/>
+          </a:fillRef>
+          <a:effectRef idx="2">
+            <a:schemeClr val="accent1"/>
+          </a:effectRef>
+          <a:fontRef idx="minor">
+            <a:schemeClr val="tx1"/>
+          </a:fontRef>
+        </p:style>
+        <p:txBody>
+          <a:bodyPr rtlCol="0" anchor="ctr"/>
+          <a:lstStyle/>
+          <a:p>
+            <a:pPr algn="ctr"/>
+            <a:endParaRPr kumimoji="1" lang="zh-TW" altLang="en-US"/>
+          </a:p>
+        </p:txBody>
+      </p:sp>
+      <p:sp>
+        <p:nvSpPr>
+          <p:cNvPr id="12" name="文字方塊 11">
+            <a:extLst>
+              <a:ext uri="{FF2B5EF4-FFF2-40B4-BE49-F238E27FC236}">
+                <a16:creationId xmlns:a16="http://schemas.microsoft.com/office/drawing/2014/main" id="{ECFB2EDF-2C68-5F45-BF26-383D58D4DE56}"/>
+              </a:ext>
+            </a:extLst>
+          </p:cNvPr>
+          <p:cNvSpPr txBox="1"/>
+          <p:nvPr/>
+        </p:nvSpPr>
+        <p:spPr>
+          <a:xfrm>
+            <a:off x="6504774" y="3244334"/>
+            <a:ext cx="755335" cy="369332"/>
+          </a:xfrm>
+          <a:prstGeom prst="rect">
+            <a:avLst/>
+          </a:prstGeom>
+          <a:noFill/>
+        </p:spPr>
+        <p:txBody>
+          <a:bodyPr wrap="none" rtlCol="0">
+            <a:spAutoFit/>
+          </a:bodyPr>
+          <a:lstStyle/>
+          <a:p>
+            <a:r>
+              <a:rPr kumimoji="1" lang="en-US" altLang="zh-TW" dirty="0"/>
+              <a:t>Final </a:t>
+            </a:r>
+            <a:endParaRPr kumimoji="1" lang="zh-TW" altLang="en-US" dirty="0"/>
+          </a:p>
+        </p:txBody>
+      </p:sp>
+      <p:sp>
+        <p:nvSpPr>
+          <p:cNvPr id="13" name="文字方塊 12">
+            <a:extLst>
+              <a:ext uri="{FF2B5EF4-FFF2-40B4-BE49-F238E27FC236}">
+                <a16:creationId xmlns:a16="http://schemas.microsoft.com/office/drawing/2014/main" id="{E4AA0AF4-BEFE-C049-AA80-4232B6546E6A}"/>
+              </a:ext>
+            </a:extLst>
+          </p:cNvPr>
+          <p:cNvSpPr txBox="1"/>
+          <p:nvPr/>
+        </p:nvSpPr>
+        <p:spPr>
+          <a:xfrm>
+            <a:off x="5031576" y="3706963"/>
+            <a:ext cx="1053943" cy="369332"/>
+          </a:xfrm>
+          <a:prstGeom prst="rect">
+            <a:avLst/>
+          </a:prstGeom>
+          <a:noFill/>
+        </p:spPr>
+        <p:txBody>
+          <a:bodyPr wrap="none" rtlCol="0">
+            <a:spAutoFit/>
+          </a:bodyPr>
+          <a:lstStyle/>
+          <a:p>
+            <a:r>
+              <a:rPr kumimoji="1" lang="en-US" altLang="zh-TW" dirty="0"/>
+              <a:t>Finalize </a:t>
+            </a:r>
+            <a:endParaRPr kumimoji="1" lang="zh-TW" altLang="en-US" dirty="0"/>
+          </a:p>
+        </p:txBody>
+      </p:sp>
+      <p:sp>
+        <p:nvSpPr>
+          <p:cNvPr id="14" name="文字方塊 13">
+            <a:extLst>
+              <a:ext uri="{FF2B5EF4-FFF2-40B4-BE49-F238E27FC236}">
+                <a16:creationId xmlns:a16="http://schemas.microsoft.com/office/drawing/2014/main" id="{3A4E59BD-193D-204E-AB7B-6B670AD504AA}"/>
+              </a:ext>
+            </a:extLst>
+          </p:cNvPr>
+          <p:cNvSpPr txBox="1"/>
+          <p:nvPr/>
+        </p:nvSpPr>
+        <p:spPr>
+          <a:xfrm>
+            <a:off x="1248920" y="4710334"/>
+            <a:ext cx="3666838" cy="646331"/>
+          </a:xfrm>
+          <a:prstGeom prst="rect">
+            <a:avLst/>
+          </a:prstGeom>
+          <a:noFill/>
+        </p:spPr>
+        <p:txBody>
+          <a:bodyPr wrap="none" rtlCol="0">
+            <a:spAutoFit/>
+          </a:bodyPr>
+          <a:lstStyle/>
+          <a:p>
+            <a:r>
+              <a:rPr kumimoji="1" lang="en-US" altLang="zh-TW" dirty="0"/>
+              <a:t>Advantage: </a:t>
+            </a:r>
+          </a:p>
+          <a:p>
+            <a:r>
+              <a:rPr kumimoji="1" lang="en-US" altLang="zh-TW" dirty="0"/>
+              <a:t>We got the meaning of the word </a:t>
+            </a:r>
+          </a:p>
+        </p:txBody>
+      </p:sp>
+      <p:sp>
+        <p:nvSpPr>
+          <p:cNvPr id="15" name="文字方塊 14">
+            <a:extLst>
+              <a:ext uri="{FF2B5EF4-FFF2-40B4-BE49-F238E27FC236}">
+                <a16:creationId xmlns:a16="http://schemas.microsoft.com/office/drawing/2014/main" id="{B75AA4D8-3BD4-344C-A23E-E876D1A2FD98}"/>
+              </a:ext>
+            </a:extLst>
+          </p:cNvPr>
+          <p:cNvSpPr txBox="1"/>
+          <p:nvPr/>
+        </p:nvSpPr>
+        <p:spPr>
+          <a:xfrm>
+            <a:off x="5113696" y="4710333"/>
+            <a:ext cx="1696747" cy="646331"/>
+          </a:xfrm>
+          <a:prstGeom prst="rect">
+            <a:avLst/>
+          </a:prstGeom>
+          <a:noFill/>
+        </p:spPr>
+        <p:txBody>
+          <a:bodyPr wrap="none" rtlCol="0">
+            <a:spAutoFit/>
+          </a:bodyPr>
+          <a:lstStyle/>
+          <a:p>
+            <a:r>
+              <a:rPr kumimoji="1" lang="en-US" altLang="zh-TW" dirty="0"/>
+              <a:t>Disadvantage:</a:t>
+            </a:r>
+          </a:p>
+          <a:p>
+            <a:r>
+              <a:rPr kumimoji="1" lang="en-US" altLang="zh-TW" dirty="0"/>
+              <a:t>It is slow</a:t>
             </a:r>
             <a:endParaRPr kumimoji="1" lang="zh-TW" altLang="en-US" dirty="0"/>
           </a:p>
@@ -6995,7 +12494,7 @@
     </p:spTree>
     <p:extLst>
       <p:ext uri="{BB962C8B-B14F-4D97-AF65-F5344CB8AC3E}">
-        <p14:creationId xmlns:p14="http://schemas.microsoft.com/office/powerpoint/2010/main" val="3606835425"/>
+        <p14:creationId xmlns:p14="http://schemas.microsoft.com/office/powerpoint/2010/main" val="2531710617"/>
       </p:ext>
     </p:extLst>
   </p:cSld>
